--- a/MRF Learning.pptx
+++ b/MRF Learning.pptx
@@ -7,8 +7,10 @@
   <p:sldIdLst>
     <p:sldId id="256" r:id="rId2"/>
     <p:sldId id="257" r:id="rId3"/>
-    <p:sldId id="259" r:id="rId4"/>
-    <p:sldId id="258" r:id="rId5"/>
+    <p:sldId id="261" r:id="rId4"/>
+    <p:sldId id="260" r:id="rId5"/>
+    <p:sldId id="259" r:id="rId6"/>
+    <p:sldId id="258" r:id="rId7"/>
   </p:sldIdLst>
   <p:sldSz cx="12192000" cy="6858000"/>
   <p:notesSz cx="6858000" cy="9144000"/>
@@ -107,6 +109,11 @@
       </a:defRPr>
     </a:lvl9pPr>
   </p:defaultTextStyle>
+  <p:extLst>
+    <p:ext uri="{EFAFB233-063F-42B5-8137-9DF3F51BA10A}">
+      <p15:sldGuideLst xmlns:p15="http://schemas.microsoft.com/office/powerpoint/2012/main"/>
+    </p:ext>
+  </p:extLst>
 </p:presentation>
 </file>
 
@@ -257,7 +264,7 @@
           <a:p>
             <a:fld id="{8174CD19-1539-4C4F-BA8F-941F0C8088BF}" type="datetimeFigureOut">
               <a:rPr lang="en-US" smtClean="0"/>
-              <a:t>4/18/2018</a:t>
+              <a:t>5/25/2018</a:t>
             </a:fld>
             <a:endParaRPr lang="en-US"/>
           </a:p>
@@ -455,7 +462,7 @@
           <a:p>
             <a:fld id="{8174CD19-1539-4C4F-BA8F-941F0C8088BF}" type="datetimeFigureOut">
               <a:rPr lang="en-US" smtClean="0"/>
-              <a:t>4/18/2018</a:t>
+              <a:t>5/25/2018</a:t>
             </a:fld>
             <a:endParaRPr lang="en-US"/>
           </a:p>
@@ -663,7 +670,7 @@
           <a:p>
             <a:fld id="{8174CD19-1539-4C4F-BA8F-941F0C8088BF}" type="datetimeFigureOut">
               <a:rPr lang="en-US" smtClean="0"/>
-              <a:t>4/18/2018</a:t>
+              <a:t>5/25/2018</a:t>
             </a:fld>
             <a:endParaRPr lang="en-US"/>
           </a:p>
@@ -861,7 +868,7 @@
           <a:p>
             <a:fld id="{8174CD19-1539-4C4F-BA8F-941F0C8088BF}" type="datetimeFigureOut">
               <a:rPr lang="en-US" smtClean="0"/>
-              <a:t>4/18/2018</a:t>
+              <a:t>5/25/2018</a:t>
             </a:fld>
             <a:endParaRPr lang="en-US"/>
           </a:p>
@@ -1136,7 +1143,7 @@
           <a:p>
             <a:fld id="{8174CD19-1539-4C4F-BA8F-941F0C8088BF}" type="datetimeFigureOut">
               <a:rPr lang="en-US" smtClean="0"/>
-              <a:t>4/18/2018</a:t>
+              <a:t>5/25/2018</a:t>
             </a:fld>
             <a:endParaRPr lang="en-US"/>
           </a:p>
@@ -1401,7 +1408,7 @@
           <a:p>
             <a:fld id="{8174CD19-1539-4C4F-BA8F-941F0C8088BF}" type="datetimeFigureOut">
               <a:rPr lang="en-US" smtClean="0"/>
-              <a:t>4/18/2018</a:t>
+              <a:t>5/25/2018</a:t>
             </a:fld>
             <a:endParaRPr lang="en-US"/>
           </a:p>
@@ -1813,7 +1820,7 @@
           <a:p>
             <a:fld id="{8174CD19-1539-4C4F-BA8F-941F0C8088BF}" type="datetimeFigureOut">
               <a:rPr lang="en-US" smtClean="0"/>
-              <a:t>4/18/2018</a:t>
+              <a:t>5/25/2018</a:t>
             </a:fld>
             <a:endParaRPr lang="en-US"/>
           </a:p>
@@ -1954,7 +1961,7 @@
           <a:p>
             <a:fld id="{8174CD19-1539-4C4F-BA8F-941F0C8088BF}" type="datetimeFigureOut">
               <a:rPr lang="en-US" smtClean="0"/>
-              <a:t>4/18/2018</a:t>
+              <a:t>5/25/2018</a:t>
             </a:fld>
             <a:endParaRPr lang="en-US"/>
           </a:p>
@@ -2067,7 +2074,7 @@
           <a:p>
             <a:fld id="{8174CD19-1539-4C4F-BA8F-941F0C8088BF}" type="datetimeFigureOut">
               <a:rPr lang="en-US" smtClean="0"/>
-              <a:t>4/18/2018</a:t>
+              <a:t>5/25/2018</a:t>
             </a:fld>
             <a:endParaRPr lang="en-US"/>
           </a:p>
@@ -2378,7 +2385,7 @@
           <a:p>
             <a:fld id="{8174CD19-1539-4C4F-BA8F-941F0C8088BF}" type="datetimeFigureOut">
               <a:rPr lang="en-US" smtClean="0"/>
-              <a:t>4/18/2018</a:t>
+              <a:t>5/25/2018</a:t>
             </a:fld>
             <a:endParaRPr lang="en-US"/>
           </a:p>
@@ -2666,7 +2673,7 @@
           <a:p>
             <a:fld id="{8174CD19-1539-4C4F-BA8F-941F0C8088BF}" type="datetimeFigureOut">
               <a:rPr lang="en-US" smtClean="0"/>
-              <a:t>4/18/2018</a:t>
+              <a:t>5/25/2018</a:t>
             </a:fld>
             <a:endParaRPr lang="en-US"/>
           </a:p>
@@ -2907,7 +2914,7 @@
           <a:p>
             <a:fld id="{8174CD19-1539-4C4F-BA8F-941F0C8088BF}" type="datetimeFigureOut">
               <a:rPr lang="en-US" smtClean="0"/>
-              <a:t>4/18/2018</a:t>
+              <a:t>5/25/2018</a:t>
             </a:fld>
             <a:endParaRPr lang="en-US"/>
           </a:p>
@@ -3421,7 +3428,7 @@
         </p:nvSpPr>
         <p:spPr>
           <a:xfrm>
-            <a:off x="1588385" y="361014"/>
+            <a:off x="6036172" y="-60439"/>
             <a:ext cx="4385733" cy="4213307"/>
           </a:xfrm>
           <a:prstGeom prst="ellipse">
@@ -3739,7 +3746,7 @@
         </p:nvCxnSpPr>
         <p:spPr>
           <a:xfrm>
-            <a:off x="3009900" y="1964802"/>
+            <a:off x="2892637" y="2046214"/>
             <a:ext cx="1542705" cy="0"/>
           </a:xfrm>
           <a:prstGeom prst="line">
@@ -4136,8 +4143,8 @@
           <p:nvPr/>
         </p:nvSpPr>
         <p:spPr>
-          <a:xfrm rot="16381549">
-            <a:off x="1543757" y="3617587"/>
+          <a:xfrm rot="16200000">
+            <a:off x="5047079" y="1809834"/>
             <a:ext cx="4385733" cy="1913467"/>
           </a:xfrm>
           <a:prstGeom prst="ellipse">
@@ -4184,6 +4191,5837 @@
 </file>
 
 <file path=ppt/slides/slide3.xml><?xml version="1.0" encoding="utf-8"?>
+<p:sld xmlns:a="http://schemas.openxmlformats.org/drawingml/2006/main" xmlns:r="http://schemas.openxmlformats.org/officeDocument/2006/relationships" xmlns:p="http://schemas.openxmlformats.org/presentationml/2006/main">
+  <p:cSld>
+    <p:spTree>
+      <p:nvGrpSpPr>
+        <p:cNvPr id="1" name=""/>
+        <p:cNvGrpSpPr/>
+        <p:nvPr/>
+      </p:nvGrpSpPr>
+      <p:grpSpPr>
+        <a:xfrm>
+          <a:off x="0" y="0"/>
+          <a:ext cx="0" cy="0"/>
+          <a:chOff x="0" y="0"/>
+          <a:chExt cx="0" cy="0"/>
+        </a:xfrm>
+      </p:grpSpPr>
+      <p:sp>
+        <p:nvSpPr>
+          <p:cNvPr id="17" name="Rectangle 16">
+            <a:extLst>
+              <a:ext uri="{FF2B5EF4-FFF2-40B4-BE49-F238E27FC236}">
+                <a16:creationId xmlns:a16="http://schemas.microsoft.com/office/drawing/2014/main" id="{4D930B04-2EFF-4FAF-94EB-C1FFC390A5C4}"/>
+              </a:ext>
+            </a:extLst>
+          </p:cNvPr>
+          <p:cNvSpPr/>
+          <p:nvPr/>
+        </p:nvSpPr>
+        <p:spPr>
+          <a:xfrm>
+            <a:off x="8776479" y="28842"/>
+            <a:ext cx="4834746" cy="4524108"/>
+          </a:xfrm>
+          <a:prstGeom prst="rect">
+            <a:avLst/>
+          </a:prstGeom>
+          <a:solidFill>
+            <a:schemeClr val="accent2">
+              <a:lumMod val="60000"/>
+              <a:lumOff val="40000"/>
+            </a:schemeClr>
+          </a:solidFill>
+        </p:spPr>
+        <p:style>
+          <a:lnRef idx="2">
+            <a:schemeClr val="accent1">
+              <a:shade val="50000"/>
+            </a:schemeClr>
+          </a:lnRef>
+          <a:fillRef idx="1">
+            <a:schemeClr val="accent1"/>
+          </a:fillRef>
+          <a:effectRef idx="0">
+            <a:schemeClr val="accent1"/>
+          </a:effectRef>
+          <a:fontRef idx="minor">
+            <a:schemeClr val="lt1"/>
+          </a:fontRef>
+        </p:style>
+        <p:txBody>
+          <a:bodyPr rtlCol="0" anchor="ctr"/>
+          <a:lstStyle/>
+          <a:p>
+            <a:pPr algn="ctr"/>
+            <a:endParaRPr lang="en-US"/>
+          </a:p>
+        </p:txBody>
+      </p:sp>
+      <p:sp>
+        <p:nvSpPr>
+          <p:cNvPr id="2" name="Title 1">
+            <a:extLst>
+              <a:ext uri="{FF2B5EF4-FFF2-40B4-BE49-F238E27FC236}">
+                <a16:creationId xmlns:a16="http://schemas.microsoft.com/office/drawing/2014/main" id="{868FDAA9-9497-4055-B515-B85083F838D8}"/>
+              </a:ext>
+            </a:extLst>
+          </p:cNvPr>
+          <p:cNvSpPr>
+            <a:spLocks noGrp="1"/>
+          </p:cNvSpPr>
+          <p:nvPr>
+            <p:ph type="title"/>
+          </p:nvPr>
+        </p:nvSpPr>
+        <p:spPr/>
+        <p:txBody>
+          <a:bodyPr/>
+          <a:lstStyle/>
+          <a:p>
+            <a:r>
+              <a:rPr lang="en-US" dirty="0"/>
+              <a:t>VE of the Graph </a:t>
+            </a:r>
+          </a:p>
+        </p:txBody>
+      </p:sp>
+      <mc:AlternateContent xmlns:mc="http://schemas.openxmlformats.org/markup-compatibility/2006">
+        <mc:Choice xmlns:a14="http://schemas.microsoft.com/office/drawing/2010/main" Requires="a14">
+          <p:sp>
+            <p:nvSpPr>
+              <p:cNvPr id="3" name="Content Placeholder 2">
+                <a:extLst>
+                  <a:ext uri="{FF2B5EF4-FFF2-40B4-BE49-F238E27FC236}">
+                    <a16:creationId xmlns:a16="http://schemas.microsoft.com/office/drawing/2014/main" id="{14F06CA7-9135-4907-9FD7-C7FD149F6950}"/>
+                  </a:ext>
+                </a:extLst>
+              </p:cNvPr>
+              <p:cNvSpPr>
+                <a:spLocks noGrp="1"/>
+              </p:cNvSpPr>
+              <p:nvPr>
+                <p:ph idx="1"/>
+              </p:nvPr>
+            </p:nvSpPr>
+            <p:spPr>
+              <a:xfrm>
+                <a:off x="-1039387" y="1921054"/>
+                <a:ext cx="8486955" cy="4351338"/>
+              </a:xfrm>
+            </p:spPr>
+            <p:txBody>
+              <a:bodyPr>
+                <a:normAutofit/>
+              </a:bodyPr>
+              <a:lstStyle/>
+              <a:p>
+                <a:pPr marL="285750" indent="-285750">
+                  <a:buFontTx/>
+                  <a:buChar char="-"/>
+                </a:pPr>
+                <a:r>
+                  <a:rPr lang="en-US" sz="1400" dirty="0"/>
+                  <a:t>Start: φ(Amazon, Apple)φ(Amazon, Microsoft) φ(Amazon, Hanes) φ(Microsoft, Apple) φ(Hanes, Nike)</a:t>
+                </a:r>
+              </a:p>
+              <a:p>
+                <a:pPr marL="285750" indent="-285750">
+                  <a:buFontTx/>
+                  <a:buChar char="-"/>
+                </a:pPr>
+                <a:r>
+                  <a:rPr lang="en-US" sz="1400" dirty="0"/>
+                  <a:t>Step 1 Nike: </a:t>
+                </a:r>
+                <a14:m>
+                  <m:oMath xmlns:m="http://schemas.openxmlformats.org/officeDocument/2006/math">
+                    <m:nary>
+                      <m:naryPr>
+                        <m:chr m:val="∑"/>
+                        <m:ctrlPr>
+                          <a:rPr lang="pt-BR" sz="1100" i="1" smtClean="0">
+                            <a:latin typeface="Cambria Math" panose="02040503050406030204" pitchFamily="18" charset="0"/>
+                          </a:rPr>
+                        </m:ctrlPr>
+                      </m:naryPr>
+                      <m:sub>
+                        <m:r>
+                          <a:rPr lang="pt-BR" sz="1100" i="1" smtClean="0">
+                            <a:latin typeface="Cambria Math" panose="02040503050406030204" pitchFamily="18" charset="0"/>
+                          </a:rPr>
+                          <m:t>𝑛</m:t>
+                        </m:r>
+                        <m:r>
+                          <a:rPr lang="pt-BR" sz="1100" i="1" smtClean="0">
+                            <a:latin typeface="Cambria Math" panose="02040503050406030204" pitchFamily="18" charset="0"/>
+                          </a:rPr>
+                          <m:t>=1</m:t>
+                        </m:r>
+                      </m:sub>
+                      <m:sup>
+                        <m:r>
+                          <a:rPr lang="en-US" sz="1100" b="0" i="1" smtClean="0">
+                            <a:latin typeface="Cambria Math" panose="02040503050406030204" pitchFamily="18" charset="0"/>
+                          </a:rPr>
+                          <m:t>𝑁𝑖𝑘𝑒</m:t>
+                        </m:r>
+                      </m:sup>
+                      <m:e>
+                        <m:d>
+                          <m:dPr>
+                            <m:ctrlPr>
+                              <a:rPr lang="pt-BR" sz="1100" i="1" smtClean="0">
+                                <a:latin typeface="Cambria Math" panose="02040503050406030204" pitchFamily="18" charset="0"/>
+                              </a:rPr>
+                            </m:ctrlPr>
+                          </m:dPr>
+                          <m:e>
+                            <m:r>
+                              <m:rPr>
+                                <m:nor/>
+                              </m:rPr>
+                              <a:rPr lang="en-US" sz="1100" dirty="0"/>
+                              <m:t>φ</m:t>
+                            </m:r>
+                            <m:r>
+                              <m:rPr>
+                                <m:nor/>
+                              </m:rPr>
+                              <a:rPr lang="en-US" sz="1100" dirty="0"/>
+                              <m:t>(</m:t>
+                            </m:r>
+                            <m:r>
+                              <m:rPr>
+                                <m:nor/>
+                              </m:rPr>
+                              <a:rPr lang="en-US" sz="1100" dirty="0"/>
+                              <m:t>Amazon</m:t>
+                            </m:r>
+                            <m:r>
+                              <m:rPr>
+                                <m:nor/>
+                              </m:rPr>
+                              <a:rPr lang="en-US" sz="1100" dirty="0"/>
+                              <m:t>, </m:t>
+                            </m:r>
+                            <m:r>
+                              <m:rPr>
+                                <m:nor/>
+                              </m:rPr>
+                              <a:rPr lang="en-US" sz="1100" dirty="0"/>
+                              <m:t>Apple</m:t>
+                            </m:r>
+                            <m:r>
+                              <m:rPr>
+                                <m:nor/>
+                              </m:rPr>
+                              <a:rPr lang="en-US" sz="1100" dirty="0"/>
+                              <m:t>)</m:t>
+                            </m:r>
+                            <m:r>
+                              <m:rPr>
+                                <m:nor/>
+                              </m:rPr>
+                              <a:rPr lang="en-US" sz="1100" dirty="0"/>
+                              <m:t>φ</m:t>
+                            </m:r>
+                            <m:r>
+                              <m:rPr>
+                                <m:nor/>
+                              </m:rPr>
+                              <a:rPr lang="en-US" sz="1100" dirty="0"/>
+                              <m:t>(</m:t>
+                            </m:r>
+                            <m:r>
+                              <m:rPr>
+                                <m:nor/>
+                              </m:rPr>
+                              <a:rPr lang="en-US" sz="1100" dirty="0"/>
+                              <m:t>Amazon</m:t>
+                            </m:r>
+                            <m:r>
+                              <m:rPr>
+                                <m:nor/>
+                              </m:rPr>
+                              <a:rPr lang="en-US" sz="1100" dirty="0"/>
+                              <m:t>, </m:t>
+                            </m:r>
+                            <m:r>
+                              <m:rPr>
+                                <m:nor/>
+                              </m:rPr>
+                              <a:rPr lang="en-US" sz="1100" dirty="0"/>
+                              <m:t>Microsoft</m:t>
+                            </m:r>
+                            <m:r>
+                              <m:rPr>
+                                <m:nor/>
+                              </m:rPr>
+                              <a:rPr lang="en-US" sz="1100" dirty="0"/>
+                              <m:t>) </m:t>
+                            </m:r>
+                            <m:r>
+                              <m:rPr>
+                                <m:nor/>
+                              </m:rPr>
+                              <a:rPr lang="en-US" sz="1100" dirty="0"/>
+                              <m:t>φ</m:t>
+                            </m:r>
+                            <m:r>
+                              <m:rPr>
+                                <m:nor/>
+                              </m:rPr>
+                              <a:rPr lang="en-US" sz="1100" dirty="0"/>
+                              <m:t>(</m:t>
+                            </m:r>
+                            <m:r>
+                              <m:rPr>
+                                <m:nor/>
+                              </m:rPr>
+                              <a:rPr lang="en-US" sz="1100" dirty="0"/>
+                              <m:t>Amazon</m:t>
+                            </m:r>
+                            <m:r>
+                              <m:rPr>
+                                <m:nor/>
+                              </m:rPr>
+                              <a:rPr lang="en-US" sz="1100" dirty="0"/>
+                              <m:t>, </m:t>
+                            </m:r>
+                            <m:r>
+                              <m:rPr>
+                                <m:nor/>
+                              </m:rPr>
+                              <a:rPr lang="en-US" sz="1100" dirty="0"/>
+                              <m:t>Hanes</m:t>
+                            </m:r>
+                            <m:r>
+                              <m:rPr>
+                                <m:nor/>
+                              </m:rPr>
+                              <a:rPr lang="en-US" sz="1100" dirty="0"/>
+                              <m:t>) </m:t>
+                            </m:r>
+                            <m:r>
+                              <m:rPr>
+                                <m:nor/>
+                              </m:rPr>
+                              <a:rPr lang="en-US" sz="1100" dirty="0"/>
+                              <m:t>φ</m:t>
+                            </m:r>
+                            <m:r>
+                              <m:rPr>
+                                <m:nor/>
+                              </m:rPr>
+                              <a:rPr lang="en-US" sz="1100" dirty="0"/>
+                              <m:t>(</m:t>
+                            </m:r>
+                            <m:r>
+                              <m:rPr>
+                                <m:nor/>
+                              </m:rPr>
+                              <a:rPr lang="en-US" sz="1100" dirty="0"/>
+                              <m:t>Microsoft</m:t>
+                            </m:r>
+                            <m:r>
+                              <m:rPr>
+                                <m:nor/>
+                              </m:rPr>
+                              <a:rPr lang="en-US" sz="1100" dirty="0"/>
+                              <m:t>, </m:t>
+                            </m:r>
+                            <m:r>
+                              <m:rPr>
+                                <m:nor/>
+                              </m:rPr>
+                              <a:rPr lang="en-US" sz="1100" dirty="0"/>
+                              <m:t>Apple</m:t>
+                            </m:r>
+                            <m:r>
+                              <m:rPr>
+                                <m:nor/>
+                              </m:rPr>
+                              <a:rPr lang="en-US" sz="1100" dirty="0"/>
+                              <m:t>) </m:t>
+                            </m:r>
+                            <m:r>
+                              <m:rPr>
+                                <m:nor/>
+                              </m:rPr>
+                              <a:rPr lang="en-US" sz="1100" dirty="0"/>
+                              <m:t>φ</m:t>
+                            </m:r>
+                            <m:r>
+                              <m:rPr>
+                                <m:nor/>
+                              </m:rPr>
+                              <a:rPr lang="en-US" sz="1100" dirty="0"/>
+                              <m:t>(</m:t>
+                            </m:r>
+                            <m:r>
+                              <m:rPr>
+                                <m:nor/>
+                              </m:rPr>
+                              <a:rPr lang="en-US" sz="1100" dirty="0"/>
+                              <m:t>Hanes</m:t>
+                            </m:r>
+                            <m:r>
+                              <m:rPr>
+                                <m:nor/>
+                              </m:rPr>
+                              <a:rPr lang="en-US" sz="1100" dirty="0"/>
+                              <m:t>, </m:t>
+                            </m:r>
+                            <m:r>
+                              <m:rPr>
+                                <m:nor/>
+                              </m:rPr>
+                              <a:rPr lang="en-US" sz="1100" dirty="0"/>
+                              <m:t>Nike</m:t>
+                            </m:r>
+                            <m:r>
+                              <m:rPr>
+                                <m:nor/>
+                              </m:rPr>
+                              <a:rPr lang="en-US" sz="1100" dirty="0"/>
+                              <m:t>)</m:t>
+                            </m:r>
+                          </m:e>
+                        </m:d>
+                      </m:e>
+                    </m:nary>
+                  </m:oMath>
+                </a14:m>
+                <a:endParaRPr lang="en-US" sz="1200" dirty="0"/>
+              </a:p>
+              <a:p>
+                <a:pPr marL="742950" lvl="1" indent="-285750">
+                  <a:buFontTx/>
+                  <a:buChar char="-"/>
+                </a:pPr>
+                <a14:m>
+                  <m:oMath xmlns:m="http://schemas.openxmlformats.org/officeDocument/2006/math">
+                    <m:r>
+                      <m:rPr>
+                        <m:nor/>
+                      </m:rPr>
+                      <a:rPr lang="en-US" sz="900" dirty="0"/>
+                      <m:t>φ</m:t>
+                    </m:r>
+                    <m:r>
+                      <m:rPr>
+                        <m:nor/>
+                      </m:rPr>
+                      <a:rPr lang="en-US" sz="900" dirty="0"/>
+                      <m:t>(</m:t>
+                    </m:r>
+                    <m:r>
+                      <m:rPr>
+                        <m:nor/>
+                      </m:rPr>
+                      <a:rPr lang="en-US" sz="900" dirty="0"/>
+                      <m:t>Amazon</m:t>
+                    </m:r>
+                    <m:r>
+                      <m:rPr>
+                        <m:nor/>
+                      </m:rPr>
+                      <a:rPr lang="en-US" sz="900" dirty="0"/>
+                      <m:t>, </m:t>
+                    </m:r>
+                    <m:r>
+                      <m:rPr>
+                        <m:nor/>
+                      </m:rPr>
+                      <a:rPr lang="en-US" sz="900" dirty="0"/>
+                      <m:t>Apple</m:t>
+                    </m:r>
+                    <m:r>
+                      <m:rPr>
+                        <m:nor/>
+                      </m:rPr>
+                      <a:rPr lang="en-US" sz="900" dirty="0"/>
+                      <m:t>)</m:t>
+                    </m:r>
+                    <m:r>
+                      <m:rPr>
+                        <m:nor/>
+                      </m:rPr>
+                      <a:rPr lang="en-US" sz="900" dirty="0"/>
+                      <m:t>φ</m:t>
+                    </m:r>
+                    <m:r>
+                      <m:rPr>
+                        <m:nor/>
+                      </m:rPr>
+                      <a:rPr lang="en-US" sz="900" dirty="0"/>
+                      <m:t>(</m:t>
+                    </m:r>
+                    <m:r>
+                      <m:rPr>
+                        <m:nor/>
+                      </m:rPr>
+                      <a:rPr lang="en-US" sz="900" dirty="0"/>
+                      <m:t>Amazon</m:t>
+                    </m:r>
+                    <m:r>
+                      <m:rPr>
+                        <m:nor/>
+                      </m:rPr>
+                      <a:rPr lang="en-US" sz="900" dirty="0"/>
+                      <m:t>, </m:t>
+                    </m:r>
+                    <m:r>
+                      <m:rPr>
+                        <m:nor/>
+                      </m:rPr>
+                      <a:rPr lang="en-US" sz="900" dirty="0"/>
+                      <m:t>Microsoft</m:t>
+                    </m:r>
+                    <m:r>
+                      <m:rPr>
+                        <m:nor/>
+                      </m:rPr>
+                      <a:rPr lang="en-US" sz="900" dirty="0"/>
+                      <m:t>) </m:t>
+                    </m:r>
+                    <m:r>
+                      <m:rPr>
+                        <m:nor/>
+                      </m:rPr>
+                      <a:rPr lang="en-US" sz="900" dirty="0"/>
+                      <m:t>φ</m:t>
+                    </m:r>
+                    <m:r>
+                      <m:rPr>
+                        <m:nor/>
+                      </m:rPr>
+                      <a:rPr lang="en-US" sz="900" dirty="0"/>
+                      <m:t>(</m:t>
+                    </m:r>
+                    <m:r>
+                      <m:rPr>
+                        <m:nor/>
+                      </m:rPr>
+                      <a:rPr lang="en-US" sz="900" dirty="0"/>
+                      <m:t>Amazon</m:t>
+                    </m:r>
+                    <m:r>
+                      <m:rPr>
+                        <m:nor/>
+                      </m:rPr>
+                      <a:rPr lang="en-US" sz="900" dirty="0"/>
+                      <m:t>, </m:t>
+                    </m:r>
+                    <m:r>
+                      <m:rPr>
+                        <m:nor/>
+                      </m:rPr>
+                      <a:rPr lang="en-US" sz="900" dirty="0"/>
+                      <m:t>Hanes</m:t>
+                    </m:r>
+                    <m:r>
+                      <m:rPr>
+                        <m:nor/>
+                      </m:rPr>
+                      <a:rPr lang="en-US" sz="900" dirty="0"/>
+                      <m:t>) </m:t>
+                    </m:r>
+                    <m:r>
+                      <m:rPr>
+                        <m:nor/>
+                      </m:rPr>
+                      <a:rPr lang="en-US" sz="900" dirty="0"/>
+                      <m:t>φ</m:t>
+                    </m:r>
+                    <m:r>
+                      <m:rPr>
+                        <m:nor/>
+                      </m:rPr>
+                      <a:rPr lang="en-US" sz="900" dirty="0"/>
+                      <m:t>(</m:t>
+                    </m:r>
+                    <m:r>
+                      <m:rPr>
+                        <m:nor/>
+                      </m:rPr>
+                      <a:rPr lang="en-US" sz="900" dirty="0"/>
+                      <m:t>Microsoft</m:t>
+                    </m:r>
+                    <m:r>
+                      <m:rPr>
+                        <m:nor/>
+                      </m:rPr>
+                      <a:rPr lang="en-US" sz="900" dirty="0"/>
+                      <m:t>, </m:t>
+                    </m:r>
+                    <m:r>
+                      <m:rPr>
+                        <m:nor/>
+                      </m:rPr>
+                      <a:rPr lang="en-US" sz="900" dirty="0"/>
+                      <m:t>Apple</m:t>
+                    </m:r>
+                    <m:r>
+                      <m:rPr>
+                        <m:nor/>
+                      </m:rPr>
+                      <a:rPr lang="en-US" sz="900" dirty="0"/>
+                      <m:t>)</m:t>
+                    </m:r>
+                    <m:r>
+                      <a:rPr lang="en-US" sz="900" i="1" dirty="0">
+                        <a:latin typeface="Cambria Math" panose="02040503050406030204" pitchFamily="18" charset="0"/>
+                      </a:rPr>
+                      <m:t> </m:t>
+                    </m:r>
+                    <m:nary>
+                      <m:naryPr>
+                        <m:chr m:val="∑"/>
+                        <m:ctrlPr>
+                          <a:rPr lang="pt-BR" sz="900" i="1">
+                            <a:latin typeface="Cambria Math" panose="02040503050406030204" pitchFamily="18" charset="0"/>
+                          </a:rPr>
+                        </m:ctrlPr>
+                      </m:naryPr>
+                      <m:sub>
+                        <m:r>
+                          <a:rPr lang="pt-BR" sz="900" i="1">
+                            <a:latin typeface="Cambria Math" panose="02040503050406030204" pitchFamily="18" charset="0"/>
+                          </a:rPr>
+                          <m:t>𝑛</m:t>
+                        </m:r>
+                        <m:r>
+                          <a:rPr lang="pt-BR" sz="900" i="1">
+                            <a:latin typeface="Cambria Math" panose="02040503050406030204" pitchFamily="18" charset="0"/>
+                          </a:rPr>
+                          <m:t>=1</m:t>
+                        </m:r>
+                      </m:sub>
+                      <m:sup>
+                        <m:r>
+                          <a:rPr lang="en-US" sz="900" i="1">
+                            <a:latin typeface="Cambria Math" panose="02040503050406030204" pitchFamily="18" charset="0"/>
+                          </a:rPr>
+                          <m:t>𝑁𝑖𝑘𝑒</m:t>
+                        </m:r>
+                      </m:sup>
+                      <m:e>
+                        <m:d>
+                          <m:dPr>
+                            <m:ctrlPr>
+                              <a:rPr lang="pt-BR" sz="900" i="1">
+                                <a:latin typeface="Cambria Math" panose="02040503050406030204" pitchFamily="18" charset="0"/>
+                              </a:rPr>
+                            </m:ctrlPr>
+                          </m:dPr>
+                          <m:e>
+                            <m:r>
+                              <m:rPr>
+                                <m:nor/>
+                              </m:rPr>
+                              <a:rPr lang="en-US" sz="900" dirty="0"/>
+                              <m:t>φ</m:t>
+                            </m:r>
+                            <m:r>
+                              <m:rPr>
+                                <m:nor/>
+                              </m:rPr>
+                              <a:rPr lang="en-US" sz="900" dirty="0"/>
+                              <m:t>(</m:t>
+                            </m:r>
+                            <m:r>
+                              <m:rPr>
+                                <m:nor/>
+                              </m:rPr>
+                              <a:rPr lang="en-US" sz="900" dirty="0"/>
+                              <m:t>Hanes</m:t>
+                            </m:r>
+                            <m:r>
+                              <m:rPr>
+                                <m:nor/>
+                              </m:rPr>
+                              <a:rPr lang="en-US" sz="900" dirty="0"/>
+                              <m:t>, </m:t>
+                            </m:r>
+                            <m:r>
+                              <m:rPr>
+                                <m:nor/>
+                              </m:rPr>
+                              <a:rPr lang="en-US" sz="900" dirty="0"/>
+                              <m:t>Nike</m:t>
+                            </m:r>
+                            <m:r>
+                              <m:rPr>
+                                <m:nor/>
+                              </m:rPr>
+                              <a:rPr lang="en-US" sz="900" dirty="0"/>
+                              <m:t>)</m:t>
+                            </m:r>
+                          </m:e>
+                        </m:d>
+                      </m:e>
+                    </m:nary>
+                  </m:oMath>
+                </a14:m>
+                <a:endParaRPr lang="en-US" sz="900" dirty="0"/>
+              </a:p>
+              <a:p>
+                <a:pPr marL="742950" lvl="1" indent="-285750">
+                  <a:buFontTx/>
+                  <a:buChar char="-"/>
+                </a:pPr>
+                <a14:m>
+                  <m:oMath xmlns:m="http://schemas.openxmlformats.org/officeDocument/2006/math">
+                    <m:r>
+                      <m:rPr>
+                        <m:nor/>
+                      </m:rPr>
+                      <a:rPr lang="en-US" sz="900" dirty="0"/>
+                      <m:t>φ</m:t>
+                    </m:r>
+                    <m:r>
+                      <m:rPr>
+                        <m:nor/>
+                      </m:rPr>
+                      <a:rPr lang="en-US" sz="900" dirty="0"/>
+                      <m:t>(</m:t>
+                    </m:r>
+                    <m:r>
+                      <m:rPr>
+                        <m:nor/>
+                      </m:rPr>
+                      <a:rPr lang="en-US" sz="900" dirty="0"/>
+                      <m:t>Amazon</m:t>
+                    </m:r>
+                    <m:r>
+                      <m:rPr>
+                        <m:nor/>
+                      </m:rPr>
+                      <a:rPr lang="en-US" sz="900" dirty="0"/>
+                      <m:t>, </m:t>
+                    </m:r>
+                    <m:r>
+                      <m:rPr>
+                        <m:nor/>
+                      </m:rPr>
+                      <a:rPr lang="en-US" sz="900" dirty="0"/>
+                      <m:t>Apple</m:t>
+                    </m:r>
+                    <m:r>
+                      <m:rPr>
+                        <m:nor/>
+                      </m:rPr>
+                      <a:rPr lang="en-US" sz="900" dirty="0"/>
+                      <m:t>)</m:t>
+                    </m:r>
+                    <m:r>
+                      <m:rPr>
+                        <m:nor/>
+                      </m:rPr>
+                      <a:rPr lang="en-US" sz="900" dirty="0"/>
+                      <m:t>φ</m:t>
+                    </m:r>
+                    <m:r>
+                      <m:rPr>
+                        <m:nor/>
+                      </m:rPr>
+                      <a:rPr lang="en-US" sz="900" dirty="0"/>
+                      <m:t>(</m:t>
+                    </m:r>
+                    <m:r>
+                      <m:rPr>
+                        <m:nor/>
+                      </m:rPr>
+                      <a:rPr lang="en-US" sz="900" dirty="0"/>
+                      <m:t>Amazon</m:t>
+                    </m:r>
+                    <m:r>
+                      <m:rPr>
+                        <m:nor/>
+                      </m:rPr>
+                      <a:rPr lang="en-US" sz="900" dirty="0"/>
+                      <m:t>, </m:t>
+                    </m:r>
+                    <m:r>
+                      <m:rPr>
+                        <m:nor/>
+                      </m:rPr>
+                      <a:rPr lang="en-US" sz="900" dirty="0"/>
+                      <m:t>Microsoft</m:t>
+                    </m:r>
+                    <m:r>
+                      <m:rPr>
+                        <m:nor/>
+                      </m:rPr>
+                      <a:rPr lang="en-US" sz="900" dirty="0"/>
+                      <m:t>) </m:t>
+                    </m:r>
+                    <m:r>
+                      <m:rPr>
+                        <m:nor/>
+                      </m:rPr>
+                      <a:rPr lang="en-US" sz="900" dirty="0"/>
+                      <m:t>φ</m:t>
+                    </m:r>
+                    <m:r>
+                      <m:rPr>
+                        <m:nor/>
+                      </m:rPr>
+                      <a:rPr lang="en-US" sz="900" dirty="0"/>
+                      <m:t>(</m:t>
+                    </m:r>
+                    <m:r>
+                      <m:rPr>
+                        <m:nor/>
+                      </m:rPr>
+                      <a:rPr lang="en-US" sz="900" dirty="0"/>
+                      <m:t>Amazon</m:t>
+                    </m:r>
+                    <m:r>
+                      <m:rPr>
+                        <m:nor/>
+                      </m:rPr>
+                      <a:rPr lang="en-US" sz="900" dirty="0"/>
+                      <m:t>, </m:t>
+                    </m:r>
+                    <m:r>
+                      <m:rPr>
+                        <m:nor/>
+                      </m:rPr>
+                      <a:rPr lang="en-US" sz="900" dirty="0"/>
+                      <m:t>Hanes</m:t>
+                    </m:r>
+                    <m:r>
+                      <m:rPr>
+                        <m:nor/>
+                      </m:rPr>
+                      <a:rPr lang="en-US" sz="900" dirty="0"/>
+                      <m:t>) </m:t>
+                    </m:r>
+                    <m:r>
+                      <m:rPr>
+                        <m:nor/>
+                      </m:rPr>
+                      <a:rPr lang="en-US" sz="900" dirty="0"/>
+                      <m:t>φ</m:t>
+                    </m:r>
+                    <m:r>
+                      <m:rPr>
+                        <m:nor/>
+                      </m:rPr>
+                      <a:rPr lang="en-US" sz="900" dirty="0"/>
+                      <m:t>(</m:t>
+                    </m:r>
+                    <m:r>
+                      <m:rPr>
+                        <m:nor/>
+                      </m:rPr>
+                      <a:rPr lang="en-US" sz="900" dirty="0"/>
+                      <m:t>Microsoft</m:t>
+                    </m:r>
+                    <m:r>
+                      <m:rPr>
+                        <m:nor/>
+                      </m:rPr>
+                      <a:rPr lang="en-US" sz="900" dirty="0"/>
+                      <m:t>, </m:t>
+                    </m:r>
+                    <m:r>
+                      <m:rPr>
+                        <m:nor/>
+                      </m:rPr>
+                      <a:rPr lang="en-US" sz="900" dirty="0"/>
+                      <m:t>Apple</m:t>
+                    </m:r>
+                    <m:r>
+                      <m:rPr>
+                        <m:nor/>
+                      </m:rPr>
+                      <a:rPr lang="en-US" sz="900" dirty="0"/>
+                      <m:t>)</m:t>
+                    </m:r>
+                  </m:oMath>
+                </a14:m>
+                <a:r>
+                  <a:rPr lang="en-US" sz="900" dirty="0"/>
+                  <a:t> </a:t>
+                </a:r>
+                <a14:m>
+                  <m:oMath xmlns:m="http://schemas.openxmlformats.org/officeDocument/2006/math">
+                    <m:r>
+                      <m:rPr>
+                        <m:nor/>
+                      </m:rPr>
+                      <a:rPr lang="en-US" sz="900" dirty="0"/>
+                      <m:t>φ</m:t>
+                    </m:r>
+                  </m:oMath>
+                </a14:m>
+                <a:r>
+                  <a:rPr lang="en-US" sz="900" dirty="0"/>
+                  <a:t>(Hanes)</a:t>
+                </a:r>
+              </a:p>
+              <a:p>
+                <a:pPr marL="285750" indent="-285750">
+                  <a:buFontTx/>
+                  <a:buChar char="-"/>
+                </a:pPr>
+                <a:r>
+                  <a:rPr lang="en-US" sz="1400" dirty="0">
+                    <a:solidFill>
+                      <a:prstClr val="black"/>
+                    </a:solidFill>
+                  </a:rPr>
+                  <a:t>Step 2 Hanes: </a:t>
+                </a:r>
+                <a14:m>
+                  <m:oMath xmlns:m="http://schemas.openxmlformats.org/officeDocument/2006/math">
+                    <m:nary>
+                      <m:naryPr>
+                        <m:chr m:val="∑"/>
+                        <m:ctrlPr>
+                          <a:rPr lang="pt-BR" sz="1100" i="1">
+                            <a:solidFill>
+                              <a:prstClr val="black"/>
+                            </a:solidFill>
+                            <a:latin typeface="Cambria Math" panose="02040503050406030204" pitchFamily="18" charset="0"/>
+                          </a:rPr>
+                        </m:ctrlPr>
+                      </m:naryPr>
+                      <m:sub>
+                        <m:r>
+                          <a:rPr lang="pt-BR" sz="1100" i="1">
+                            <a:solidFill>
+                              <a:prstClr val="black"/>
+                            </a:solidFill>
+                            <a:latin typeface="Cambria Math" panose="02040503050406030204" pitchFamily="18" charset="0"/>
+                          </a:rPr>
+                          <m:t>𝑛</m:t>
+                        </m:r>
+                        <m:r>
+                          <a:rPr lang="pt-BR" sz="1100" i="1">
+                            <a:solidFill>
+                              <a:prstClr val="black"/>
+                            </a:solidFill>
+                            <a:latin typeface="Cambria Math" panose="02040503050406030204" pitchFamily="18" charset="0"/>
+                          </a:rPr>
+                          <m:t>=1</m:t>
+                        </m:r>
+                      </m:sub>
+                      <m:sup>
+                        <m:r>
+                          <a:rPr lang="en-US" sz="1100" b="0" i="1" smtClean="0">
+                            <a:solidFill>
+                              <a:prstClr val="black"/>
+                            </a:solidFill>
+                            <a:latin typeface="Cambria Math" panose="02040503050406030204" pitchFamily="18" charset="0"/>
+                          </a:rPr>
+                          <m:t>𝐻𝑎𝑛𝑒𝑠</m:t>
+                        </m:r>
+                      </m:sup>
+                      <m:e>
+                        <m:r>
+                          <m:rPr>
+                            <m:nor/>
+                          </m:rPr>
+                          <a:rPr lang="en-US" sz="1100" dirty="0"/>
+                          <m:t>φ</m:t>
+                        </m:r>
+                        <m:r>
+                          <m:rPr>
+                            <m:nor/>
+                          </m:rPr>
+                          <a:rPr lang="en-US" sz="1100" dirty="0"/>
+                          <m:t>(</m:t>
+                        </m:r>
+                        <m:r>
+                          <m:rPr>
+                            <m:nor/>
+                          </m:rPr>
+                          <a:rPr lang="en-US" sz="1100" dirty="0"/>
+                          <m:t>Amazon</m:t>
+                        </m:r>
+                        <m:r>
+                          <m:rPr>
+                            <m:nor/>
+                          </m:rPr>
+                          <a:rPr lang="en-US" sz="1100" dirty="0"/>
+                          <m:t>, </m:t>
+                        </m:r>
+                        <m:r>
+                          <m:rPr>
+                            <m:nor/>
+                          </m:rPr>
+                          <a:rPr lang="en-US" sz="1100" dirty="0"/>
+                          <m:t>Apple</m:t>
+                        </m:r>
+                        <m:r>
+                          <m:rPr>
+                            <m:nor/>
+                          </m:rPr>
+                          <a:rPr lang="en-US" sz="1100" dirty="0"/>
+                          <m:t>)</m:t>
+                        </m:r>
+                        <m:r>
+                          <m:rPr>
+                            <m:nor/>
+                          </m:rPr>
+                          <a:rPr lang="en-US" sz="1100" dirty="0"/>
+                          <m:t>φ</m:t>
+                        </m:r>
+                        <m:r>
+                          <m:rPr>
+                            <m:nor/>
+                          </m:rPr>
+                          <a:rPr lang="en-US" sz="1100" dirty="0"/>
+                          <m:t>(</m:t>
+                        </m:r>
+                        <m:r>
+                          <m:rPr>
+                            <m:nor/>
+                          </m:rPr>
+                          <a:rPr lang="en-US" sz="1100" dirty="0"/>
+                          <m:t>Amazon</m:t>
+                        </m:r>
+                        <m:r>
+                          <m:rPr>
+                            <m:nor/>
+                          </m:rPr>
+                          <a:rPr lang="en-US" sz="1100" dirty="0"/>
+                          <m:t>, </m:t>
+                        </m:r>
+                        <m:r>
+                          <m:rPr>
+                            <m:nor/>
+                          </m:rPr>
+                          <a:rPr lang="en-US" sz="1100" dirty="0"/>
+                          <m:t>Microsoft</m:t>
+                        </m:r>
+                        <m:r>
+                          <m:rPr>
+                            <m:nor/>
+                          </m:rPr>
+                          <a:rPr lang="en-US" sz="1100" dirty="0"/>
+                          <m:t>) </m:t>
+                        </m:r>
+                        <m:r>
+                          <m:rPr>
+                            <m:nor/>
+                          </m:rPr>
+                          <a:rPr lang="en-US" sz="1100" dirty="0"/>
+                          <m:t>φ</m:t>
+                        </m:r>
+                        <m:r>
+                          <m:rPr>
+                            <m:nor/>
+                          </m:rPr>
+                          <a:rPr lang="en-US" sz="1100" dirty="0"/>
+                          <m:t>(</m:t>
+                        </m:r>
+                        <m:r>
+                          <m:rPr>
+                            <m:nor/>
+                          </m:rPr>
+                          <a:rPr lang="en-US" sz="1100" dirty="0"/>
+                          <m:t>Amazon</m:t>
+                        </m:r>
+                        <m:r>
+                          <m:rPr>
+                            <m:nor/>
+                          </m:rPr>
+                          <a:rPr lang="en-US" sz="1100" dirty="0"/>
+                          <m:t>, </m:t>
+                        </m:r>
+                        <m:r>
+                          <m:rPr>
+                            <m:nor/>
+                          </m:rPr>
+                          <a:rPr lang="en-US" sz="1100" dirty="0"/>
+                          <m:t>Hanes</m:t>
+                        </m:r>
+                        <m:r>
+                          <m:rPr>
+                            <m:nor/>
+                          </m:rPr>
+                          <a:rPr lang="en-US" sz="1100" dirty="0"/>
+                          <m:t>) </m:t>
+                        </m:r>
+                        <m:r>
+                          <m:rPr>
+                            <m:nor/>
+                          </m:rPr>
+                          <a:rPr lang="en-US" sz="1100" dirty="0"/>
+                          <m:t>φ</m:t>
+                        </m:r>
+                        <m:r>
+                          <m:rPr>
+                            <m:nor/>
+                          </m:rPr>
+                          <a:rPr lang="en-US" sz="1100" dirty="0"/>
+                          <m:t>(</m:t>
+                        </m:r>
+                        <m:r>
+                          <m:rPr>
+                            <m:nor/>
+                          </m:rPr>
+                          <a:rPr lang="en-US" sz="1100" dirty="0"/>
+                          <m:t>Microsoft</m:t>
+                        </m:r>
+                        <m:r>
+                          <m:rPr>
+                            <m:nor/>
+                          </m:rPr>
+                          <a:rPr lang="en-US" sz="1100" dirty="0"/>
+                          <m:t>, </m:t>
+                        </m:r>
+                        <m:r>
+                          <m:rPr>
+                            <m:nor/>
+                          </m:rPr>
+                          <a:rPr lang="en-US" sz="1100" dirty="0"/>
+                          <m:t>Apple</m:t>
+                        </m:r>
+                        <m:r>
+                          <m:rPr>
+                            <m:nor/>
+                          </m:rPr>
+                          <a:rPr lang="en-US" sz="1100" dirty="0"/>
+                          <m:t>) </m:t>
+                        </m:r>
+                        <m:r>
+                          <m:rPr>
+                            <m:nor/>
+                          </m:rPr>
+                          <a:rPr lang="en-US" sz="1100" dirty="0"/>
+                          <m:t>φ</m:t>
+                        </m:r>
+                        <m:r>
+                          <m:rPr>
+                            <m:nor/>
+                          </m:rPr>
+                          <a:rPr lang="en-US" sz="1100" dirty="0"/>
+                          <m:t>(</m:t>
+                        </m:r>
+                        <m:r>
+                          <m:rPr>
+                            <m:nor/>
+                          </m:rPr>
+                          <a:rPr lang="en-US" sz="1100" dirty="0"/>
+                          <m:t>Hanes</m:t>
+                        </m:r>
+                        <m:r>
+                          <m:rPr>
+                            <m:nor/>
+                          </m:rPr>
+                          <a:rPr lang="en-US" sz="1100" dirty="0"/>
+                          <m:t>) </m:t>
+                        </m:r>
+                      </m:e>
+                    </m:nary>
+                  </m:oMath>
+                </a14:m>
+                <a:endParaRPr lang="en-US" sz="2000" dirty="0"/>
+              </a:p>
+              <a:p>
+                <a:pPr marL="742950" lvl="1" indent="-285750">
+                  <a:buFontTx/>
+                  <a:buChar char="-"/>
+                </a:pPr>
+                <a14:m>
+                  <m:oMath xmlns:m="http://schemas.openxmlformats.org/officeDocument/2006/math">
+                    <m:r>
+                      <m:rPr>
+                        <m:nor/>
+                      </m:rPr>
+                      <a:rPr lang="en-US" sz="900" dirty="0">
+                        <a:solidFill>
+                          <a:prstClr val="black"/>
+                        </a:solidFill>
+                      </a:rPr>
+                      <m:t>φ</m:t>
+                    </m:r>
+                    <m:r>
+                      <m:rPr>
+                        <m:nor/>
+                      </m:rPr>
+                      <a:rPr lang="en-US" sz="900" dirty="0">
+                        <a:solidFill>
+                          <a:prstClr val="black"/>
+                        </a:solidFill>
+                      </a:rPr>
+                      <m:t>(</m:t>
+                    </m:r>
+                    <m:r>
+                      <m:rPr>
+                        <m:nor/>
+                      </m:rPr>
+                      <a:rPr lang="en-US" sz="900" dirty="0">
+                        <a:solidFill>
+                          <a:prstClr val="black"/>
+                        </a:solidFill>
+                      </a:rPr>
+                      <m:t>Amazon</m:t>
+                    </m:r>
+                    <m:r>
+                      <m:rPr>
+                        <m:nor/>
+                      </m:rPr>
+                      <a:rPr lang="en-US" sz="900" dirty="0">
+                        <a:solidFill>
+                          <a:prstClr val="black"/>
+                        </a:solidFill>
+                      </a:rPr>
+                      <m:t>, </m:t>
+                    </m:r>
+                    <m:r>
+                      <m:rPr>
+                        <m:nor/>
+                      </m:rPr>
+                      <a:rPr lang="en-US" sz="900" dirty="0">
+                        <a:solidFill>
+                          <a:prstClr val="black"/>
+                        </a:solidFill>
+                      </a:rPr>
+                      <m:t>Apple</m:t>
+                    </m:r>
+                    <m:r>
+                      <m:rPr>
+                        <m:nor/>
+                      </m:rPr>
+                      <a:rPr lang="en-US" sz="900" dirty="0">
+                        <a:solidFill>
+                          <a:prstClr val="black"/>
+                        </a:solidFill>
+                      </a:rPr>
+                      <m:t>)</m:t>
+                    </m:r>
+                    <m:r>
+                      <m:rPr>
+                        <m:nor/>
+                      </m:rPr>
+                      <a:rPr lang="en-US" sz="900" dirty="0">
+                        <a:solidFill>
+                          <a:prstClr val="black"/>
+                        </a:solidFill>
+                      </a:rPr>
+                      <m:t>φ</m:t>
+                    </m:r>
+                    <m:r>
+                      <m:rPr>
+                        <m:nor/>
+                      </m:rPr>
+                      <a:rPr lang="en-US" sz="900" dirty="0">
+                        <a:solidFill>
+                          <a:prstClr val="black"/>
+                        </a:solidFill>
+                      </a:rPr>
+                      <m:t>(</m:t>
+                    </m:r>
+                    <m:r>
+                      <m:rPr>
+                        <m:nor/>
+                      </m:rPr>
+                      <a:rPr lang="en-US" sz="900" dirty="0">
+                        <a:solidFill>
+                          <a:prstClr val="black"/>
+                        </a:solidFill>
+                      </a:rPr>
+                      <m:t>Amazon</m:t>
+                    </m:r>
+                    <m:r>
+                      <m:rPr>
+                        <m:nor/>
+                      </m:rPr>
+                      <a:rPr lang="en-US" sz="900" dirty="0">
+                        <a:solidFill>
+                          <a:prstClr val="black"/>
+                        </a:solidFill>
+                      </a:rPr>
+                      <m:t>, </m:t>
+                    </m:r>
+                    <m:r>
+                      <m:rPr>
+                        <m:nor/>
+                      </m:rPr>
+                      <a:rPr lang="en-US" sz="900" dirty="0">
+                        <a:solidFill>
+                          <a:prstClr val="black"/>
+                        </a:solidFill>
+                      </a:rPr>
+                      <m:t>Microsoft</m:t>
+                    </m:r>
+                    <m:r>
+                      <m:rPr>
+                        <m:nor/>
+                      </m:rPr>
+                      <a:rPr lang="en-US" sz="900" dirty="0">
+                        <a:solidFill>
+                          <a:prstClr val="black"/>
+                        </a:solidFill>
+                      </a:rPr>
+                      <m:t>) </m:t>
+                    </m:r>
+                    <m:r>
+                      <m:rPr>
+                        <m:nor/>
+                      </m:rPr>
+                      <a:rPr lang="en-US" sz="900" dirty="0">
+                        <a:solidFill>
+                          <a:prstClr val="black"/>
+                        </a:solidFill>
+                      </a:rPr>
+                      <m:t>φ</m:t>
+                    </m:r>
+                    <m:r>
+                      <m:rPr>
+                        <m:nor/>
+                      </m:rPr>
+                      <a:rPr lang="en-US" sz="900" dirty="0">
+                        <a:solidFill>
+                          <a:prstClr val="black"/>
+                        </a:solidFill>
+                      </a:rPr>
+                      <m:t>(</m:t>
+                    </m:r>
+                    <m:r>
+                      <m:rPr>
+                        <m:nor/>
+                      </m:rPr>
+                      <a:rPr lang="en-US" sz="900" dirty="0">
+                        <a:solidFill>
+                          <a:prstClr val="black"/>
+                        </a:solidFill>
+                      </a:rPr>
+                      <m:t>Microsoft</m:t>
+                    </m:r>
+                    <m:r>
+                      <m:rPr>
+                        <m:nor/>
+                      </m:rPr>
+                      <a:rPr lang="en-US" sz="900" dirty="0">
+                        <a:solidFill>
+                          <a:prstClr val="black"/>
+                        </a:solidFill>
+                      </a:rPr>
+                      <m:t>, </m:t>
+                    </m:r>
+                    <m:r>
+                      <m:rPr>
+                        <m:nor/>
+                      </m:rPr>
+                      <a:rPr lang="en-US" sz="900" dirty="0">
+                        <a:solidFill>
+                          <a:prstClr val="black"/>
+                        </a:solidFill>
+                      </a:rPr>
+                      <m:t>Apple</m:t>
+                    </m:r>
+                    <m:r>
+                      <m:rPr>
+                        <m:nor/>
+                      </m:rPr>
+                      <a:rPr lang="en-US" sz="900" dirty="0">
+                        <a:solidFill>
+                          <a:prstClr val="black"/>
+                        </a:solidFill>
+                      </a:rPr>
+                      <m:t>)</m:t>
+                    </m:r>
+                    <m:r>
+                      <a:rPr lang="en-US" sz="900" i="1" dirty="0">
+                        <a:solidFill>
+                          <a:prstClr val="black"/>
+                        </a:solidFill>
+                        <a:latin typeface="Cambria Math" panose="02040503050406030204" pitchFamily="18" charset="0"/>
+                      </a:rPr>
+                      <m:t> </m:t>
+                    </m:r>
+                    <m:nary>
+                      <m:naryPr>
+                        <m:chr m:val="∑"/>
+                        <m:ctrlPr>
+                          <a:rPr lang="pt-BR" sz="900" i="1">
+                            <a:solidFill>
+                              <a:prstClr val="black"/>
+                            </a:solidFill>
+                            <a:latin typeface="Cambria Math" panose="02040503050406030204" pitchFamily="18" charset="0"/>
+                          </a:rPr>
+                        </m:ctrlPr>
+                      </m:naryPr>
+                      <m:sub>
+                        <m:r>
+                          <a:rPr lang="pt-BR" sz="900" i="1">
+                            <a:solidFill>
+                              <a:prstClr val="black"/>
+                            </a:solidFill>
+                            <a:latin typeface="Cambria Math" panose="02040503050406030204" pitchFamily="18" charset="0"/>
+                          </a:rPr>
+                          <m:t>𝑛</m:t>
+                        </m:r>
+                        <m:r>
+                          <a:rPr lang="pt-BR" sz="900" i="1">
+                            <a:solidFill>
+                              <a:prstClr val="black"/>
+                            </a:solidFill>
+                            <a:latin typeface="Cambria Math" panose="02040503050406030204" pitchFamily="18" charset="0"/>
+                          </a:rPr>
+                          <m:t>=1</m:t>
+                        </m:r>
+                      </m:sub>
+                      <m:sup>
+                        <m:r>
+                          <a:rPr lang="en-US" sz="900" b="0" i="1" smtClean="0">
+                            <a:solidFill>
+                              <a:prstClr val="black"/>
+                            </a:solidFill>
+                            <a:latin typeface="Cambria Math" panose="02040503050406030204" pitchFamily="18" charset="0"/>
+                          </a:rPr>
+                          <m:t>𝐻𝑎𝑛𝑒𝑠</m:t>
+                        </m:r>
+                      </m:sup>
+                      <m:e>
+                        <m:d>
+                          <m:dPr>
+                            <m:ctrlPr>
+                              <a:rPr lang="pt-BR" sz="900" i="1">
+                                <a:solidFill>
+                                  <a:prstClr val="black"/>
+                                </a:solidFill>
+                                <a:latin typeface="Cambria Math" panose="02040503050406030204" pitchFamily="18" charset="0"/>
+                              </a:rPr>
+                            </m:ctrlPr>
+                          </m:dPr>
+                          <m:e>
+                            <m:r>
+                              <m:rPr>
+                                <m:nor/>
+                              </m:rPr>
+                              <a:rPr lang="en-US" sz="900" dirty="0">
+                                <a:solidFill>
+                                  <a:prstClr val="black"/>
+                                </a:solidFill>
+                              </a:rPr>
+                              <m:t>φ</m:t>
+                            </m:r>
+                            <m:r>
+                              <m:rPr>
+                                <m:nor/>
+                              </m:rPr>
+                              <a:rPr lang="en-US" sz="900" dirty="0">
+                                <a:solidFill>
+                                  <a:prstClr val="black"/>
+                                </a:solidFill>
+                              </a:rPr>
+                              <m:t>(</m:t>
+                            </m:r>
+                            <m:r>
+                              <m:rPr>
+                                <m:nor/>
+                              </m:rPr>
+                              <a:rPr lang="en-US" sz="900" dirty="0">
+                                <a:solidFill>
+                                  <a:prstClr val="black"/>
+                                </a:solidFill>
+                              </a:rPr>
+                              <m:t>Hanes</m:t>
+                            </m:r>
+                            <m:r>
+                              <m:rPr>
+                                <m:nor/>
+                              </m:rPr>
+                              <a:rPr lang="en-US" sz="900" dirty="0">
+                                <a:solidFill>
+                                  <a:prstClr val="black"/>
+                                </a:solidFill>
+                              </a:rPr>
+                              <m:t>)</m:t>
+                            </m:r>
+                          </m:e>
+                        </m:d>
+                        <m:r>
+                          <m:rPr>
+                            <m:nor/>
+                          </m:rPr>
+                          <a:rPr lang="en-US" sz="900" dirty="0">
+                            <a:solidFill>
+                              <a:prstClr val="black"/>
+                            </a:solidFill>
+                          </a:rPr>
+                          <m:t>φ</m:t>
+                        </m:r>
+                        <m:r>
+                          <m:rPr>
+                            <m:nor/>
+                          </m:rPr>
+                          <a:rPr lang="en-US" sz="900" dirty="0">
+                            <a:solidFill>
+                              <a:prstClr val="black"/>
+                            </a:solidFill>
+                          </a:rPr>
+                          <m:t>(</m:t>
+                        </m:r>
+                        <m:r>
+                          <m:rPr>
+                            <m:nor/>
+                          </m:rPr>
+                          <a:rPr lang="en-US" sz="900" dirty="0">
+                            <a:solidFill>
+                              <a:prstClr val="black"/>
+                            </a:solidFill>
+                          </a:rPr>
+                          <m:t>Amazon</m:t>
+                        </m:r>
+                        <m:r>
+                          <m:rPr>
+                            <m:nor/>
+                          </m:rPr>
+                          <a:rPr lang="en-US" sz="900" dirty="0">
+                            <a:solidFill>
+                              <a:prstClr val="black"/>
+                            </a:solidFill>
+                          </a:rPr>
+                          <m:t>, </m:t>
+                        </m:r>
+                        <m:r>
+                          <m:rPr>
+                            <m:nor/>
+                          </m:rPr>
+                          <a:rPr lang="en-US" sz="900" dirty="0">
+                            <a:solidFill>
+                              <a:prstClr val="black"/>
+                            </a:solidFill>
+                          </a:rPr>
+                          <m:t>Hanes</m:t>
+                        </m:r>
+                        <m:r>
+                          <m:rPr>
+                            <m:nor/>
+                          </m:rPr>
+                          <a:rPr lang="en-US" sz="900" dirty="0">
+                            <a:solidFill>
+                              <a:prstClr val="black"/>
+                            </a:solidFill>
+                          </a:rPr>
+                          <m:t>)</m:t>
+                        </m:r>
+                      </m:e>
+                    </m:nary>
+                  </m:oMath>
+                </a14:m>
+                <a:endParaRPr lang="en-US" sz="900" dirty="0">
+                  <a:solidFill>
+                    <a:prstClr val="black"/>
+                  </a:solidFill>
+                </a:endParaRPr>
+              </a:p>
+              <a:p>
+                <a:pPr marL="742950" lvl="1" indent="-285750">
+                  <a:buFontTx/>
+                  <a:buChar char="-"/>
+                </a:pPr>
+                <a14:m>
+                  <m:oMath xmlns:m="http://schemas.openxmlformats.org/officeDocument/2006/math">
+                    <m:r>
+                      <m:rPr>
+                        <m:nor/>
+                      </m:rPr>
+                      <a:rPr lang="en-US" sz="900" dirty="0">
+                        <a:solidFill>
+                          <a:prstClr val="black"/>
+                        </a:solidFill>
+                      </a:rPr>
+                      <m:t>φ</m:t>
+                    </m:r>
+                    <m:r>
+                      <m:rPr>
+                        <m:nor/>
+                      </m:rPr>
+                      <a:rPr lang="en-US" sz="900" dirty="0">
+                        <a:solidFill>
+                          <a:prstClr val="black"/>
+                        </a:solidFill>
+                      </a:rPr>
+                      <m:t>(</m:t>
+                    </m:r>
+                    <m:r>
+                      <m:rPr>
+                        <m:nor/>
+                      </m:rPr>
+                      <a:rPr lang="en-US" sz="900" dirty="0">
+                        <a:solidFill>
+                          <a:prstClr val="black"/>
+                        </a:solidFill>
+                      </a:rPr>
+                      <m:t>Amazon</m:t>
+                    </m:r>
+                    <m:r>
+                      <m:rPr>
+                        <m:nor/>
+                      </m:rPr>
+                      <a:rPr lang="en-US" sz="900" dirty="0">
+                        <a:solidFill>
+                          <a:prstClr val="black"/>
+                        </a:solidFill>
+                      </a:rPr>
+                      <m:t>, </m:t>
+                    </m:r>
+                    <m:r>
+                      <m:rPr>
+                        <m:nor/>
+                      </m:rPr>
+                      <a:rPr lang="en-US" sz="900" dirty="0">
+                        <a:solidFill>
+                          <a:prstClr val="black"/>
+                        </a:solidFill>
+                      </a:rPr>
+                      <m:t>Apple</m:t>
+                    </m:r>
+                    <m:r>
+                      <m:rPr>
+                        <m:nor/>
+                      </m:rPr>
+                      <a:rPr lang="en-US" sz="900" dirty="0">
+                        <a:solidFill>
+                          <a:prstClr val="black"/>
+                        </a:solidFill>
+                      </a:rPr>
+                      <m:t>)</m:t>
+                    </m:r>
+                    <m:r>
+                      <m:rPr>
+                        <m:nor/>
+                      </m:rPr>
+                      <a:rPr lang="en-US" sz="900" dirty="0">
+                        <a:solidFill>
+                          <a:prstClr val="black"/>
+                        </a:solidFill>
+                      </a:rPr>
+                      <m:t>φ</m:t>
+                    </m:r>
+                    <m:r>
+                      <m:rPr>
+                        <m:nor/>
+                      </m:rPr>
+                      <a:rPr lang="en-US" sz="900" dirty="0">
+                        <a:solidFill>
+                          <a:prstClr val="black"/>
+                        </a:solidFill>
+                      </a:rPr>
+                      <m:t>(</m:t>
+                    </m:r>
+                    <m:r>
+                      <m:rPr>
+                        <m:nor/>
+                      </m:rPr>
+                      <a:rPr lang="en-US" sz="900" dirty="0">
+                        <a:solidFill>
+                          <a:prstClr val="black"/>
+                        </a:solidFill>
+                      </a:rPr>
+                      <m:t>Amazon</m:t>
+                    </m:r>
+                    <m:r>
+                      <m:rPr>
+                        <m:nor/>
+                      </m:rPr>
+                      <a:rPr lang="en-US" sz="900" dirty="0">
+                        <a:solidFill>
+                          <a:prstClr val="black"/>
+                        </a:solidFill>
+                      </a:rPr>
+                      <m:t>, </m:t>
+                    </m:r>
+                    <m:r>
+                      <m:rPr>
+                        <m:nor/>
+                      </m:rPr>
+                      <a:rPr lang="en-US" sz="900" dirty="0">
+                        <a:solidFill>
+                          <a:prstClr val="black"/>
+                        </a:solidFill>
+                      </a:rPr>
+                      <m:t>Microsoft</m:t>
+                    </m:r>
+                    <m:r>
+                      <m:rPr>
+                        <m:nor/>
+                      </m:rPr>
+                      <a:rPr lang="en-US" sz="900" dirty="0">
+                        <a:solidFill>
+                          <a:prstClr val="black"/>
+                        </a:solidFill>
+                      </a:rPr>
+                      <m:t>) </m:t>
+                    </m:r>
+                    <m:r>
+                      <m:rPr>
+                        <m:nor/>
+                      </m:rPr>
+                      <a:rPr lang="en-US" sz="900" dirty="0">
+                        <a:solidFill>
+                          <a:prstClr val="black"/>
+                        </a:solidFill>
+                      </a:rPr>
+                      <m:t>φ</m:t>
+                    </m:r>
+                    <m:r>
+                      <m:rPr>
+                        <m:nor/>
+                      </m:rPr>
+                      <a:rPr lang="en-US" sz="900" dirty="0">
+                        <a:solidFill>
+                          <a:prstClr val="black"/>
+                        </a:solidFill>
+                      </a:rPr>
+                      <m:t>(</m:t>
+                    </m:r>
+                    <m:r>
+                      <m:rPr>
+                        <m:nor/>
+                      </m:rPr>
+                      <a:rPr lang="en-US" sz="900" dirty="0">
+                        <a:solidFill>
+                          <a:prstClr val="black"/>
+                        </a:solidFill>
+                      </a:rPr>
+                      <m:t>Microsoft</m:t>
+                    </m:r>
+                    <m:r>
+                      <m:rPr>
+                        <m:nor/>
+                      </m:rPr>
+                      <a:rPr lang="en-US" sz="900" dirty="0">
+                        <a:solidFill>
+                          <a:prstClr val="black"/>
+                        </a:solidFill>
+                      </a:rPr>
+                      <m:t>, </m:t>
+                    </m:r>
+                    <m:r>
+                      <m:rPr>
+                        <m:nor/>
+                      </m:rPr>
+                      <a:rPr lang="en-US" sz="900" dirty="0">
+                        <a:solidFill>
+                          <a:prstClr val="black"/>
+                        </a:solidFill>
+                      </a:rPr>
+                      <m:t>Apple</m:t>
+                    </m:r>
+                    <m:r>
+                      <m:rPr>
+                        <m:nor/>
+                      </m:rPr>
+                      <a:rPr lang="en-US" sz="900" dirty="0">
+                        <a:solidFill>
+                          <a:prstClr val="black"/>
+                        </a:solidFill>
+                      </a:rPr>
+                      <m:t>)</m:t>
+                    </m:r>
+                  </m:oMath>
+                </a14:m>
+                <a:r>
+                  <a:rPr lang="en-US" sz="900" dirty="0">
+                    <a:solidFill>
+                      <a:prstClr val="black"/>
+                    </a:solidFill>
+                  </a:rPr>
+                  <a:t> </a:t>
+                </a:r>
+                <a14:m>
+                  <m:oMath xmlns:m="http://schemas.openxmlformats.org/officeDocument/2006/math">
+                    <m:r>
+                      <m:rPr>
+                        <m:nor/>
+                      </m:rPr>
+                      <a:rPr lang="en-US" sz="900" dirty="0">
+                        <a:solidFill>
+                          <a:prstClr val="black"/>
+                        </a:solidFill>
+                      </a:rPr>
+                      <m:t>φ</m:t>
+                    </m:r>
+                    <m:r>
+                      <m:rPr>
+                        <m:nor/>
+                      </m:rPr>
+                      <a:rPr lang="en-US" sz="900" dirty="0">
+                        <a:solidFill>
+                          <a:prstClr val="black"/>
+                        </a:solidFill>
+                      </a:rPr>
+                      <m:t>(</m:t>
+                    </m:r>
+                    <m:r>
+                      <m:rPr>
+                        <m:nor/>
+                      </m:rPr>
+                      <a:rPr lang="en-US" sz="900" dirty="0">
+                        <a:solidFill>
+                          <a:prstClr val="black"/>
+                        </a:solidFill>
+                      </a:rPr>
+                      <m:t>Amazon</m:t>
+                    </m:r>
+                  </m:oMath>
+                </a14:m>
+                <a:r>
+                  <a:rPr lang="en-US" sz="900" dirty="0">
+                    <a:solidFill>
+                      <a:prstClr val="black"/>
+                    </a:solidFill>
+                  </a:rPr>
+                  <a:t>)</a:t>
+                </a:r>
+                <a:endParaRPr lang="en-US" sz="1800" dirty="0"/>
+              </a:p>
+              <a:p>
+                <a:pPr marL="285750" lvl="0" indent="-285750">
+                  <a:buFontTx/>
+                  <a:buChar char="-"/>
+                </a:pPr>
+                <a:r>
+                  <a:rPr lang="en-US" sz="1400" dirty="0">
+                    <a:solidFill>
+                      <a:prstClr val="black"/>
+                    </a:solidFill>
+                  </a:rPr>
+                  <a:t>Step 3 Amazon: </a:t>
+                </a:r>
+                <a14:m>
+                  <m:oMath xmlns:m="http://schemas.openxmlformats.org/officeDocument/2006/math">
+                    <m:nary>
+                      <m:naryPr>
+                        <m:chr m:val="∑"/>
+                        <m:ctrlPr>
+                          <a:rPr lang="pt-BR" sz="1100" i="1">
+                            <a:solidFill>
+                              <a:prstClr val="black"/>
+                            </a:solidFill>
+                            <a:latin typeface="Cambria Math" panose="02040503050406030204" pitchFamily="18" charset="0"/>
+                          </a:rPr>
+                        </m:ctrlPr>
+                      </m:naryPr>
+                      <m:sub>
+                        <m:r>
+                          <a:rPr lang="pt-BR" sz="1100" i="1">
+                            <a:solidFill>
+                              <a:prstClr val="black"/>
+                            </a:solidFill>
+                            <a:latin typeface="Cambria Math" panose="02040503050406030204" pitchFamily="18" charset="0"/>
+                          </a:rPr>
+                          <m:t>𝑛</m:t>
+                        </m:r>
+                        <m:r>
+                          <a:rPr lang="pt-BR" sz="1100" i="1">
+                            <a:solidFill>
+                              <a:prstClr val="black"/>
+                            </a:solidFill>
+                            <a:latin typeface="Cambria Math" panose="02040503050406030204" pitchFamily="18" charset="0"/>
+                          </a:rPr>
+                          <m:t>=1</m:t>
+                        </m:r>
+                      </m:sub>
+                      <m:sup>
+                        <m:r>
+                          <a:rPr lang="en-US" sz="1100" b="0" i="1" smtClean="0">
+                            <a:solidFill>
+                              <a:prstClr val="black"/>
+                            </a:solidFill>
+                            <a:latin typeface="Cambria Math" panose="02040503050406030204" pitchFamily="18" charset="0"/>
+                          </a:rPr>
+                          <m:t>𝐴𝑚𝑎𝑧𝑜𝑛</m:t>
+                        </m:r>
+                      </m:sup>
+                      <m:e>
+                        <m:d>
+                          <m:dPr>
+                            <m:ctrlPr>
+                              <a:rPr lang="pt-BR" sz="1100" i="1">
+                                <a:solidFill>
+                                  <a:prstClr val="black"/>
+                                </a:solidFill>
+                                <a:latin typeface="Cambria Math" panose="02040503050406030204" pitchFamily="18" charset="0"/>
+                              </a:rPr>
+                            </m:ctrlPr>
+                          </m:dPr>
+                          <m:e>
+                            <m:r>
+                              <m:rPr>
+                                <m:nor/>
+                              </m:rPr>
+                              <a:rPr lang="en-US" sz="1100" dirty="0">
+                                <a:solidFill>
+                                  <a:prstClr val="black"/>
+                                </a:solidFill>
+                              </a:rPr>
+                              <m:t>φ</m:t>
+                            </m:r>
+                            <m:r>
+                              <m:rPr>
+                                <m:nor/>
+                              </m:rPr>
+                              <a:rPr lang="en-US" sz="1100" dirty="0">
+                                <a:solidFill>
+                                  <a:prstClr val="black"/>
+                                </a:solidFill>
+                              </a:rPr>
+                              <m:t>(</m:t>
+                            </m:r>
+                            <m:r>
+                              <m:rPr>
+                                <m:nor/>
+                              </m:rPr>
+                              <a:rPr lang="en-US" sz="1100" dirty="0">
+                                <a:solidFill>
+                                  <a:prstClr val="black"/>
+                                </a:solidFill>
+                              </a:rPr>
+                              <m:t>Amazon</m:t>
+                            </m:r>
+                            <m:r>
+                              <m:rPr>
+                                <m:nor/>
+                              </m:rPr>
+                              <a:rPr lang="en-US" sz="1100" dirty="0">
+                                <a:solidFill>
+                                  <a:prstClr val="black"/>
+                                </a:solidFill>
+                              </a:rPr>
+                              <m:t>, </m:t>
+                            </m:r>
+                            <m:r>
+                              <m:rPr>
+                                <m:nor/>
+                              </m:rPr>
+                              <a:rPr lang="en-US" sz="1100" dirty="0">
+                                <a:solidFill>
+                                  <a:prstClr val="black"/>
+                                </a:solidFill>
+                              </a:rPr>
+                              <m:t>Apple</m:t>
+                            </m:r>
+                            <m:r>
+                              <m:rPr>
+                                <m:nor/>
+                              </m:rPr>
+                              <a:rPr lang="en-US" sz="1100" dirty="0">
+                                <a:solidFill>
+                                  <a:prstClr val="black"/>
+                                </a:solidFill>
+                              </a:rPr>
+                              <m:t>)</m:t>
+                            </m:r>
+                            <m:r>
+                              <m:rPr>
+                                <m:nor/>
+                              </m:rPr>
+                              <a:rPr lang="en-US" sz="1100" dirty="0">
+                                <a:solidFill>
+                                  <a:prstClr val="black"/>
+                                </a:solidFill>
+                              </a:rPr>
+                              <m:t>φ</m:t>
+                            </m:r>
+                            <m:r>
+                              <m:rPr>
+                                <m:nor/>
+                              </m:rPr>
+                              <a:rPr lang="en-US" sz="1100" dirty="0">
+                                <a:solidFill>
+                                  <a:prstClr val="black"/>
+                                </a:solidFill>
+                              </a:rPr>
+                              <m:t>(</m:t>
+                            </m:r>
+                            <m:r>
+                              <m:rPr>
+                                <m:nor/>
+                              </m:rPr>
+                              <a:rPr lang="en-US" sz="1100" dirty="0">
+                                <a:solidFill>
+                                  <a:prstClr val="black"/>
+                                </a:solidFill>
+                              </a:rPr>
+                              <m:t>Amazon</m:t>
+                            </m:r>
+                            <m:r>
+                              <m:rPr>
+                                <m:nor/>
+                              </m:rPr>
+                              <a:rPr lang="en-US" sz="1100" dirty="0">
+                                <a:solidFill>
+                                  <a:prstClr val="black"/>
+                                </a:solidFill>
+                              </a:rPr>
+                              <m:t>, </m:t>
+                            </m:r>
+                            <m:r>
+                              <m:rPr>
+                                <m:nor/>
+                              </m:rPr>
+                              <a:rPr lang="en-US" sz="1100" dirty="0">
+                                <a:solidFill>
+                                  <a:prstClr val="black"/>
+                                </a:solidFill>
+                              </a:rPr>
+                              <m:t>Microsoft</m:t>
+                            </m:r>
+                            <m:r>
+                              <m:rPr>
+                                <m:nor/>
+                              </m:rPr>
+                              <a:rPr lang="en-US" sz="1100" dirty="0">
+                                <a:solidFill>
+                                  <a:prstClr val="black"/>
+                                </a:solidFill>
+                              </a:rPr>
+                              <m:t>) </m:t>
+                            </m:r>
+                            <m:r>
+                              <m:rPr>
+                                <m:nor/>
+                              </m:rPr>
+                              <a:rPr lang="en-US" sz="1100" dirty="0">
+                                <a:solidFill>
+                                  <a:prstClr val="black"/>
+                                </a:solidFill>
+                              </a:rPr>
+                              <m:t>φ</m:t>
+                            </m:r>
+                            <m:r>
+                              <m:rPr>
+                                <m:nor/>
+                              </m:rPr>
+                              <a:rPr lang="en-US" sz="1100" dirty="0">
+                                <a:solidFill>
+                                  <a:prstClr val="black"/>
+                                </a:solidFill>
+                              </a:rPr>
+                              <m:t>(</m:t>
+                            </m:r>
+                            <m:r>
+                              <m:rPr>
+                                <m:nor/>
+                              </m:rPr>
+                              <a:rPr lang="en-US" sz="1100" dirty="0">
+                                <a:solidFill>
+                                  <a:prstClr val="black"/>
+                                </a:solidFill>
+                              </a:rPr>
+                              <m:t>Microsoft</m:t>
+                            </m:r>
+                            <m:r>
+                              <m:rPr>
+                                <m:nor/>
+                              </m:rPr>
+                              <a:rPr lang="en-US" sz="1100" dirty="0">
+                                <a:solidFill>
+                                  <a:prstClr val="black"/>
+                                </a:solidFill>
+                              </a:rPr>
+                              <m:t>, </m:t>
+                            </m:r>
+                            <m:r>
+                              <m:rPr>
+                                <m:nor/>
+                              </m:rPr>
+                              <a:rPr lang="en-US" sz="1100" dirty="0">
+                                <a:solidFill>
+                                  <a:prstClr val="black"/>
+                                </a:solidFill>
+                              </a:rPr>
+                              <m:t>Apple</m:t>
+                            </m:r>
+                            <m:r>
+                              <m:rPr>
+                                <m:nor/>
+                              </m:rPr>
+                              <a:rPr lang="en-US" sz="1100" dirty="0">
+                                <a:solidFill>
+                                  <a:prstClr val="black"/>
+                                </a:solidFill>
+                              </a:rPr>
+                              <m:t>) </m:t>
+                            </m:r>
+                            <m:r>
+                              <m:rPr>
+                                <m:nor/>
+                              </m:rPr>
+                              <a:rPr lang="en-US" sz="1100" dirty="0">
+                                <a:solidFill>
+                                  <a:prstClr val="black"/>
+                                </a:solidFill>
+                              </a:rPr>
+                              <m:t>φ</m:t>
+                            </m:r>
+                            <m:r>
+                              <m:rPr>
+                                <m:nor/>
+                              </m:rPr>
+                              <a:rPr lang="en-US" sz="1100" dirty="0">
+                                <a:solidFill>
+                                  <a:prstClr val="black"/>
+                                </a:solidFill>
+                              </a:rPr>
+                              <m:t>(</m:t>
+                            </m:r>
+                            <m:r>
+                              <m:rPr>
+                                <m:nor/>
+                              </m:rPr>
+                              <a:rPr lang="en-US" sz="1100" dirty="0">
+                                <a:solidFill>
+                                  <a:prstClr val="black"/>
+                                </a:solidFill>
+                              </a:rPr>
+                              <m:t>Amazon</m:t>
+                            </m:r>
+                            <m:r>
+                              <m:rPr>
+                                <m:nor/>
+                              </m:rPr>
+                              <a:rPr lang="en-US" sz="1100" dirty="0">
+                                <a:solidFill>
+                                  <a:prstClr val="black"/>
+                                </a:solidFill>
+                              </a:rPr>
+                              <m:t>) </m:t>
+                            </m:r>
+                          </m:e>
+                        </m:d>
+                      </m:e>
+                    </m:nary>
+                  </m:oMath>
+                </a14:m>
+                <a:endParaRPr lang="en-US" sz="2000" dirty="0">
+                  <a:solidFill>
+                    <a:prstClr val="black"/>
+                  </a:solidFill>
+                </a:endParaRPr>
+              </a:p>
+              <a:p>
+                <a:pPr marL="742950" lvl="1" indent="-285750">
+                  <a:buFontTx/>
+                  <a:buChar char="-"/>
+                </a:pPr>
+                <a14:m>
+                  <m:oMath xmlns:m="http://schemas.openxmlformats.org/officeDocument/2006/math">
+                    <m:r>
+                      <m:rPr>
+                        <m:nor/>
+                      </m:rPr>
+                      <a:rPr lang="en-US" sz="900" dirty="0">
+                        <a:solidFill>
+                          <a:prstClr val="black"/>
+                        </a:solidFill>
+                      </a:rPr>
+                      <m:t>φ</m:t>
+                    </m:r>
+                    <m:r>
+                      <m:rPr>
+                        <m:nor/>
+                      </m:rPr>
+                      <a:rPr lang="en-US" sz="900" dirty="0">
+                        <a:solidFill>
+                          <a:prstClr val="black"/>
+                        </a:solidFill>
+                      </a:rPr>
+                      <m:t>(</m:t>
+                    </m:r>
+                    <m:r>
+                      <m:rPr>
+                        <m:nor/>
+                      </m:rPr>
+                      <a:rPr lang="en-US" sz="900" dirty="0">
+                        <a:solidFill>
+                          <a:prstClr val="black"/>
+                        </a:solidFill>
+                      </a:rPr>
+                      <m:t>Microsoft</m:t>
+                    </m:r>
+                    <m:r>
+                      <m:rPr>
+                        <m:nor/>
+                      </m:rPr>
+                      <a:rPr lang="en-US" sz="900" dirty="0">
+                        <a:solidFill>
+                          <a:prstClr val="black"/>
+                        </a:solidFill>
+                      </a:rPr>
+                      <m:t>, </m:t>
+                    </m:r>
+                    <m:r>
+                      <m:rPr>
+                        <m:nor/>
+                      </m:rPr>
+                      <a:rPr lang="en-US" sz="900" dirty="0">
+                        <a:solidFill>
+                          <a:prstClr val="black"/>
+                        </a:solidFill>
+                      </a:rPr>
+                      <m:t>Apple</m:t>
+                    </m:r>
+                    <m:r>
+                      <m:rPr>
+                        <m:nor/>
+                      </m:rPr>
+                      <a:rPr lang="en-US" sz="900" dirty="0">
+                        <a:solidFill>
+                          <a:prstClr val="black"/>
+                        </a:solidFill>
+                      </a:rPr>
+                      <m:t>)</m:t>
+                    </m:r>
+                    <m:r>
+                      <a:rPr lang="en-US" sz="900" i="1" dirty="0">
+                        <a:solidFill>
+                          <a:prstClr val="black"/>
+                        </a:solidFill>
+                        <a:latin typeface="Cambria Math" panose="02040503050406030204" pitchFamily="18" charset="0"/>
+                      </a:rPr>
+                      <m:t> </m:t>
+                    </m:r>
+                    <m:nary>
+                      <m:naryPr>
+                        <m:chr m:val="∑"/>
+                        <m:ctrlPr>
+                          <a:rPr lang="pt-BR" sz="900" i="1">
+                            <a:solidFill>
+                              <a:prstClr val="black"/>
+                            </a:solidFill>
+                            <a:latin typeface="Cambria Math" panose="02040503050406030204" pitchFamily="18" charset="0"/>
+                          </a:rPr>
+                        </m:ctrlPr>
+                      </m:naryPr>
+                      <m:sub>
+                        <m:r>
+                          <a:rPr lang="pt-BR" sz="900" i="1">
+                            <a:solidFill>
+                              <a:prstClr val="black"/>
+                            </a:solidFill>
+                            <a:latin typeface="Cambria Math" panose="02040503050406030204" pitchFamily="18" charset="0"/>
+                          </a:rPr>
+                          <m:t>𝑛</m:t>
+                        </m:r>
+                        <m:r>
+                          <a:rPr lang="pt-BR" sz="900" i="1">
+                            <a:solidFill>
+                              <a:prstClr val="black"/>
+                            </a:solidFill>
+                            <a:latin typeface="Cambria Math" panose="02040503050406030204" pitchFamily="18" charset="0"/>
+                          </a:rPr>
+                          <m:t>=1</m:t>
+                        </m:r>
+                      </m:sub>
+                      <m:sup>
+                        <m:r>
+                          <a:rPr lang="en-US" sz="900" b="0" i="1" smtClean="0">
+                            <a:solidFill>
+                              <a:prstClr val="black"/>
+                            </a:solidFill>
+                            <a:latin typeface="Cambria Math" panose="02040503050406030204" pitchFamily="18" charset="0"/>
+                          </a:rPr>
+                          <m:t>𝐴𝑚𝑎𝑧𝑜𝑛</m:t>
+                        </m:r>
+                      </m:sup>
+                      <m:e>
+                        <m:r>
+                          <m:rPr>
+                            <m:nor/>
+                          </m:rPr>
+                          <a:rPr lang="en-US" sz="900" dirty="0">
+                            <a:solidFill>
+                              <a:prstClr val="black"/>
+                            </a:solidFill>
+                          </a:rPr>
+                          <m:t>φ</m:t>
+                        </m:r>
+                        <m:r>
+                          <m:rPr>
+                            <m:nor/>
+                          </m:rPr>
+                          <a:rPr lang="en-US" sz="900" dirty="0">
+                            <a:solidFill>
+                              <a:prstClr val="black"/>
+                            </a:solidFill>
+                          </a:rPr>
+                          <m:t>(</m:t>
+                        </m:r>
+                        <m:r>
+                          <m:rPr>
+                            <m:nor/>
+                          </m:rPr>
+                          <a:rPr lang="en-US" sz="900" dirty="0">
+                            <a:solidFill>
+                              <a:prstClr val="black"/>
+                            </a:solidFill>
+                          </a:rPr>
+                          <m:t>Amazon</m:t>
+                        </m:r>
+                        <m:r>
+                          <m:rPr>
+                            <m:nor/>
+                          </m:rPr>
+                          <a:rPr lang="en-US" sz="900" dirty="0">
+                            <a:solidFill>
+                              <a:prstClr val="black"/>
+                            </a:solidFill>
+                          </a:rPr>
+                          <m:t>, </m:t>
+                        </m:r>
+                        <m:r>
+                          <m:rPr>
+                            <m:nor/>
+                          </m:rPr>
+                          <a:rPr lang="en-US" sz="900" dirty="0">
+                            <a:solidFill>
+                              <a:prstClr val="black"/>
+                            </a:solidFill>
+                          </a:rPr>
+                          <m:t>Apple</m:t>
+                        </m:r>
+                        <m:r>
+                          <m:rPr>
+                            <m:nor/>
+                          </m:rPr>
+                          <a:rPr lang="en-US" sz="900" dirty="0">
+                            <a:solidFill>
+                              <a:prstClr val="black"/>
+                            </a:solidFill>
+                          </a:rPr>
+                          <m:t>)</m:t>
+                        </m:r>
+                        <m:r>
+                          <m:rPr>
+                            <m:nor/>
+                          </m:rPr>
+                          <a:rPr lang="en-US" sz="900" dirty="0">
+                            <a:solidFill>
+                              <a:prstClr val="black"/>
+                            </a:solidFill>
+                          </a:rPr>
+                          <m:t>φ</m:t>
+                        </m:r>
+                        <m:r>
+                          <m:rPr>
+                            <m:nor/>
+                          </m:rPr>
+                          <a:rPr lang="en-US" sz="900" dirty="0">
+                            <a:solidFill>
+                              <a:prstClr val="black"/>
+                            </a:solidFill>
+                          </a:rPr>
+                          <m:t>(</m:t>
+                        </m:r>
+                        <m:r>
+                          <m:rPr>
+                            <m:nor/>
+                          </m:rPr>
+                          <a:rPr lang="en-US" sz="900" dirty="0">
+                            <a:solidFill>
+                              <a:prstClr val="black"/>
+                            </a:solidFill>
+                          </a:rPr>
+                          <m:t>Amazon</m:t>
+                        </m:r>
+                        <m:r>
+                          <m:rPr>
+                            <m:nor/>
+                          </m:rPr>
+                          <a:rPr lang="en-US" sz="900" dirty="0">
+                            <a:solidFill>
+                              <a:prstClr val="black"/>
+                            </a:solidFill>
+                          </a:rPr>
+                          <m:t>, </m:t>
+                        </m:r>
+                        <m:r>
+                          <m:rPr>
+                            <m:nor/>
+                          </m:rPr>
+                          <a:rPr lang="en-US" sz="900" dirty="0">
+                            <a:solidFill>
+                              <a:prstClr val="black"/>
+                            </a:solidFill>
+                          </a:rPr>
+                          <m:t>Microsoft</m:t>
+                        </m:r>
+                        <m:r>
+                          <m:rPr>
+                            <m:nor/>
+                          </m:rPr>
+                          <a:rPr lang="en-US" sz="900" dirty="0">
+                            <a:solidFill>
+                              <a:prstClr val="black"/>
+                            </a:solidFill>
+                          </a:rPr>
+                          <m:t>)</m:t>
+                        </m:r>
+                        <m:r>
+                          <m:rPr>
+                            <m:nor/>
+                          </m:rPr>
+                          <a:rPr lang="en-US" sz="900" dirty="0">
+                            <a:solidFill>
+                              <a:prstClr val="black"/>
+                            </a:solidFill>
+                          </a:rPr>
+                          <m:t>φ</m:t>
+                        </m:r>
+                        <m:r>
+                          <m:rPr>
+                            <m:nor/>
+                          </m:rPr>
+                          <a:rPr lang="en-US" sz="900" dirty="0">
+                            <a:solidFill>
+                              <a:prstClr val="black"/>
+                            </a:solidFill>
+                          </a:rPr>
+                          <m:t>(</m:t>
+                        </m:r>
+                        <m:r>
+                          <m:rPr>
+                            <m:nor/>
+                          </m:rPr>
+                          <a:rPr lang="en-US" sz="900" dirty="0">
+                            <a:solidFill>
+                              <a:prstClr val="black"/>
+                            </a:solidFill>
+                          </a:rPr>
+                          <m:t>Amazon</m:t>
+                        </m:r>
+                        <m:r>
+                          <m:rPr>
+                            <m:nor/>
+                          </m:rPr>
+                          <a:rPr lang="en-US" sz="900" dirty="0">
+                            <a:solidFill>
+                              <a:prstClr val="black"/>
+                            </a:solidFill>
+                          </a:rPr>
+                          <m:t>)</m:t>
+                        </m:r>
+                      </m:e>
+                    </m:nary>
+                  </m:oMath>
+                </a14:m>
+                <a:endParaRPr lang="en-US" sz="900" dirty="0">
+                  <a:solidFill>
+                    <a:prstClr val="black"/>
+                  </a:solidFill>
+                </a:endParaRPr>
+              </a:p>
+              <a:p>
+                <a:pPr marL="742950" lvl="1" indent="-285750">
+                  <a:buFontTx/>
+                  <a:buChar char="-"/>
+                </a:pPr>
+                <a14:m>
+                  <m:oMath xmlns:m="http://schemas.openxmlformats.org/officeDocument/2006/math">
+                    <m:r>
+                      <m:rPr>
+                        <m:nor/>
+                      </m:rPr>
+                      <a:rPr lang="en-US" sz="900" dirty="0">
+                        <a:solidFill>
+                          <a:prstClr val="black"/>
+                        </a:solidFill>
+                      </a:rPr>
+                      <m:t>φ</m:t>
+                    </m:r>
+                    <m:r>
+                      <m:rPr>
+                        <m:nor/>
+                      </m:rPr>
+                      <a:rPr lang="en-US" sz="900" dirty="0">
+                        <a:solidFill>
+                          <a:prstClr val="black"/>
+                        </a:solidFill>
+                      </a:rPr>
+                      <m:t>(</m:t>
+                    </m:r>
+                    <m:r>
+                      <m:rPr>
+                        <m:nor/>
+                      </m:rPr>
+                      <a:rPr lang="en-US" sz="900" dirty="0">
+                        <a:solidFill>
+                          <a:prstClr val="black"/>
+                        </a:solidFill>
+                      </a:rPr>
+                      <m:t>Microsoft</m:t>
+                    </m:r>
+                    <m:r>
+                      <m:rPr>
+                        <m:nor/>
+                      </m:rPr>
+                      <a:rPr lang="en-US" sz="900" dirty="0">
+                        <a:solidFill>
+                          <a:prstClr val="black"/>
+                        </a:solidFill>
+                      </a:rPr>
+                      <m:t>, </m:t>
+                    </m:r>
+                    <m:r>
+                      <m:rPr>
+                        <m:nor/>
+                      </m:rPr>
+                      <a:rPr lang="en-US" sz="900" dirty="0">
+                        <a:solidFill>
+                          <a:prstClr val="black"/>
+                        </a:solidFill>
+                      </a:rPr>
+                      <m:t>Apple</m:t>
+                    </m:r>
+                    <m:r>
+                      <m:rPr>
+                        <m:nor/>
+                      </m:rPr>
+                      <a:rPr lang="en-US" sz="900" dirty="0">
+                        <a:solidFill>
+                          <a:prstClr val="black"/>
+                        </a:solidFill>
+                      </a:rPr>
+                      <m:t>)</m:t>
+                    </m:r>
+                    <m:r>
+                      <m:rPr>
+                        <m:nor/>
+                      </m:rPr>
+                      <a:rPr lang="en-US" sz="900" dirty="0">
+                        <a:solidFill>
+                          <a:prstClr val="black"/>
+                        </a:solidFill>
+                      </a:rPr>
+                      <m:t>φ</m:t>
+                    </m:r>
+                    <m:r>
+                      <m:rPr>
+                        <m:nor/>
+                      </m:rPr>
+                      <a:rPr lang="en-US" sz="900" b="0" i="0" dirty="0" smtClean="0">
+                        <a:solidFill>
+                          <a:prstClr val="black"/>
+                        </a:solidFill>
+                      </a:rPr>
+                      <m:t>2</m:t>
+                    </m:r>
+                    <m:r>
+                      <m:rPr>
+                        <m:nor/>
+                      </m:rPr>
+                      <a:rPr lang="en-US" sz="900" dirty="0">
+                        <a:solidFill>
+                          <a:prstClr val="black"/>
+                        </a:solidFill>
+                      </a:rPr>
+                      <m:t>(</m:t>
+                    </m:r>
+                    <m:r>
+                      <m:rPr>
+                        <m:nor/>
+                      </m:rPr>
+                      <a:rPr lang="en-US" sz="900" dirty="0">
+                        <a:solidFill>
+                          <a:prstClr val="black"/>
+                        </a:solidFill>
+                      </a:rPr>
+                      <m:t>Apple</m:t>
+                    </m:r>
+                    <m:r>
+                      <m:rPr>
+                        <m:nor/>
+                      </m:rPr>
+                      <a:rPr lang="en-US" sz="900" b="0" i="0" dirty="0" smtClean="0">
+                        <a:solidFill>
+                          <a:prstClr val="black"/>
+                        </a:solidFill>
+                      </a:rPr>
+                      <m:t>,</m:t>
+                    </m:r>
+                    <m:r>
+                      <m:rPr>
+                        <m:nor/>
+                      </m:rPr>
+                      <a:rPr lang="en-US" sz="900" dirty="0">
+                        <a:solidFill>
+                          <a:prstClr val="black"/>
+                        </a:solidFill>
+                      </a:rPr>
+                      <m:t>Microsoft</m:t>
+                    </m:r>
+                    <m:r>
+                      <m:rPr>
+                        <m:nor/>
+                      </m:rPr>
+                      <a:rPr lang="en-US" sz="900" dirty="0">
+                        <a:solidFill>
+                          <a:prstClr val="black"/>
+                        </a:solidFill>
+                      </a:rPr>
+                      <m:t>)</m:t>
+                    </m:r>
+                  </m:oMath>
+                </a14:m>
+                <a:endParaRPr lang="en-US" sz="1800" dirty="0">
+                  <a:solidFill>
+                    <a:prstClr val="black"/>
+                  </a:solidFill>
+                </a:endParaRPr>
+              </a:p>
+              <a:p>
+                <a:pPr marL="285750" lvl="0" indent="-285750">
+                  <a:buFontTx/>
+                  <a:buChar char="-"/>
+                </a:pPr>
+                <a:r>
+                  <a:rPr lang="en-US" sz="1400" dirty="0">
+                    <a:solidFill>
+                      <a:prstClr val="black"/>
+                    </a:solidFill>
+                  </a:rPr>
+                  <a:t>Step 4 </a:t>
+                </a:r>
+                <a14:m>
+                  <m:oMath xmlns:m="http://schemas.openxmlformats.org/officeDocument/2006/math">
+                    <m:r>
+                      <m:rPr>
+                        <m:nor/>
+                      </m:rPr>
+                      <a:rPr lang="en-US" sz="1400" dirty="0">
+                        <a:solidFill>
+                          <a:prstClr val="black"/>
+                        </a:solidFill>
+                      </a:rPr>
+                      <m:t>Microsoft</m:t>
+                    </m:r>
+                    <m:r>
+                      <a:rPr lang="en-US" sz="1400" i="1" dirty="0">
+                        <a:solidFill>
+                          <a:prstClr val="black"/>
+                        </a:solidFill>
+                        <a:latin typeface="Cambria Math" panose="02040503050406030204" pitchFamily="18" charset="0"/>
+                      </a:rPr>
+                      <m:t> </m:t>
+                    </m:r>
+                  </m:oMath>
+                </a14:m>
+                <a:r>
+                  <a:rPr lang="en-US" sz="1400" dirty="0">
+                    <a:solidFill>
+                      <a:prstClr val="black"/>
+                    </a:solidFill>
+                  </a:rPr>
+                  <a:t>: </a:t>
+                </a:r>
+                <a14:m>
+                  <m:oMath xmlns:m="http://schemas.openxmlformats.org/officeDocument/2006/math">
+                    <m:nary>
+                      <m:naryPr>
+                        <m:chr m:val="∑"/>
+                        <m:ctrlPr>
+                          <a:rPr lang="pt-BR" sz="900" i="1">
+                            <a:solidFill>
+                              <a:prstClr val="black"/>
+                            </a:solidFill>
+                            <a:latin typeface="Cambria Math" panose="02040503050406030204" pitchFamily="18" charset="0"/>
+                          </a:rPr>
+                        </m:ctrlPr>
+                      </m:naryPr>
+                      <m:sub>
+                        <m:r>
+                          <a:rPr lang="pt-BR" sz="900" i="1">
+                            <a:solidFill>
+                              <a:prstClr val="black"/>
+                            </a:solidFill>
+                            <a:latin typeface="Cambria Math" panose="02040503050406030204" pitchFamily="18" charset="0"/>
+                          </a:rPr>
+                          <m:t>𝑛</m:t>
+                        </m:r>
+                        <m:r>
+                          <a:rPr lang="pt-BR" sz="900" i="1">
+                            <a:solidFill>
+                              <a:prstClr val="black"/>
+                            </a:solidFill>
+                            <a:latin typeface="Cambria Math" panose="02040503050406030204" pitchFamily="18" charset="0"/>
+                          </a:rPr>
+                          <m:t>=1</m:t>
+                        </m:r>
+                      </m:sub>
+                      <m:sup>
+                        <m:r>
+                          <m:rPr>
+                            <m:nor/>
+                          </m:rPr>
+                          <a:rPr lang="en-US" sz="900" i="1" dirty="0">
+                            <a:solidFill>
+                              <a:prstClr val="black"/>
+                            </a:solidFill>
+                          </a:rPr>
+                          <m:t>Microsoft</m:t>
+                        </m:r>
+                      </m:sup>
+                      <m:e>
+                        <m:d>
+                          <m:dPr>
+                            <m:ctrlPr>
+                              <a:rPr lang="pt-BR" sz="900" i="1">
+                                <a:solidFill>
+                                  <a:prstClr val="black"/>
+                                </a:solidFill>
+                                <a:latin typeface="Cambria Math" panose="02040503050406030204" pitchFamily="18" charset="0"/>
+                              </a:rPr>
+                            </m:ctrlPr>
+                          </m:dPr>
+                          <m:e>
+                            <m:r>
+                              <m:rPr>
+                                <m:nor/>
+                              </m:rPr>
+                              <a:rPr lang="en-US" sz="900" dirty="0">
+                                <a:solidFill>
+                                  <a:prstClr val="black"/>
+                                </a:solidFill>
+                              </a:rPr>
+                              <m:t>φ</m:t>
+                            </m:r>
+                            <m:r>
+                              <m:rPr>
+                                <m:nor/>
+                              </m:rPr>
+                              <a:rPr lang="en-US" sz="900" dirty="0">
+                                <a:solidFill>
+                                  <a:prstClr val="black"/>
+                                </a:solidFill>
+                              </a:rPr>
+                              <m:t>(</m:t>
+                            </m:r>
+                            <m:r>
+                              <m:rPr>
+                                <m:nor/>
+                              </m:rPr>
+                              <a:rPr lang="en-US" sz="900" dirty="0">
+                                <a:solidFill>
+                                  <a:prstClr val="black"/>
+                                </a:solidFill>
+                              </a:rPr>
+                              <m:t>Microsoft</m:t>
+                            </m:r>
+                            <m:r>
+                              <m:rPr>
+                                <m:nor/>
+                              </m:rPr>
+                              <a:rPr lang="en-US" sz="900" dirty="0">
+                                <a:solidFill>
+                                  <a:prstClr val="black"/>
+                                </a:solidFill>
+                              </a:rPr>
+                              <m:t>, </m:t>
+                            </m:r>
+                            <m:r>
+                              <m:rPr>
+                                <m:nor/>
+                              </m:rPr>
+                              <a:rPr lang="en-US" sz="900" dirty="0">
+                                <a:solidFill>
+                                  <a:prstClr val="black"/>
+                                </a:solidFill>
+                              </a:rPr>
+                              <m:t>Apple</m:t>
+                            </m:r>
+                            <m:r>
+                              <m:rPr>
+                                <m:nor/>
+                              </m:rPr>
+                              <a:rPr lang="en-US" sz="900" dirty="0">
+                                <a:solidFill>
+                                  <a:prstClr val="black"/>
+                                </a:solidFill>
+                              </a:rPr>
+                              <m:t>)</m:t>
+                            </m:r>
+                            <m:r>
+                              <m:rPr>
+                                <m:nor/>
+                              </m:rPr>
+                              <a:rPr lang="en-US" sz="900" dirty="0">
+                                <a:solidFill>
+                                  <a:prstClr val="black"/>
+                                </a:solidFill>
+                              </a:rPr>
+                              <m:t>φ</m:t>
+                            </m:r>
+                            <m:r>
+                              <m:rPr>
+                                <m:nor/>
+                              </m:rPr>
+                              <a:rPr lang="en-US" sz="900" dirty="0">
+                                <a:solidFill>
+                                  <a:prstClr val="black"/>
+                                </a:solidFill>
+                              </a:rPr>
+                              <m:t>2(</m:t>
+                            </m:r>
+                            <m:r>
+                              <m:rPr>
+                                <m:nor/>
+                              </m:rPr>
+                              <a:rPr lang="en-US" sz="900" dirty="0">
+                                <a:solidFill>
+                                  <a:prstClr val="black"/>
+                                </a:solidFill>
+                              </a:rPr>
+                              <m:t>Apple</m:t>
+                            </m:r>
+                            <m:r>
+                              <m:rPr>
+                                <m:nor/>
+                              </m:rPr>
+                              <a:rPr lang="en-US" sz="900" dirty="0">
+                                <a:solidFill>
+                                  <a:prstClr val="black"/>
+                                </a:solidFill>
+                              </a:rPr>
+                              <m:t>,</m:t>
+                            </m:r>
+                            <m:r>
+                              <m:rPr>
+                                <m:nor/>
+                              </m:rPr>
+                              <a:rPr lang="en-US" sz="900" dirty="0">
+                                <a:solidFill>
+                                  <a:prstClr val="black"/>
+                                </a:solidFill>
+                              </a:rPr>
+                              <m:t>Microsoft</m:t>
+                            </m:r>
+                            <m:r>
+                              <m:rPr>
+                                <m:nor/>
+                              </m:rPr>
+                              <a:rPr lang="en-US" sz="900" dirty="0">
+                                <a:solidFill>
+                                  <a:prstClr val="black"/>
+                                </a:solidFill>
+                              </a:rPr>
+                              <m:t>) </m:t>
+                            </m:r>
+                          </m:e>
+                        </m:d>
+                      </m:e>
+                    </m:nary>
+                  </m:oMath>
+                </a14:m>
+                <a:endParaRPr lang="en-US" sz="2000" dirty="0">
+                  <a:solidFill>
+                    <a:prstClr val="black"/>
+                  </a:solidFill>
+                </a:endParaRPr>
+              </a:p>
+              <a:p>
+                <a:pPr marL="742950" lvl="1" indent="-285750">
+                  <a:buFontTx/>
+                  <a:buChar char="-"/>
+                </a:pPr>
+                <a14:m>
+                  <m:oMath xmlns:m="http://schemas.openxmlformats.org/officeDocument/2006/math">
+                    <m:nary>
+                      <m:naryPr>
+                        <m:chr m:val="∑"/>
+                        <m:ctrlPr>
+                          <a:rPr lang="pt-BR" sz="900" i="1">
+                            <a:solidFill>
+                              <a:prstClr val="black"/>
+                            </a:solidFill>
+                            <a:latin typeface="Cambria Math" panose="02040503050406030204" pitchFamily="18" charset="0"/>
+                          </a:rPr>
+                        </m:ctrlPr>
+                      </m:naryPr>
+                      <m:sub>
+                        <m:r>
+                          <a:rPr lang="pt-BR" sz="900" i="1">
+                            <a:solidFill>
+                              <a:prstClr val="black"/>
+                            </a:solidFill>
+                            <a:latin typeface="Cambria Math" panose="02040503050406030204" pitchFamily="18" charset="0"/>
+                          </a:rPr>
+                          <m:t>𝑛</m:t>
+                        </m:r>
+                        <m:r>
+                          <a:rPr lang="pt-BR" sz="900" i="1">
+                            <a:solidFill>
+                              <a:prstClr val="black"/>
+                            </a:solidFill>
+                            <a:latin typeface="Cambria Math" panose="02040503050406030204" pitchFamily="18" charset="0"/>
+                          </a:rPr>
+                          <m:t>=1</m:t>
+                        </m:r>
+                      </m:sub>
+                      <m:sup>
+                        <m:r>
+                          <m:rPr>
+                            <m:nor/>
+                          </m:rPr>
+                          <a:rPr lang="en-US" sz="900" i="1" dirty="0">
+                            <a:solidFill>
+                              <a:prstClr val="black"/>
+                            </a:solidFill>
+                          </a:rPr>
+                          <m:t>Microsoft</m:t>
+                        </m:r>
+                      </m:sup>
+                      <m:e>
+                        <m:r>
+                          <m:rPr>
+                            <m:nor/>
+                          </m:rPr>
+                          <a:rPr lang="en-US" sz="900" b="0" i="0" smtClean="0">
+                            <a:solidFill>
+                              <a:prstClr val="black"/>
+                            </a:solidFill>
+                            <a:latin typeface="Cambria Math" panose="02040503050406030204" pitchFamily="18" charset="0"/>
+                          </a:rPr>
+                          <m:t>(</m:t>
+                        </m:r>
+                        <m:r>
+                          <m:rPr>
+                            <m:nor/>
+                          </m:rPr>
+                          <a:rPr lang="en-US" sz="900" dirty="0">
+                            <a:solidFill>
+                              <a:prstClr val="black"/>
+                            </a:solidFill>
+                          </a:rPr>
+                          <m:t>φ</m:t>
+                        </m:r>
+                        <m:r>
+                          <m:rPr>
+                            <m:nor/>
+                          </m:rPr>
+                          <a:rPr lang="en-US" sz="900" dirty="0">
+                            <a:solidFill>
+                              <a:prstClr val="black"/>
+                            </a:solidFill>
+                          </a:rPr>
+                          <m:t>(</m:t>
+                        </m:r>
+                        <m:r>
+                          <m:rPr>
+                            <m:nor/>
+                          </m:rPr>
+                          <a:rPr lang="en-US" sz="900" dirty="0">
+                            <a:solidFill>
+                              <a:prstClr val="black"/>
+                            </a:solidFill>
+                          </a:rPr>
+                          <m:t>Microsoft</m:t>
+                        </m:r>
+                        <m:r>
+                          <m:rPr>
+                            <m:nor/>
+                          </m:rPr>
+                          <a:rPr lang="en-US" sz="900" dirty="0">
+                            <a:solidFill>
+                              <a:prstClr val="black"/>
+                            </a:solidFill>
+                          </a:rPr>
+                          <m:t>, </m:t>
+                        </m:r>
+                        <m:r>
+                          <m:rPr>
+                            <m:nor/>
+                          </m:rPr>
+                          <a:rPr lang="en-US" sz="900" dirty="0">
+                            <a:solidFill>
+                              <a:prstClr val="black"/>
+                            </a:solidFill>
+                          </a:rPr>
+                          <m:t>Apple</m:t>
+                        </m:r>
+                        <m:r>
+                          <m:rPr>
+                            <m:nor/>
+                          </m:rPr>
+                          <a:rPr lang="en-US" sz="900" dirty="0">
+                            <a:solidFill>
+                              <a:prstClr val="black"/>
+                            </a:solidFill>
+                          </a:rPr>
+                          <m:t>)</m:t>
+                        </m:r>
+                        <m:r>
+                          <m:rPr>
+                            <m:nor/>
+                          </m:rPr>
+                          <a:rPr lang="en-US" sz="900" dirty="0">
+                            <a:solidFill>
+                              <a:prstClr val="black"/>
+                            </a:solidFill>
+                          </a:rPr>
+                          <m:t>φ</m:t>
+                        </m:r>
+                        <m:r>
+                          <m:rPr>
+                            <m:nor/>
+                          </m:rPr>
+                          <a:rPr lang="en-US" sz="900" dirty="0">
+                            <a:solidFill>
+                              <a:prstClr val="black"/>
+                            </a:solidFill>
+                          </a:rPr>
+                          <m:t>2(</m:t>
+                        </m:r>
+                        <m:r>
+                          <m:rPr>
+                            <m:nor/>
+                          </m:rPr>
+                          <a:rPr lang="en-US" sz="900" dirty="0">
+                            <a:solidFill>
+                              <a:prstClr val="black"/>
+                            </a:solidFill>
+                          </a:rPr>
+                          <m:t>Apple</m:t>
+                        </m:r>
+                        <m:r>
+                          <m:rPr>
+                            <m:nor/>
+                          </m:rPr>
+                          <a:rPr lang="en-US" sz="900" dirty="0">
+                            <a:solidFill>
+                              <a:prstClr val="black"/>
+                            </a:solidFill>
+                          </a:rPr>
+                          <m:t>,</m:t>
+                        </m:r>
+                        <m:r>
+                          <m:rPr>
+                            <m:nor/>
+                          </m:rPr>
+                          <a:rPr lang="en-US" sz="900" dirty="0">
+                            <a:solidFill>
+                              <a:prstClr val="black"/>
+                            </a:solidFill>
+                          </a:rPr>
+                          <m:t>Microsoft</m:t>
+                        </m:r>
+                        <m:r>
+                          <m:rPr>
+                            <m:nor/>
+                          </m:rPr>
+                          <a:rPr lang="en-US" sz="900" dirty="0">
+                            <a:solidFill>
+                              <a:prstClr val="black"/>
+                            </a:solidFill>
+                          </a:rPr>
+                          <m:t>))</m:t>
+                        </m:r>
+                      </m:e>
+                    </m:nary>
+                  </m:oMath>
+                </a14:m>
+                <a:endParaRPr lang="en-US" sz="900" dirty="0">
+                  <a:solidFill>
+                    <a:prstClr val="black"/>
+                  </a:solidFill>
+                </a:endParaRPr>
+              </a:p>
+              <a:p>
+                <a:pPr marL="742950" lvl="1" indent="-285750">
+                  <a:buFontTx/>
+                  <a:buChar char="-"/>
+                </a:pPr>
+                <a14:m>
+                  <m:oMath xmlns:m="http://schemas.openxmlformats.org/officeDocument/2006/math">
+                    <m:r>
+                      <m:rPr>
+                        <m:nor/>
+                      </m:rPr>
+                      <a:rPr lang="en-US" sz="900" dirty="0">
+                        <a:solidFill>
+                          <a:prstClr val="black"/>
+                        </a:solidFill>
+                      </a:rPr>
+                      <m:t>φ</m:t>
+                    </m:r>
+                    <m:r>
+                      <m:rPr>
+                        <m:nor/>
+                      </m:rPr>
+                      <a:rPr lang="en-US" sz="900" dirty="0">
+                        <a:solidFill>
+                          <a:prstClr val="black"/>
+                        </a:solidFill>
+                      </a:rPr>
+                      <m:t>(</m:t>
+                    </m:r>
+                    <m:r>
+                      <m:rPr>
+                        <m:nor/>
+                      </m:rPr>
+                      <a:rPr lang="en-US" sz="900" dirty="0">
+                        <a:solidFill>
+                          <a:prstClr val="black"/>
+                        </a:solidFill>
+                      </a:rPr>
+                      <m:t>Apple</m:t>
+                    </m:r>
+                  </m:oMath>
+                </a14:m>
+                <a:r>
+                  <a:rPr lang="en-US" sz="900" dirty="0">
+                    <a:solidFill>
+                      <a:prstClr val="black"/>
+                    </a:solidFill>
+                  </a:rPr>
+                  <a:t>) </a:t>
+                </a:r>
+                <a:endParaRPr lang="en-US" sz="1800" dirty="0">
+                  <a:solidFill>
+                    <a:prstClr val="black"/>
+                  </a:solidFill>
+                </a:endParaRPr>
+              </a:p>
+              <a:p>
+                <a:pPr marL="285750" lvl="0" indent="-285750">
+                  <a:buFontTx/>
+                  <a:buChar char="-"/>
+                </a:pPr>
+                <a:r>
+                  <a:rPr lang="en-US" sz="1400" dirty="0">
+                    <a:solidFill>
+                      <a:prstClr val="black"/>
+                    </a:solidFill>
+                  </a:rPr>
+                  <a:t>Step 5 Apple: </a:t>
+                </a:r>
+                <a14:m>
+                  <m:oMath xmlns:m="http://schemas.openxmlformats.org/officeDocument/2006/math">
+                    <m:nary>
+                      <m:naryPr>
+                        <m:chr m:val="∑"/>
+                        <m:ctrlPr>
+                          <a:rPr lang="pt-BR" sz="1100" i="1">
+                            <a:solidFill>
+                              <a:prstClr val="black"/>
+                            </a:solidFill>
+                            <a:latin typeface="Cambria Math" panose="02040503050406030204" pitchFamily="18" charset="0"/>
+                          </a:rPr>
+                        </m:ctrlPr>
+                      </m:naryPr>
+                      <m:sub>
+                        <m:r>
+                          <a:rPr lang="pt-BR" sz="1100" i="1">
+                            <a:solidFill>
+                              <a:prstClr val="black"/>
+                            </a:solidFill>
+                            <a:latin typeface="Cambria Math" panose="02040503050406030204" pitchFamily="18" charset="0"/>
+                          </a:rPr>
+                          <m:t>𝑛</m:t>
+                        </m:r>
+                        <m:r>
+                          <a:rPr lang="pt-BR" sz="1100" i="1">
+                            <a:solidFill>
+                              <a:prstClr val="black"/>
+                            </a:solidFill>
+                            <a:latin typeface="Cambria Math" panose="02040503050406030204" pitchFamily="18" charset="0"/>
+                          </a:rPr>
+                          <m:t>=1</m:t>
+                        </m:r>
+                      </m:sub>
+                      <m:sup>
+                        <m:r>
+                          <a:rPr lang="en-US" sz="1100" b="0" i="1" smtClean="0">
+                            <a:solidFill>
+                              <a:prstClr val="black"/>
+                            </a:solidFill>
+                            <a:latin typeface="Cambria Math" panose="02040503050406030204" pitchFamily="18" charset="0"/>
+                          </a:rPr>
+                          <m:t>𝐴𝑝𝑝𝑙𝑒</m:t>
+                        </m:r>
+                      </m:sup>
+                      <m:e>
+                        <m:d>
+                          <m:dPr>
+                            <m:ctrlPr>
+                              <a:rPr lang="pt-BR" sz="1100" i="1">
+                                <a:solidFill>
+                                  <a:prstClr val="black"/>
+                                </a:solidFill>
+                                <a:latin typeface="Cambria Math" panose="02040503050406030204" pitchFamily="18" charset="0"/>
+                              </a:rPr>
+                            </m:ctrlPr>
+                          </m:dPr>
+                          <m:e>
+                            <m:r>
+                              <m:rPr>
+                                <m:nor/>
+                              </m:rPr>
+                              <a:rPr lang="en-US" sz="1100" dirty="0">
+                                <a:solidFill>
+                                  <a:prstClr val="black"/>
+                                </a:solidFill>
+                              </a:rPr>
+                              <m:t>φ</m:t>
+                            </m:r>
+                            <m:r>
+                              <m:rPr>
+                                <m:nor/>
+                              </m:rPr>
+                              <a:rPr lang="en-US" sz="1100" dirty="0">
+                                <a:solidFill>
+                                  <a:prstClr val="black"/>
+                                </a:solidFill>
+                              </a:rPr>
+                              <m:t>(</m:t>
+                            </m:r>
+                            <m:r>
+                              <m:rPr>
+                                <m:nor/>
+                              </m:rPr>
+                              <a:rPr lang="en-US" sz="1100" dirty="0">
+                                <a:solidFill>
+                                  <a:prstClr val="black"/>
+                                </a:solidFill>
+                              </a:rPr>
+                              <m:t>Apple</m:t>
+                            </m:r>
+                            <m:r>
+                              <m:rPr>
+                                <m:nor/>
+                              </m:rPr>
+                              <a:rPr lang="en-US" sz="1100" dirty="0">
+                                <a:solidFill>
+                                  <a:prstClr val="black"/>
+                                </a:solidFill>
+                              </a:rPr>
+                              <m:t>) </m:t>
+                            </m:r>
+                          </m:e>
+                        </m:d>
+                      </m:e>
+                    </m:nary>
+                  </m:oMath>
+                </a14:m>
+                <a:endParaRPr lang="en-US" sz="2000" dirty="0">
+                  <a:solidFill>
+                    <a:prstClr val="black"/>
+                  </a:solidFill>
+                </a:endParaRPr>
+              </a:p>
+              <a:p>
+                <a:pPr lvl="1"/>
+                <a:r>
+                  <a:rPr lang="pt-BR" sz="700" dirty="0">
+                    <a:solidFill>
+                      <a:prstClr val="black"/>
+                    </a:solidFill>
+                  </a:rPr>
+                  <a:t> </a:t>
+                </a:r>
+                <a14:m>
+                  <m:oMath xmlns:m="http://schemas.openxmlformats.org/officeDocument/2006/math">
+                    <m:nary>
+                      <m:naryPr>
+                        <m:chr m:val="∑"/>
+                        <m:ctrlPr>
+                          <a:rPr lang="pt-BR" sz="700" i="1">
+                            <a:solidFill>
+                              <a:prstClr val="black"/>
+                            </a:solidFill>
+                            <a:latin typeface="Cambria Math" panose="02040503050406030204" pitchFamily="18" charset="0"/>
+                          </a:rPr>
+                        </m:ctrlPr>
+                      </m:naryPr>
+                      <m:sub>
+                        <m:r>
+                          <a:rPr lang="pt-BR" sz="700" i="1">
+                            <a:solidFill>
+                              <a:prstClr val="black"/>
+                            </a:solidFill>
+                            <a:latin typeface="Cambria Math" panose="02040503050406030204" pitchFamily="18" charset="0"/>
+                          </a:rPr>
+                          <m:t>𝑛</m:t>
+                        </m:r>
+                        <m:r>
+                          <a:rPr lang="pt-BR" sz="700" i="1">
+                            <a:solidFill>
+                              <a:prstClr val="black"/>
+                            </a:solidFill>
+                            <a:latin typeface="Cambria Math" panose="02040503050406030204" pitchFamily="18" charset="0"/>
+                          </a:rPr>
+                          <m:t>=1</m:t>
+                        </m:r>
+                      </m:sub>
+                      <m:sup>
+                        <m:r>
+                          <a:rPr lang="en-US" sz="700" i="1">
+                            <a:solidFill>
+                              <a:prstClr val="black"/>
+                            </a:solidFill>
+                            <a:latin typeface="Cambria Math" panose="02040503050406030204" pitchFamily="18" charset="0"/>
+                          </a:rPr>
+                          <m:t>𝐴𝑝𝑝𝑙𝑒</m:t>
+                        </m:r>
+                      </m:sup>
+                      <m:e>
+                        <m:d>
+                          <m:dPr>
+                            <m:ctrlPr>
+                              <a:rPr lang="pt-BR" sz="700" i="1">
+                                <a:solidFill>
+                                  <a:prstClr val="black"/>
+                                </a:solidFill>
+                                <a:latin typeface="Cambria Math" panose="02040503050406030204" pitchFamily="18" charset="0"/>
+                              </a:rPr>
+                            </m:ctrlPr>
+                          </m:dPr>
+                          <m:e>
+                            <m:r>
+                              <m:rPr>
+                                <m:nor/>
+                              </m:rPr>
+                              <a:rPr lang="en-US" sz="700" dirty="0">
+                                <a:solidFill>
+                                  <a:prstClr val="black"/>
+                                </a:solidFill>
+                              </a:rPr>
+                              <m:t>φ</m:t>
+                            </m:r>
+                            <m:r>
+                              <m:rPr>
+                                <m:nor/>
+                              </m:rPr>
+                              <a:rPr lang="en-US" sz="700" dirty="0">
+                                <a:solidFill>
+                                  <a:prstClr val="black"/>
+                                </a:solidFill>
+                              </a:rPr>
+                              <m:t>(</m:t>
+                            </m:r>
+                            <m:r>
+                              <m:rPr>
+                                <m:nor/>
+                              </m:rPr>
+                              <a:rPr lang="en-US" sz="700" dirty="0">
+                                <a:solidFill>
+                                  <a:prstClr val="black"/>
+                                </a:solidFill>
+                              </a:rPr>
+                              <m:t>Apple</m:t>
+                            </m:r>
+                            <m:r>
+                              <m:rPr>
+                                <m:nor/>
+                              </m:rPr>
+                              <a:rPr lang="en-US" sz="700" dirty="0">
+                                <a:solidFill>
+                                  <a:prstClr val="black"/>
+                                </a:solidFill>
+                              </a:rPr>
+                              <m:t>) </m:t>
+                            </m:r>
+                          </m:e>
+                        </m:d>
+                      </m:e>
+                    </m:nary>
+                  </m:oMath>
+                </a14:m>
+                <a:endParaRPr lang="en-US" sz="1800" dirty="0"/>
+              </a:p>
+              <a:p>
+                <a:pPr lvl="1"/>
+                <a:r>
+                  <a:rPr lang="en-US" sz="1800" dirty="0"/>
+                  <a:t>“Z”</a:t>
+                </a:r>
+              </a:p>
+            </p:txBody>
+          </p:sp>
+        </mc:Choice>
+        <mc:Fallback>
+          <p:sp>
+            <p:nvSpPr>
+              <p:cNvPr id="3" name="Content Placeholder 2">
+                <a:extLst>
+                  <a:ext uri="{FF2B5EF4-FFF2-40B4-BE49-F238E27FC236}">
+                    <a16:creationId xmlns:a16="http://schemas.microsoft.com/office/drawing/2014/main" id="{14F06CA7-9135-4907-9FD7-C7FD149F6950}"/>
+                  </a:ext>
+                </a:extLst>
+              </p:cNvPr>
+              <p:cNvSpPr>
+                <a:spLocks noGrp="1" noRot="1" noChangeAspect="1" noMove="1" noResize="1" noEditPoints="1" noAdjustHandles="1" noChangeArrowheads="1" noChangeShapeType="1" noTextEdit="1"/>
+              </p:cNvSpPr>
+              <p:nvPr>
+                <p:ph idx="1"/>
+              </p:nvPr>
+            </p:nvSpPr>
+            <p:spPr>
+              <a:xfrm>
+                <a:off x="-1039387" y="1921054"/>
+                <a:ext cx="8486955" cy="4351338"/>
+              </a:xfrm>
+              <a:blipFill>
+                <a:blip r:embed="rId2"/>
+                <a:stretch>
+                  <a:fillRect l="-215" t="-840"/>
+                </a:stretch>
+              </a:blipFill>
+            </p:spPr>
+            <p:txBody>
+              <a:bodyPr/>
+              <a:lstStyle/>
+              <a:p>
+                <a:r>
+                  <a:rPr lang="en-US">
+                    <a:noFill/>
+                  </a:rPr>
+                  <a:t> </a:t>
+                </a:r>
+              </a:p>
+            </p:txBody>
+          </p:sp>
+        </mc:Fallback>
+      </mc:AlternateContent>
+      <p:sp>
+        <p:nvSpPr>
+          <p:cNvPr id="4" name="Oval 3">
+            <a:extLst>
+              <a:ext uri="{FF2B5EF4-FFF2-40B4-BE49-F238E27FC236}">
+                <a16:creationId xmlns:a16="http://schemas.microsoft.com/office/drawing/2014/main" id="{04845812-CE9B-432C-87EA-4448844EE058}"/>
+              </a:ext>
+            </a:extLst>
+          </p:cNvPr>
+          <p:cNvSpPr/>
+          <p:nvPr/>
+        </p:nvSpPr>
+        <p:spPr>
+          <a:xfrm>
+            <a:off x="9433663" y="1864595"/>
+            <a:ext cx="1811547" cy="1121434"/>
+          </a:xfrm>
+          <a:prstGeom prst="ellipse">
+            <a:avLst/>
+          </a:prstGeom>
+        </p:spPr>
+        <p:style>
+          <a:lnRef idx="2">
+            <a:schemeClr val="accent1">
+              <a:shade val="50000"/>
+            </a:schemeClr>
+          </a:lnRef>
+          <a:fillRef idx="1">
+            <a:schemeClr val="accent1"/>
+          </a:fillRef>
+          <a:effectRef idx="0">
+            <a:schemeClr val="accent1"/>
+          </a:effectRef>
+          <a:fontRef idx="minor">
+            <a:schemeClr val="lt1"/>
+          </a:fontRef>
+        </p:style>
+        <p:txBody>
+          <a:bodyPr rtlCol="0" anchor="ctr"/>
+          <a:lstStyle/>
+          <a:p>
+            <a:pPr algn="ctr"/>
+            <a:r>
+              <a:rPr lang="en-US" dirty="0"/>
+              <a:t>Hanes, Amazon</a:t>
+            </a:r>
+          </a:p>
+        </p:txBody>
+      </p:sp>
+      <p:sp>
+        <p:nvSpPr>
+          <p:cNvPr id="5" name="Oval 4">
+            <a:extLst>
+              <a:ext uri="{FF2B5EF4-FFF2-40B4-BE49-F238E27FC236}">
+                <a16:creationId xmlns:a16="http://schemas.microsoft.com/office/drawing/2014/main" id="{19C2C49D-9550-4F6B-A8FE-1612D66062FE}"/>
+              </a:ext>
+            </a:extLst>
+          </p:cNvPr>
+          <p:cNvSpPr/>
+          <p:nvPr/>
+        </p:nvSpPr>
+        <p:spPr>
+          <a:xfrm>
+            <a:off x="10941349" y="3157477"/>
+            <a:ext cx="1811547" cy="1121434"/>
+          </a:xfrm>
+          <a:prstGeom prst="ellipse">
+            <a:avLst/>
+          </a:prstGeom>
+        </p:spPr>
+        <p:style>
+          <a:lnRef idx="2">
+            <a:schemeClr val="accent1">
+              <a:shade val="50000"/>
+            </a:schemeClr>
+          </a:lnRef>
+          <a:fillRef idx="1">
+            <a:schemeClr val="accent1"/>
+          </a:fillRef>
+          <a:effectRef idx="0">
+            <a:schemeClr val="accent1"/>
+          </a:effectRef>
+          <a:fontRef idx="minor">
+            <a:schemeClr val="lt1"/>
+          </a:fontRef>
+        </p:style>
+        <p:txBody>
+          <a:bodyPr rtlCol="0" anchor="ctr"/>
+          <a:lstStyle/>
+          <a:p>
+            <a:pPr algn="ctr"/>
+            <a:r>
+              <a:rPr lang="en-US" dirty="0"/>
+              <a:t>Apple, Microsoft, Amazon</a:t>
+            </a:r>
+          </a:p>
+          <a:p>
+            <a:pPr algn="ctr"/>
+            <a:endParaRPr lang="en-US" dirty="0"/>
+          </a:p>
+        </p:txBody>
+      </p:sp>
+      <p:sp>
+        <p:nvSpPr>
+          <p:cNvPr id="6" name="Oval 5">
+            <a:extLst>
+              <a:ext uri="{FF2B5EF4-FFF2-40B4-BE49-F238E27FC236}">
+                <a16:creationId xmlns:a16="http://schemas.microsoft.com/office/drawing/2014/main" id="{917A0F8C-DFF0-4230-BFB5-FA43F09F3479}"/>
+              </a:ext>
+            </a:extLst>
+          </p:cNvPr>
+          <p:cNvSpPr/>
+          <p:nvPr/>
+        </p:nvSpPr>
+        <p:spPr>
+          <a:xfrm>
+            <a:off x="8843381" y="4556235"/>
+            <a:ext cx="1811547" cy="1121434"/>
+          </a:xfrm>
+          <a:prstGeom prst="ellipse">
+            <a:avLst/>
+          </a:prstGeom>
+        </p:spPr>
+        <p:style>
+          <a:lnRef idx="2">
+            <a:schemeClr val="accent1">
+              <a:shade val="50000"/>
+            </a:schemeClr>
+          </a:lnRef>
+          <a:fillRef idx="1">
+            <a:schemeClr val="accent1"/>
+          </a:fillRef>
+          <a:effectRef idx="0">
+            <a:schemeClr val="accent1"/>
+          </a:effectRef>
+          <a:fontRef idx="minor">
+            <a:schemeClr val="lt1"/>
+          </a:fontRef>
+        </p:style>
+        <p:txBody>
+          <a:bodyPr rtlCol="0" anchor="ctr"/>
+          <a:lstStyle/>
+          <a:p>
+            <a:pPr algn="ctr"/>
+            <a:r>
+              <a:rPr lang="en-US" dirty="0"/>
+              <a:t>Apple, Microsoft</a:t>
+            </a:r>
+          </a:p>
+        </p:txBody>
+      </p:sp>
+      <p:sp>
+        <p:nvSpPr>
+          <p:cNvPr id="7" name="Oval 6">
+            <a:extLst>
+              <a:ext uri="{FF2B5EF4-FFF2-40B4-BE49-F238E27FC236}">
+                <a16:creationId xmlns:a16="http://schemas.microsoft.com/office/drawing/2014/main" id="{6947194B-6441-41DE-942F-AD70F4FA97A5}"/>
+              </a:ext>
+            </a:extLst>
+          </p:cNvPr>
+          <p:cNvSpPr/>
+          <p:nvPr/>
+        </p:nvSpPr>
+        <p:spPr>
+          <a:xfrm>
+            <a:off x="10720477" y="394493"/>
+            <a:ext cx="1811547" cy="1121434"/>
+          </a:xfrm>
+          <a:prstGeom prst="ellipse">
+            <a:avLst/>
+          </a:prstGeom>
+        </p:spPr>
+        <p:style>
+          <a:lnRef idx="2">
+            <a:schemeClr val="accent1">
+              <a:shade val="50000"/>
+            </a:schemeClr>
+          </a:lnRef>
+          <a:fillRef idx="1">
+            <a:schemeClr val="accent1"/>
+          </a:fillRef>
+          <a:effectRef idx="0">
+            <a:schemeClr val="accent1"/>
+          </a:effectRef>
+          <a:fontRef idx="minor">
+            <a:schemeClr val="lt1"/>
+          </a:fontRef>
+        </p:style>
+        <p:txBody>
+          <a:bodyPr rtlCol="0" anchor="ctr"/>
+          <a:lstStyle/>
+          <a:p>
+            <a:pPr algn="ctr"/>
+            <a:r>
+              <a:rPr lang="en-US" dirty="0"/>
+              <a:t>Hanes, Nike</a:t>
+            </a:r>
+          </a:p>
+        </p:txBody>
+      </p:sp>
+      <p:sp>
+        <p:nvSpPr>
+          <p:cNvPr id="8" name="Oval 7">
+            <a:extLst>
+              <a:ext uri="{FF2B5EF4-FFF2-40B4-BE49-F238E27FC236}">
+                <a16:creationId xmlns:a16="http://schemas.microsoft.com/office/drawing/2014/main" id="{74683DA7-5C6D-4A32-95B4-9CE71F502C4F}"/>
+              </a:ext>
+            </a:extLst>
+          </p:cNvPr>
+          <p:cNvSpPr/>
+          <p:nvPr/>
+        </p:nvSpPr>
+        <p:spPr>
+          <a:xfrm>
+            <a:off x="10380453" y="5958321"/>
+            <a:ext cx="1811547" cy="1121434"/>
+          </a:xfrm>
+          <a:prstGeom prst="ellipse">
+            <a:avLst/>
+          </a:prstGeom>
+        </p:spPr>
+        <p:style>
+          <a:lnRef idx="2">
+            <a:schemeClr val="accent1">
+              <a:shade val="50000"/>
+            </a:schemeClr>
+          </a:lnRef>
+          <a:fillRef idx="1">
+            <a:schemeClr val="accent1"/>
+          </a:fillRef>
+          <a:effectRef idx="0">
+            <a:schemeClr val="accent1"/>
+          </a:effectRef>
+          <a:fontRef idx="minor">
+            <a:schemeClr val="lt1"/>
+          </a:fontRef>
+        </p:style>
+        <p:txBody>
+          <a:bodyPr rtlCol="0" anchor="ctr"/>
+          <a:lstStyle/>
+          <a:p>
+            <a:pPr algn="ctr"/>
+            <a:r>
+              <a:rPr lang="en-US" dirty="0"/>
+              <a:t>Apple </a:t>
+            </a:r>
+          </a:p>
+        </p:txBody>
+      </p:sp>
+      <p:cxnSp>
+        <p:nvCxnSpPr>
+          <p:cNvPr id="10" name="Straight Connector 9">
+            <a:extLst>
+              <a:ext uri="{FF2B5EF4-FFF2-40B4-BE49-F238E27FC236}">
+                <a16:creationId xmlns:a16="http://schemas.microsoft.com/office/drawing/2014/main" id="{B3D4F18D-194F-4B0D-B78C-88CCED5A8DA5}"/>
+              </a:ext>
+            </a:extLst>
+          </p:cNvPr>
+          <p:cNvCxnSpPr>
+            <a:stCxn id="7" idx="3"/>
+          </p:cNvCxnSpPr>
+          <p:nvPr/>
+        </p:nvCxnSpPr>
+        <p:spPr>
+          <a:xfrm flipH="1">
+            <a:off x="10380453" y="1351697"/>
+            <a:ext cx="605319" cy="677128"/>
+          </a:xfrm>
+          <a:prstGeom prst="line">
+            <a:avLst/>
+          </a:prstGeom>
+        </p:spPr>
+        <p:style>
+          <a:lnRef idx="1">
+            <a:schemeClr val="accent1"/>
+          </a:lnRef>
+          <a:fillRef idx="0">
+            <a:schemeClr val="accent1"/>
+          </a:fillRef>
+          <a:effectRef idx="0">
+            <a:schemeClr val="accent1"/>
+          </a:effectRef>
+          <a:fontRef idx="minor">
+            <a:schemeClr val="tx1"/>
+          </a:fontRef>
+        </p:style>
+      </p:cxnSp>
+      <p:cxnSp>
+        <p:nvCxnSpPr>
+          <p:cNvPr id="12" name="Straight Connector 11">
+            <a:extLst>
+              <a:ext uri="{FF2B5EF4-FFF2-40B4-BE49-F238E27FC236}">
+                <a16:creationId xmlns:a16="http://schemas.microsoft.com/office/drawing/2014/main" id="{8B43FA2B-C3B0-45DF-8F7D-DF033BE57919}"/>
+              </a:ext>
+            </a:extLst>
+          </p:cNvPr>
+          <p:cNvCxnSpPr>
+            <a:stCxn id="4" idx="5"/>
+          </p:cNvCxnSpPr>
+          <p:nvPr/>
+        </p:nvCxnSpPr>
+        <p:spPr>
+          <a:xfrm>
+            <a:off x="10979915" y="2821799"/>
+            <a:ext cx="975715" cy="793987"/>
+          </a:xfrm>
+          <a:prstGeom prst="line">
+            <a:avLst/>
+          </a:prstGeom>
+        </p:spPr>
+        <p:style>
+          <a:lnRef idx="1">
+            <a:schemeClr val="accent1"/>
+          </a:lnRef>
+          <a:fillRef idx="0">
+            <a:schemeClr val="accent1"/>
+          </a:fillRef>
+          <a:effectRef idx="0">
+            <a:schemeClr val="accent1"/>
+          </a:effectRef>
+          <a:fontRef idx="minor">
+            <a:schemeClr val="tx1"/>
+          </a:fontRef>
+        </p:style>
+      </p:cxnSp>
+      <p:cxnSp>
+        <p:nvCxnSpPr>
+          <p:cNvPr id="14" name="Straight Connector 13">
+            <a:extLst>
+              <a:ext uri="{FF2B5EF4-FFF2-40B4-BE49-F238E27FC236}">
+                <a16:creationId xmlns:a16="http://schemas.microsoft.com/office/drawing/2014/main" id="{52D01C96-3317-403C-923B-D92174DDD0F1}"/>
+              </a:ext>
+            </a:extLst>
+          </p:cNvPr>
+          <p:cNvCxnSpPr/>
+          <p:nvPr/>
+        </p:nvCxnSpPr>
+        <p:spPr>
+          <a:xfrm flipH="1">
+            <a:off x="9794248" y="4129813"/>
+            <a:ext cx="1457325" cy="905009"/>
+          </a:xfrm>
+          <a:prstGeom prst="line">
+            <a:avLst/>
+          </a:prstGeom>
+        </p:spPr>
+        <p:style>
+          <a:lnRef idx="1">
+            <a:schemeClr val="accent1"/>
+          </a:lnRef>
+          <a:fillRef idx="0">
+            <a:schemeClr val="accent1"/>
+          </a:fillRef>
+          <a:effectRef idx="0">
+            <a:schemeClr val="accent1"/>
+          </a:effectRef>
+          <a:fontRef idx="minor">
+            <a:schemeClr val="tx1"/>
+          </a:fontRef>
+        </p:style>
+      </p:cxnSp>
+      <p:cxnSp>
+        <p:nvCxnSpPr>
+          <p:cNvPr id="16" name="Straight Connector 15">
+            <a:extLst>
+              <a:ext uri="{FF2B5EF4-FFF2-40B4-BE49-F238E27FC236}">
+                <a16:creationId xmlns:a16="http://schemas.microsoft.com/office/drawing/2014/main" id="{63044458-8D27-4CB2-A36E-0062309BA557}"/>
+              </a:ext>
+            </a:extLst>
+          </p:cNvPr>
+          <p:cNvCxnSpPr/>
+          <p:nvPr/>
+        </p:nvCxnSpPr>
+        <p:spPr>
+          <a:xfrm>
+            <a:off x="9774055" y="5447596"/>
+            <a:ext cx="946422" cy="1071442"/>
+          </a:xfrm>
+          <a:prstGeom prst="line">
+            <a:avLst/>
+          </a:prstGeom>
+        </p:spPr>
+        <p:style>
+          <a:lnRef idx="1">
+            <a:schemeClr val="accent1"/>
+          </a:lnRef>
+          <a:fillRef idx="0">
+            <a:schemeClr val="accent1"/>
+          </a:fillRef>
+          <a:effectRef idx="0">
+            <a:schemeClr val="accent1"/>
+          </a:effectRef>
+          <a:fontRef idx="minor">
+            <a:schemeClr val="tx1"/>
+          </a:fontRef>
+        </p:style>
+      </p:cxnSp>
+      <p:sp>
+        <p:nvSpPr>
+          <p:cNvPr id="18" name="TextBox 17">
+            <a:extLst>
+              <a:ext uri="{FF2B5EF4-FFF2-40B4-BE49-F238E27FC236}">
+                <a16:creationId xmlns:a16="http://schemas.microsoft.com/office/drawing/2014/main" id="{331221AB-2C03-4B88-81C0-97B2DA2EE2C8}"/>
+              </a:ext>
+            </a:extLst>
+          </p:cNvPr>
+          <p:cNvSpPr txBox="1"/>
+          <p:nvPr/>
+        </p:nvSpPr>
+        <p:spPr>
+          <a:xfrm>
+            <a:off x="6573482" y="1863771"/>
+            <a:ext cx="3894493" cy="1815882"/>
+          </a:xfrm>
+          <a:prstGeom prst="rect">
+            <a:avLst/>
+          </a:prstGeom>
+          <a:noFill/>
+        </p:spPr>
+        <p:txBody>
+          <a:bodyPr wrap="square" rtlCol="0">
+            <a:spAutoFit/>
+          </a:bodyPr>
+          <a:lstStyle/>
+          <a:p>
+            <a:r>
+              <a:rPr lang="en-US" sz="1600" dirty="0"/>
+              <a:t> - nothing</a:t>
+            </a:r>
+          </a:p>
+          <a:p>
+            <a:r>
+              <a:rPr lang="en-US" sz="1600" dirty="0"/>
+              <a:t>1 {Hanes, Nike}  - phi(</a:t>
+            </a:r>
+            <a:r>
+              <a:rPr lang="en-US" sz="1600" dirty="0" err="1"/>
+              <a:t>hanes</a:t>
+            </a:r>
+            <a:r>
+              <a:rPr lang="en-US" sz="1600" dirty="0"/>
+              <a:t>)</a:t>
+            </a:r>
+          </a:p>
+          <a:p>
+            <a:r>
+              <a:rPr lang="en-US" sz="1600" dirty="0"/>
+              <a:t>2. {Hanes, Amazon} – phi(</a:t>
+            </a:r>
+            <a:r>
+              <a:rPr lang="en-US" sz="1600" dirty="0" err="1"/>
+              <a:t>Amz</a:t>
+            </a:r>
+            <a:r>
+              <a:rPr lang="en-US" sz="1600" dirty="0"/>
+              <a:t>)</a:t>
+            </a:r>
+          </a:p>
+          <a:p>
+            <a:r>
+              <a:rPr lang="en-US" sz="1600" dirty="0"/>
+              <a:t>3. {APL, MSFT, AMZ} – phi(APL, MSFT)</a:t>
+            </a:r>
+          </a:p>
+          <a:p>
+            <a:r>
+              <a:rPr lang="en-US" sz="1600" dirty="0"/>
+              <a:t>4. {APL, MSFT} – phi(APL)</a:t>
+            </a:r>
+          </a:p>
+          <a:p>
+            <a:r>
+              <a:rPr lang="en-US" sz="1600" dirty="0"/>
+              <a:t>5. {APL}</a:t>
+            </a:r>
+          </a:p>
+          <a:p>
+            <a:endParaRPr lang="en-US" sz="1600" dirty="0"/>
+          </a:p>
+        </p:txBody>
+      </p:sp>
+    </p:spTree>
+    <p:extLst>
+      <p:ext uri="{BB962C8B-B14F-4D97-AF65-F5344CB8AC3E}">
+        <p14:creationId xmlns:p14="http://schemas.microsoft.com/office/powerpoint/2010/main" val="466265873"/>
+      </p:ext>
+    </p:extLst>
+  </p:cSld>
+  <p:clrMapOvr>
+    <a:masterClrMapping/>
+  </p:clrMapOvr>
+</p:sld>
+</file>
+
+<file path=ppt/slides/slide4.xml><?xml version="1.0" encoding="utf-8"?>
+<p:sld xmlns:a="http://schemas.openxmlformats.org/drawingml/2006/main" xmlns:r="http://schemas.openxmlformats.org/officeDocument/2006/relationships" xmlns:p="http://schemas.openxmlformats.org/presentationml/2006/main">
+  <p:cSld>
+    <p:spTree>
+      <p:nvGrpSpPr>
+        <p:cNvPr id="1" name=""/>
+        <p:cNvGrpSpPr/>
+        <p:nvPr/>
+      </p:nvGrpSpPr>
+      <p:grpSpPr>
+        <a:xfrm>
+          <a:off x="0" y="0"/>
+          <a:ext cx="0" cy="0"/>
+          <a:chOff x="0" y="0"/>
+          <a:chExt cx="0" cy="0"/>
+        </a:xfrm>
+      </p:grpSpPr>
+      <p:sp>
+        <p:nvSpPr>
+          <p:cNvPr id="20" name="Oval 19">
+            <a:extLst>
+              <a:ext uri="{FF2B5EF4-FFF2-40B4-BE49-F238E27FC236}">
+                <a16:creationId xmlns:a16="http://schemas.microsoft.com/office/drawing/2014/main" id="{E4C01CFF-4173-487E-9452-2AEAD5A74259}"/>
+              </a:ext>
+            </a:extLst>
+          </p:cNvPr>
+          <p:cNvSpPr/>
+          <p:nvPr/>
+        </p:nvSpPr>
+        <p:spPr>
+          <a:xfrm>
+            <a:off x="6632669" y="5559034"/>
+            <a:ext cx="2742167" cy="4918913"/>
+          </a:xfrm>
+          <a:prstGeom prst="ellipse">
+            <a:avLst/>
+          </a:prstGeom>
+        </p:spPr>
+        <p:style>
+          <a:lnRef idx="2">
+            <a:schemeClr val="accent1">
+              <a:shade val="50000"/>
+            </a:schemeClr>
+          </a:lnRef>
+          <a:fillRef idx="1">
+            <a:schemeClr val="accent1"/>
+          </a:fillRef>
+          <a:effectRef idx="0">
+            <a:schemeClr val="accent1"/>
+          </a:effectRef>
+          <a:fontRef idx="minor">
+            <a:schemeClr val="lt1"/>
+          </a:fontRef>
+        </p:style>
+        <p:txBody>
+          <a:bodyPr rtlCol="0" anchor="ctr"/>
+          <a:lstStyle/>
+          <a:p>
+            <a:pPr algn="ctr"/>
+            <a:r>
+              <a:rPr lang="en-US" dirty="0"/>
+              <a:t>Clique</a:t>
+            </a:r>
+          </a:p>
+        </p:txBody>
+      </p:sp>
+      <p:sp>
+        <p:nvSpPr>
+          <p:cNvPr id="16" name="Oval 15">
+            <a:extLst>
+              <a:ext uri="{FF2B5EF4-FFF2-40B4-BE49-F238E27FC236}">
+                <a16:creationId xmlns:a16="http://schemas.microsoft.com/office/drawing/2014/main" id="{4DA7F452-95BA-448D-985E-83BAF0D4DA9E}"/>
+              </a:ext>
+            </a:extLst>
+          </p:cNvPr>
+          <p:cNvSpPr/>
+          <p:nvPr/>
+        </p:nvSpPr>
+        <p:spPr>
+          <a:xfrm>
+            <a:off x="1776323" y="5559035"/>
+            <a:ext cx="2742167" cy="4918913"/>
+          </a:xfrm>
+          <a:prstGeom prst="ellipse">
+            <a:avLst/>
+          </a:prstGeom>
+        </p:spPr>
+        <p:style>
+          <a:lnRef idx="2">
+            <a:schemeClr val="accent1">
+              <a:shade val="50000"/>
+            </a:schemeClr>
+          </a:lnRef>
+          <a:fillRef idx="1">
+            <a:schemeClr val="accent1"/>
+          </a:fillRef>
+          <a:effectRef idx="0">
+            <a:schemeClr val="accent1"/>
+          </a:effectRef>
+          <a:fontRef idx="minor">
+            <a:schemeClr val="lt1"/>
+          </a:fontRef>
+        </p:style>
+        <p:txBody>
+          <a:bodyPr rtlCol="0" anchor="ctr"/>
+          <a:lstStyle/>
+          <a:p>
+            <a:pPr algn="ctr"/>
+            <a:r>
+              <a:rPr lang="en-US" dirty="0"/>
+              <a:t>Clique</a:t>
+            </a:r>
+          </a:p>
+        </p:txBody>
+      </p:sp>
+      <p:sp>
+        <p:nvSpPr>
+          <p:cNvPr id="24" name="Oval 23">
+            <a:extLst>
+              <a:ext uri="{FF2B5EF4-FFF2-40B4-BE49-F238E27FC236}">
+                <a16:creationId xmlns:a16="http://schemas.microsoft.com/office/drawing/2014/main" id="{D3D7DCBC-C449-43A2-B020-207D23CF6AB9}"/>
+              </a:ext>
+            </a:extLst>
+          </p:cNvPr>
+          <p:cNvSpPr/>
+          <p:nvPr/>
+        </p:nvSpPr>
+        <p:spPr>
+          <a:xfrm>
+            <a:off x="1457108" y="-1527965"/>
+            <a:ext cx="4385733" cy="4213307"/>
+          </a:xfrm>
+          <a:prstGeom prst="ellipse">
+            <a:avLst/>
+          </a:prstGeom>
+        </p:spPr>
+        <p:style>
+          <a:lnRef idx="2">
+            <a:schemeClr val="accent1">
+              <a:shade val="50000"/>
+            </a:schemeClr>
+          </a:lnRef>
+          <a:fillRef idx="1">
+            <a:schemeClr val="accent1"/>
+          </a:fillRef>
+          <a:effectRef idx="0">
+            <a:schemeClr val="accent1"/>
+          </a:effectRef>
+          <a:fontRef idx="minor">
+            <a:schemeClr val="lt1"/>
+          </a:fontRef>
+        </p:style>
+        <p:txBody>
+          <a:bodyPr rtlCol="0" anchor="ctr"/>
+          <a:lstStyle/>
+          <a:p>
+            <a:pPr algn="ctr"/>
+            <a:r>
+              <a:rPr lang="en-US" dirty="0"/>
+              <a:t>Clique</a:t>
+            </a:r>
+          </a:p>
+        </p:txBody>
+      </p:sp>
+      <p:sp>
+        <p:nvSpPr>
+          <p:cNvPr id="2" name="Title 1">
+            <a:extLst>
+              <a:ext uri="{FF2B5EF4-FFF2-40B4-BE49-F238E27FC236}">
+                <a16:creationId xmlns:a16="http://schemas.microsoft.com/office/drawing/2014/main" id="{8A5774E4-479F-49BE-B50B-9ED10D1846AC}"/>
+              </a:ext>
+            </a:extLst>
+          </p:cNvPr>
+          <p:cNvSpPr>
+            <a:spLocks noGrp="1"/>
+          </p:cNvSpPr>
+          <p:nvPr>
+            <p:ph type="title"/>
+          </p:nvPr>
+        </p:nvSpPr>
+        <p:spPr>
+          <a:xfrm>
+            <a:off x="983672" y="-1983614"/>
+            <a:ext cx="10515600" cy="1325563"/>
+          </a:xfrm>
+        </p:spPr>
+        <p:txBody>
+          <a:bodyPr/>
+          <a:lstStyle/>
+          <a:p>
+            <a:r>
+              <a:rPr lang="en-US" dirty="0"/>
+              <a:t>Stock Volume (prices fluctuate)</a:t>
+            </a:r>
+          </a:p>
+        </p:txBody>
+      </p:sp>
+      <p:sp>
+        <p:nvSpPr>
+          <p:cNvPr id="4" name="Oval 3">
+            <a:extLst>
+              <a:ext uri="{FF2B5EF4-FFF2-40B4-BE49-F238E27FC236}">
+                <a16:creationId xmlns:a16="http://schemas.microsoft.com/office/drawing/2014/main" id="{74D115B7-BD6D-4A39-8C67-7D931094DBD5}"/>
+              </a:ext>
+            </a:extLst>
+          </p:cNvPr>
+          <p:cNvSpPr/>
+          <p:nvPr/>
+        </p:nvSpPr>
+        <p:spPr>
+          <a:xfrm>
+            <a:off x="1618477" y="-124458"/>
+            <a:ext cx="1267691" cy="1205346"/>
+          </a:xfrm>
+          <a:prstGeom prst="ellipse">
+            <a:avLst/>
+          </a:prstGeom>
+        </p:spPr>
+        <p:style>
+          <a:lnRef idx="2">
+            <a:schemeClr val="accent1">
+              <a:shade val="50000"/>
+            </a:schemeClr>
+          </a:lnRef>
+          <a:fillRef idx="1">
+            <a:schemeClr val="accent1"/>
+          </a:fillRef>
+          <a:effectRef idx="0">
+            <a:schemeClr val="accent1"/>
+          </a:effectRef>
+          <a:fontRef idx="minor">
+            <a:schemeClr val="lt1"/>
+          </a:fontRef>
+        </p:style>
+        <p:txBody>
+          <a:bodyPr rtlCol="0" anchor="ctr"/>
+          <a:lstStyle/>
+          <a:p>
+            <a:pPr algn="ctr"/>
+            <a:r>
+              <a:rPr lang="en-US" dirty="0"/>
+              <a:t>Apple</a:t>
+            </a:r>
+          </a:p>
+        </p:txBody>
+      </p:sp>
+      <p:sp>
+        <p:nvSpPr>
+          <p:cNvPr id="5" name="Oval 4">
+            <a:extLst>
+              <a:ext uri="{FF2B5EF4-FFF2-40B4-BE49-F238E27FC236}">
+                <a16:creationId xmlns:a16="http://schemas.microsoft.com/office/drawing/2014/main" id="{D0C6C431-ED6F-477E-A11E-08879AE0D9BA}"/>
+              </a:ext>
+            </a:extLst>
+          </p:cNvPr>
+          <p:cNvSpPr/>
+          <p:nvPr/>
+        </p:nvSpPr>
+        <p:spPr>
+          <a:xfrm>
+            <a:off x="4153859" y="-76868"/>
+            <a:ext cx="1267691" cy="1205346"/>
+          </a:xfrm>
+          <a:prstGeom prst="ellipse">
+            <a:avLst/>
+          </a:prstGeom>
+        </p:spPr>
+        <p:style>
+          <a:lnRef idx="2">
+            <a:schemeClr val="accent1">
+              <a:shade val="50000"/>
+            </a:schemeClr>
+          </a:lnRef>
+          <a:fillRef idx="1">
+            <a:schemeClr val="accent1"/>
+          </a:fillRef>
+          <a:effectRef idx="0">
+            <a:schemeClr val="accent1"/>
+          </a:effectRef>
+          <a:fontRef idx="minor">
+            <a:schemeClr val="lt1"/>
+          </a:fontRef>
+        </p:style>
+        <p:txBody>
+          <a:bodyPr rtlCol="0" anchor="ctr"/>
+          <a:lstStyle/>
+          <a:p>
+            <a:pPr algn="ctr"/>
+            <a:r>
+              <a:rPr lang="en-US" sz="1400" dirty="0"/>
+              <a:t>Microsoft</a:t>
+            </a:r>
+          </a:p>
+        </p:txBody>
+      </p:sp>
+      <p:sp>
+        <p:nvSpPr>
+          <p:cNvPr id="6" name="Oval 5">
+            <a:extLst>
+              <a:ext uri="{FF2B5EF4-FFF2-40B4-BE49-F238E27FC236}">
+                <a16:creationId xmlns:a16="http://schemas.microsoft.com/office/drawing/2014/main" id="{53FFF580-03AE-421B-A790-31296EDC8730}"/>
+              </a:ext>
+            </a:extLst>
+          </p:cNvPr>
+          <p:cNvSpPr/>
+          <p:nvPr/>
+        </p:nvSpPr>
+        <p:spPr>
+          <a:xfrm>
+            <a:off x="3016130" y="1243865"/>
+            <a:ext cx="1267691" cy="1205346"/>
+          </a:xfrm>
+          <a:prstGeom prst="ellipse">
+            <a:avLst/>
+          </a:prstGeom>
+        </p:spPr>
+        <p:style>
+          <a:lnRef idx="2">
+            <a:schemeClr val="accent1">
+              <a:shade val="50000"/>
+            </a:schemeClr>
+          </a:lnRef>
+          <a:fillRef idx="1">
+            <a:schemeClr val="accent1"/>
+          </a:fillRef>
+          <a:effectRef idx="0">
+            <a:schemeClr val="accent1"/>
+          </a:effectRef>
+          <a:fontRef idx="minor">
+            <a:schemeClr val="lt1"/>
+          </a:fontRef>
+        </p:style>
+        <p:txBody>
+          <a:bodyPr rtlCol="0" anchor="ctr"/>
+          <a:lstStyle/>
+          <a:p>
+            <a:pPr algn="ctr"/>
+            <a:r>
+              <a:rPr lang="en-US" sz="1400" dirty="0"/>
+              <a:t>Amazon</a:t>
+            </a:r>
+          </a:p>
+        </p:txBody>
+      </p:sp>
+      <p:sp>
+        <p:nvSpPr>
+          <p:cNvPr id="8" name="Oval 7">
+            <a:extLst>
+              <a:ext uri="{FF2B5EF4-FFF2-40B4-BE49-F238E27FC236}">
+                <a16:creationId xmlns:a16="http://schemas.microsoft.com/office/drawing/2014/main" id="{84600316-ADFE-4081-B182-C9FD34ED53C7}"/>
+              </a:ext>
+            </a:extLst>
+          </p:cNvPr>
+          <p:cNvSpPr/>
+          <p:nvPr/>
+        </p:nvSpPr>
+        <p:spPr>
+          <a:xfrm>
+            <a:off x="2546541" y="8536171"/>
+            <a:ext cx="1267691" cy="1205346"/>
+          </a:xfrm>
+          <a:prstGeom prst="ellipse">
+            <a:avLst/>
+          </a:prstGeom>
+        </p:spPr>
+        <p:style>
+          <a:lnRef idx="2">
+            <a:schemeClr val="accent1">
+              <a:shade val="50000"/>
+            </a:schemeClr>
+          </a:lnRef>
+          <a:fillRef idx="1">
+            <a:schemeClr val="accent1"/>
+          </a:fillRef>
+          <a:effectRef idx="0">
+            <a:schemeClr val="accent1"/>
+          </a:effectRef>
+          <a:fontRef idx="minor">
+            <a:schemeClr val="lt1"/>
+          </a:fontRef>
+        </p:style>
+        <p:txBody>
+          <a:bodyPr rtlCol="0" anchor="ctr"/>
+          <a:lstStyle/>
+          <a:p>
+            <a:pPr algn="ctr"/>
+            <a:r>
+              <a:rPr lang="en-US" sz="1400" dirty="0"/>
+              <a:t>Hanes Company</a:t>
+            </a:r>
+          </a:p>
+        </p:txBody>
+      </p:sp>
+      <p:cxnSp>
+        <p:nvCxnSpPr>
+          <p:cNvPr id="12" name="Straight Connector 11">
+            <a:extLst>
+              <a:ext uri="{FF2B5EF4-FFF2-40B4-BE49-F238E27FC236}">
+                <a16:creationId xmlns:a16="http://schemas.microsoft.com/office/drawing/2014/main" id="{57568E2E-E828-4C58-B244-3B4A9E10ACC3}"/>
+              </a:ext>
+            </a:extLst>
+          </p:cNvPr>
+          <p:cNvCxnSpPr>
+            <a:stCxn id="4" idx="5"/>
+          </p:cNvCxnSpPr>
+          <p:nvPr/>
+        </p:nvCxnSpPr>
+        <p:spPr>
+          <a:xfrm>
+            <a:off x="2700519" y="904369"/>
+            <a:ext cx="646312" cy="956631"/>
+          </a:xfrm>
+          <a:prstGeom prst="line">
+            <a:avLst/>
+          </a:prstGeom>
+        </p:spPr>
+        <p:style>
+          <a:lnRef idx="1">
+            <a:schemeClr val="accent1"/>
+          </a:lnRef>
+          <a:fillRef idx="0">
+            <a:schemeClr val="accent1"/>
+          </a:fillRef>
+          <a:effectRef idx="0">
+            <a:schemeClr val="accent1"/>
+          </a:effectRef>
+          <a:fontRef idx="minor">
+            <a:schemeClr val="tx1"/>
+          </a:fontRef>
+        </p:style>
+      </p:cxnSp>
+      <p:cxnSp>
+        <p:nvCxnSpPr>
+          <p:cNvPr id="13" name="Straight Connector 12">
+            <a:extLst>
+              <a:ext uri="{FF2B5EF4-FFF2-40B4-BE49-F238E27FC236}">
+                <a16:creationId xmlns:a16="http://schemas.microsoft.com/office/drawing/2014/main" id="{F5514AA2-A516-4B31-BB32-B842FA78BB3F}"/>
+              </a:ext>
+            </a:extLst>
+          </p:cNvPr>
+          <p:cNvCxnSpPr>
+            <a:cxnSpLocks/>
+          </p:cNvCxnSpPr>
+          <p:nvPr/>
+        </p:nvCxnSpPr>
+        <p:spPr>
+          <a:xfrm>
+            <a:off x="2931619" y="1591630"/>
+            <a:ext cx="1542705" cy="0"/>
+          </a:xfrm>
+          <a:prstGeom prst="line">
+            <a:avLst/>
+          </a:prstGeom>
+        </p:spPr>
+        <p:style>
+          <a:lnRef idx="1">
+            <a:schemeClr val="accent1"/>
+          </a:lnRef>
+          <a:fillRef idx="0">
+            <a:schemeClr val="accent1"/>
+          </a:fillRef>
+          <a:effectRef idx="0">
+            <a:schemeClr val="accent1"/>
+          </a:effectRef>
+          <a:fontRef idx="minor">
+            <a:schemeClr val="tx1"/>
+          </a:fontRef>
+        </p:style>
+      </p:cxnSp>
+      <p:cxnSp>
+        <p:nvCxnSpPr>
+          <p:cNvPr id="17" name="Straight Connector 16">
+            <a:extLst>
+              <a:ext uri="{FF2B5EF4-FFF2-40B4-BE49-F238E27FC236}">
+                <a16:creationId xmlns:a16="http://schemas.microsoft.com/office/drawing/2014/main" id="{8BE48BB7-751F-45BF-B5E9-DF6EDF39FEE4}"/>
+              </a:ext>
+            </a:extLst>
+          </p:cNvPr>
+          <p:cNvCxnSpPr>
+            <a:cxnSpLocks/>
+            <a:stCxn id="24" idx="4"/>
+            <a:endCxn id="16" idx="0"/>
+          </p:cNvCxnSpPr>
+          <p:nvPr/>
+        </p:nvCxnSpPr>
+        <p:spPr>
+          <a:xfrm flipH="1">
+            <a:off x="3147407" y="2685342"/>
+            <a:ext cx="502568" cy="2873693"/>
+          </a:xfrm>
+          <a:prstGeom prst="line">
+            <a:avLst/>
+          </a:prstGeom>
+        </p:spPr>
+        <p:style>
+          <a:lnRef idx="1">
+            <a:schemeClr val="accent1"/>
+          </a:lnRef>
+          <a:fillRef idx="0">
+            <a:schemeClr val="accent1"/>
+          </a:fillRef>
+          <a:effectRef idx="0">
+            <a:schemeClr val="accent1"/>
+          </a:effectRef>
+          <a:fontRef idx="minor">
+            <a:schemeClr val="tx1"/>
+          </a:fontRef>
+        </p:style>
+      </p:cxnSp>
+      <p:sp>
+        <p:nvSpPr>
+          <p:cNvPr id="19" name="Oval 18">
+            <a:extLst>
+              <a:ext uri="{FF2B5EF4-FFF2-40B4-BE49-F238E27FC236}">
+                <a16:creationId xmlns:a16="http://schemas.microsoft.com/office/drawing/2014/main" id="{12460F76-A973-4848-B7AD-F72D3C4AB502}"/>
+              </a:ext>
+            </a:extLst>
+          </p:cNvPr>
+          <p:cNvSpPr/>
+          <p:nvPr/>
+        </p:nvSpPr>
+        <p:spPr>
+          <a:xfrm>
+            <a:off x="7369905" y="6397282"/>
+            <a:ext cx="1267691" cy="1205346"/>
+          </a:xfrm>
+          <a:prstGeom prst="ellipse">
+            <a:avLst/>
+          </a:prstGeom>
+        </p:spPr>
+        <p:style>
+          <a:lnRef idx="2">
+            <a:schemeClr val="accent1">
+              <a:shade val="50000"/>
+            </a:schemeClr>
+          </a:lnRef>
+          <a:fillRef idx="1">
+            <a:schemeClr val="accent1"/>
+          </a:fillRef>
+          <a:effectRef idx="0">
+            <a:schemeClr val="accent1"/>
+          </a:effectRef>
+          <a:fontRef idx="minor">
+            <a:schemeClr val="lt1"/>
+          </a:fontRef>
+        </p:style>
+        <p:txBody>
+          <a:bodyPr rtlCol="0" anchor="ctr"/>
+          <a:lstStyle/>
+          <a:p>
+            <a:pPr algn="ctr"/>
+            <a:r>
+              <a:rPr lang="en-US" sz="1400" dirty="0"/>
+              <a:t>Nike</a:t>
+            </a:r>
+          </a:p>
+        </p:txBody>
+      </p:sp>
+      <p:cxnSp>
+        <p:nvCxnSpPr>
+          <p:cNvPr id="21" name="Straight Connector 20">
+            <a:extLst>
+              <a:ext uri="{FF2B5EF4-FFF2-40B4-BE49-F238E27FC236}">
+                <a16:creationId xmlns:a16="http://schemas.microsoft.com/office/drawing/2014/main" id="{85000B20-2791-4AD4-B3F5-1EF70FC7952C}"/>
+              </a:ext>
+            </a:extLst>
+          </p:cNvPr>
+          <p:cNvCxnSpPr>
+            <a:cxnSpLocks/>
+          </p:cNvCxnSpPr>
+          <p:nvPr/>
+        </p:nvCxnSpPr>
+        <p:spPr>
+          <a:xfrm>
+            <a:off x="4293908" y="7223269"/>
+            <a:ext cx="2422332" cy="220615"/>
+          </a:xfrm>
+          <a:prstGeom prst="line">
+            <a:avLst/>
+          </a:prstGeom>
+        </p:spPr>
+        <p:style>
+          <a:lnRef idx="1">
+            <a:schemeClr val="accent1"/>
+          </a:lnRef>
+          <a:fillRef idx="0">
+            <a:schemeClr val="accent1"/>
+          </a:fillRef>
+          <a:effectRef idx="0">
+            <a:schemeClr val="accent1"/>
+          </a:effectRef>
+          <a:fontRef idx="minor">
+            <a:schemeClr val="tx1"/>
+          </a:fontRef>
+        </p:style>
+      </p:cxnSp>
+      <p:sp>
+        <p:nvSpPr>
+          <p:cNvPr id="23" name="TextBox 22">
+            <a:extLst>
+              <a:ext uri="{FF2B5EF4-FFF2-40B4-BE49-F238E27FC236}">
+                <a16:creationId xmlns:a16="http://schemas.microsoft.com/office/drawing/2014/main" id="{A908A767-46BD-4A48-BFCF-75175FC5D5E9}"/>
+              </a:ext>
+            </a:extLst>
+          </p:cNvPr>
+          <p:cNvSpPr txBox="1"/>
+          <p:nvPr/>
+        </p:nvSpPr>
+        <p:spPr>
+          <a:xfrm>
+            <a:off x="7730836" y="2088572"/>
+            <a:ext cx="3709552" cy="5355312"/>
+          </a:xfrm>
+          <a:prstGeom prst="rect">
+            <a:avLst/>
+          </a:prstGeom>
+          <a:noFill/>
+        </p:spPr>
+        <p:txBody>
+          <a:bodyPr wrap="square" rtlCol="0">
+            <a:spAutoFit/>
+          </a:bodyPr>
+          <a:lstStyle/>
+          <a:p>
+            <a:r>
+              <a:rPr lang="en-US" dirty="0"/>
+              <a:t>Potentials: </a:t>
+            </a:r>
+          </a:p>
+          <a:p>
+            <a:pPr marL="285750" indent="-285750">
+              <a:buFontTx/>
+              <a:buChar char="-"/>
+            </a:pPr>
+            <a:r>
+              <a:rPr lang="en-US" dirty="0"/>
+              <a:t>φ(Amazon, Apple) - Kindle</a:t>
+            </a:r>
+          </a:p>
+          <a:p>
+            <a:pPr marL="285750" indent="-285750">
+              <a:buFontTx/>
+              <a:buChar char="-"/>
+            </a:pPr>
+            <a:r>
+              <a:rPr lang="en-US" dirty="0"/>
+              <a:t>φ(Amazon, Microsoft) - Azure</a:t>
+            </a:r>
+          </a:p>
+          <a:p>
+            <a:pPr marL="285750" indent="-285750">
+              <a:buFontTx/>
+              <a:buChar char="-"/>
+            </a:pPr>
+            <a:r>
+              <a:rPr lang="en-US" dirty="0"/>
+              <a:t>φ(Amazon, Hanes) - Clothing</a:t>
+            </a:r>
+          </a:p>
+          <a:p>
+            <a:pPr marL="285750" indent="-285750">
+              <a:buFontTx/>
+              <a:buChar char="-"/>
+            </a:pPr>
+            <a:r>
+              <a:rPr lang="en-US" dirty="0"/>
+              <a:t>φ(Microsoft, Apple) – obvious</a:t>
+            </a:r>
+          </a:p>
+          <a:p>
+            <a:pPr marL="285750" indent="-285750">
+              <a:buFontTx/>
+              <a:buChar char="-"/>
+            </a:pPr>
+            <a:r>
+              <a:rPr lang="en-US" dirty="0"/>
+              <a:t>φ(Hanes, Nike) – obvious</a:t>
+            </a:r>
+          </a:p>
+          <a:p>
+            <a:pPr marL="285750" indent="-285750">
+              <a:buFontTx/>
+              <a:buChar char="-"/>
+            </a:pPr>
+            <a:endParaRPr lang="en-US" dirty="0"/>
+          </a:p>
+          <a:p>
+            <a:pPr marL="285750" indent="-285750">
+              <a:buFontTx/>
+              <a:buChar char="-"/>
+            </a:pPr>
+            <a:endParaRPr lang="en-US" dirty="0"/>
+          </a:p>
+          <a:p>
+            <a:pPr marL="285750" indent="-285750">
+              <a:buFontTx/>
+              <a:buChar char="-"/>
+            </a:pPr>
+            <a:r>
+              <a:rPr lang="en-US" dirty="0"/>
+              <a:t>Hanes -&gt; N(uh, </a:t>
+            </a:r>
+            <a:r>
+              <a:rPr lang="en-US" dirty="0" err="1"/>
+              <a:t>vh</a:t>
+            </a:r>
+            <a:r>
+              <a:rPr lang="en-US" dirty="0"/>
+              <a:t>)</a:t>
+            </a:r>
+          </a:p>
+          <a:p>
+            <a:pPr marL="285750" indent="-285750">
+              <a:buFontTx/>
+              <a:buChar char="-"/>
+            </a:pPr>
+            <a:r>
+              <a:rPr lang="en-US" dirty="0"/>
+              <a:t>Nike -&gt; N(un, </a:t>
+            </a:r>
+            <a:r>
+              <a:rPr lang="en-US" dirty="0" err="1"/>
+              <a:t>vn</a:t>
+            </a:r>
+            <a:r>
+              <a:rPr lang="en-US" dirty="0"/>
+              <a:t>)</a:t>
+            </a:r>
+          </a:p>
+          <a:p>
+            <a:pPr marL="285750" indent="-285750">
+              <a:buFontTx/>
+              <a:buChar char="-"/>
+            </a:pPr>
+            <a:r>
+              <a:rPr lang="en-US" dirty="0"/>
+              <a:t>φ(Hanes, Nike) – Covariance Matrix</a:t>
+            </a:r>
+          </a:p>
+          <a:p>
+            <a:pPr marL="285750" indent="-285750">
+              <a:buFontTx/>
+              <a:buChar char="-"/>
+            </a:pPr>
+            <a:r>
+              <a:rPr lang="en-US" dirty="0"/>
+              <a:t>Amazon -&gt; N(</a:t>
+            </a:r>
+            <a:r>
+              <a:rPr lang="en-US" dirty="0" err="1"/>
+              <a:t>ua</a:t>
+            </a:r>
+            <a:r>
+              <a:rPr lang="en-US" dirty="0"/>
+              <a:t>, </a:t>
+            </a:r>
+            <a:r>
+              <a:rPr lang="en-US" dirty="0" err="1"/>
+              <a:t>va</a:t>
+            </a:r>
+            <a:r>
+              <a:rPr lang="en-US" dirty="0"/>
+              <a:t>)</a:t>
+            </a:r>
+          </a:p>
+          <a:p>
+            <a:pPr marL="285750" indent="-285750">
+              <a:buFontTx/>
+              <a:buChar char="-"/>
+            </a:pPr>
+            <a:r>
+              <a:rPr lang="en-US" dirty="0"/>
+              <a:t>φ(Hanes, Amazon) – </a:t>
+            </a:r>
+            <a:r>
+              <a:rPr lang="en-US" dirty="0" err="1"/>
+              <a:t>Covarance</a:t>
+            </a:r>
+            <a:r>
+              <a:rPr lang="en-US" dirty="0"/>
+              <a:t> matrix </a:t>
+            </a:r>
+          </a:p>
+          <a:p>
+            <a:endParaRPr lang="en-US" dirty="0"/>
+          </a:p>
+          <a:p>
+            <a:endParaRPr lang="en-US" dirty="0"/>
+          </a:p>
+          <a:p>
+            <a:endParaRPr lang="en-US" dirty="0"/>
+          </a:p>
+          <a:p>
+            <a:endParaRPr lang="en-US" dirty="0"/>
+          </a:p>
+        </p:txBody>
+      </p:sp>
+      <p:sp>
+        <p:nvSpPr>
+          <p:cNvPr id="18" name="Oval 17">
+            <a:extLst>
+              <a:ext uri="{FF2B5EF4-FFF2-40B4-BE49-F238E27FC236}">
+                <a16:creationId xmlns:a16="http://schemas.microsoft.com/office/drawing/2014/main" id="{6125FD49-3516-4B4B-B94F-69B91BA93219}"/>
+              </a:ext>
+            </a:extLst>
+          </p:cNvPr>
+          <p:cNvSpPr/>
+          <p:nvPr/>
+        </p:nvSpPr>
+        <p:spPr>
+          <a:xfrm>
+            <a:off x="2513560" y="6306844"/>
+            <a:ext cx="1267691" cy="1205346"/>
+          </a:xfrm>
+          <a:prstGeom prst="ellipse">
+            <a:avLst/>
+          </a:prstGeom>
+        </p:spPr>
+        <p:style>
+          <a:lnRef idx="2">
+            <a:schemeClr val="accent1">
+              <a:shade val="50000"/>
+            </a:schemeClr>
+          </a:lnRef>
+          <a:fillRef idx="1">
+            <a:schemeClr val="accent1"/>
+          </a:fillRef>
+          <a:effectRef idx="0">
+            <a:schemeClr val="accent1"/>
+          </a:effectRef>
+          <a:fontRef idx="minor">
+            <a:schemeClr val="lt1"/>
+          </a:fontRef>
+        </p:style>
+        <p:txBody>
+          <a:bodyPr rtlCol="0" anchor="ctr"/>
+          <a:lstStyle/>
+          <a:p>
+            <a:pPr algn="ctr"/>
+            <a:r>
+              <a:rPr lang="en-US" sz="1400" dirty="0"/>
+              <a:t>Amazon</a:t>
+            </a:r>
+          </a:p>
+        </p:txBody>
+      </p:sp>
+      <p:sp>
+        <p:nvSpPr>
+          <p:cNvPr id="22" name="Oval 21">
+            <a:extLst>
+              <a:ext uri="{FF2B5EF4-FFF2-40B4-BE49-F238E27FC236}">
+                <a16:creationId xmlns:a16="http://schemas.microsoft.com/office/drawing/2014/main" id="{D7FD722B-5805-4334-A0CF-D5E7900AF704}"/>
+              </a:ext>
+            </a:extLst>
+          </p:cNvPr>
+          <p:cNvSpPr/>
+          <p:nvPr/>
+        </p:nvSpPr>
+        <p:spPr>
+          <a:xfrm>
+            <a:off x="7369906" y="8650281"/>
+            <a:ext cx="1267691" cy="1205346"/>
+          </a:xfrm>
+          <a:prstGeom prst="ellipse">
+            <a:avLst/>
+          </a:prstGeom>
+        </p:spPr>
+        <p:style>
+          <a:lnRef idx="2">
+            <a:schemeClr val="accent1">
+              <a:shade val="50000"/>
+            </a:schemeClr>
+          </a:lnRef>
+          <a:fillRef idx="1">
+            <a:schemeClr val="accent1"/>
+          </a:fillRef>
+          <a:effectRef idx="0">
+            <a:schemeClr val="accent1"/>
+          </a:effectRef>
+          <a:fontRef idx="minor">
+            <a:schemeClr val="lt1"/>
+          </a:fontRef>
+        </p:style>
+        <p:txBody>
+          <a:bodyPr rtlCol="0" anchor="ctr"/>
+          <a:lstStyle/>
+          <a:p>
+            <a:pPr algn="ctr"/>
+            <a:r>
+              <a:rPr lang="en-US" sz="1400" dirty="0"/>
+              <a:t>Hanes Company</a:t>
+            </a:r>
+          </a:p>
+        </p:txBody>
+      </p:sp>
+      <p:sp>
+        <p:nvSpPr>
+          <p:cNvPr id="9" name="Rectangle 8">
+            <a:extLst>
+              <a:ext uri="{FF2B5EF4-FFF2-40B4-BE49-F238E27FC236}">
+                <a16:creationId xmlns:a16="http://schemas.microsoft.com/office/drawing/2014/main" id="{C109EE71-3BEA-4840-B3F5-6882800EBA54}"/>
+              </a:ext>
+            </a:extLst>
+          </p:cNvPr>
+          <p:cNvSpPr/>
+          <p:nvPr/>
+        </p:nvSpPr>
+        <p:spPr>
+          <a:xfrm>
+            <a:off x="1776323" y="3244530"/>
+            <a:ext cx="3076272" cy="1651874"/>
+          </a:xfrm>
+          <a:prstGeom prst="rect">
+            <a:avLst/>
+          </a:prstGeom>
+        </p:spPr>
+        <p:style>
+          <a:lnRef idx="2">
+            <a:schemeClr val="accent1">
+              <a:shade val="50000"/>
+            </a:schemeClr>
+          </a:lnRef>
+          <a:fillRef idx="1">
+            <a:schemeClr val="accent1"/>
+          </a:fillRef>
+          <a:effectRef idx="0">
+            <a:schemeClr val="accent1"/>
+          </a:effectRef>
+          <a:fontRef idx="minor">
+            <a:schemeClr val="lt1"/>
+          </a:fontRef>
+        </p:style>
+        <p:txBody>
+          <a:bodyPr rtlCol="0" anchor="ctr"/>
+          <a:lstStyle/>
+          <a:p>
+            <a:pPr algn="ctr"/>
+            <a:endParaRPr lang="en-US"/>
+          </a:p>
+        </p:txBody>
+      </p:sp>
+      <p:sp>
+        <p:nvSpPr>
+          <p:cNvPr id="26" name="Oval 25">
+            <a:extLst>
+              <a:ext uri="{FF2B5EF4-FFF2-40B4-BE49-F238E27FC236}">
+                <a16:creationId xmlns:a16="http://schemas.microsoft.com/office/drawing/2014/main" id="{12CA9911-D7AC-480B-B564-D3065A2E3C25}"/>
+              </a:ext>
+            </a:extLst>
+          </p:cNvPr>
+          <p:cNvSpPr/>
+          <p:nvPr/>
+        </p:nvSpPr>
+        <p:spPr>
+          <a:xfrm>
+            <a:off x="2786477" y="3429101"/>
+            <a:ext cx="1267691" cy="1205346"/>
+          </a:xfrm>
+          <a:prstGeom prst="ellipse">
+            <a:avLst/>
+          </a:prstGeom>
+        </p:spPr>
+        <p:style>
+          <a:lnRef idx="2">
+            <a:schemeClr val="accent1">
+              <a:shade val="50000"/>
+            </a:schemeClr>
+          </a:lnRef>
+          <a:fillRef idx="1">
+            <a:schemeClr val="accent1"/>
+          </a:fillRef>
+          <a:effectRef idx="0">
+            <a:schemeClr val="accent1"/>
+          </a:effectRef>
+          <a:fontRef idx="minor">
+            <a:schemeClr val="lt1"/>
+          </a:fontRef>
+        </p:style>
+        <p:txBody>
+          <a:bodyPr rtlCol="0" anchor="ctr"/>
+          <a:lstStyle/>
+          <a:p>
+            <a:pPr algn="ctr"/>
+            <a:r>
+              <a:rPr lang="en-US" sz="1400" dirty="0"/>
+              <a:t>Amazon</a:t>
+            </a:r>
+          </a:p>
+        </p:txBody>
+      </p:sp>
+      <p:sp>
+        <p:nvSpPr>
+          <p:cNvPr id="27" name="Rectangle 26">
+            <a:extLst>
+              <a:ext uri="{FF2B5EF4-FFF2-40B4-BE49-F238E27FC236}">
+                <a16:creationId xmlns:a16="http://schemas.microsoft.com/office/drawing/2014/main" id="{FD4DDCBE-782A-4842-8EE6-C451D5C55E36}"/>
+              </a:ext>
+            </a:extLst>
+          </p:cNvPr>
+          <p:cNvSpPr/>
+          <p:nvPr/>
+        </p:nvSpPr>
+        <p:spPr>
+          <a:xfrm rot="5400000">
+            <a:off x="4140396" y="6686253"/>
+            <a:ext cx="3076272" cy="1651874"/>
+          </a:xfrm>
+          <a:prstGeom prst="rect">
+            <a:avLst/>
+          </a:prstGeom>
+        </p:spPr>
+        <p:style>
+          <a:lnRef idx="2">
+            <a:schemeClr val="accent1">
+              <a:shade val="50000"/>
+            </a:schemeClr>
+          </a:lnRef>
+          <a:fillRef idx="1">
+            <a:schemeClr val="accent1"/>
+          </a:fillRef>
+          <a:effectRef idx="0">
+            <a:schemeClr val="accent1"/>
+          </a:effectRef>
+          <a:fontRef idx="minor">
+            <a:schemeClr val="lt1"/>
+          </a:fontRef>
+        </p:style>
+        <p:txBody>
+          <a:bodyPr rtlCol="0" anchor="ctr"/>
+          <a:lstStyle/>
+          <a:p>
+            <a:pPr algn="ctr"/>
+            <a:endParaRPr lang="en-US"/>
+          </a:p>
+        </p:txBody>
+      </p:sp>
+      <p:sp>
+        <p:nvSpPr>
+          <p:cNvPr id="28" name="Oval 27">
+            <a:extLst>
+              <a:ext uri="{FF2B5EF4-FFF2-40B4-BE49-F238E27FC236}">
+                <a16:creationId xmlns:a16="http://schemas.microsoft.com/office/drawing/2014/main" id="{15E14CAD-40DB-4A1D-921B-8BBCCE4A7FC2}"/>
+              </a:ext>
+            </a:extLst>
+          </p:cNvPr>
+          <p:cNvSpPr/>
+          <p:nvPr/>
+        </p:nvSpPr>
+        <p:spPr>
+          <a:xfrm>
+            <a:off x="5062549" y="6730903"/>
+            <a:ext cx="1267691" cy="1205346"/>
+          </a:xfrm>
+          <a:prstGeom prst="ellipse">
+            <a:avLst/>
+          </a:prstGeom>
+        </p:spPr>
+        <p:style>
+          <a:lnRef idx="2">
+            <a:schemeClr val="accent1">
+              <a:shade val="50000"/>
+            </a:schemeClr>
+          </a:lnRef>
+          <a:fillRef idx="1">
+            <a:schemeClr val="accent1"/>
+          </a:fillRef>
+          <a:effectRef idx="0">
+            <a:schemeClr val="accent1"/>
+          </a:effectRef>
+          <a:fontRef idx="minor">
+            <a:schemeClr val="lt1"/>
+          </a:fontRef>
+        </p:style>
+        <p:txBody>
+          <a:bodyPr rtlCol="0" anchor="ctr"/>
+          <a:lstStyle/>
+          <a:p>
+            <a:pPr algn="ctr"/>
+            <a:r>
+              <a:rPr lang="en-US" sz="1400" dirty="0"/>
+              <a:t>Hanes Company</a:t>
+            </a:r>
+          </a:p>
+        </p:txBody>
+      </p:sp>
+      <p:sp>
+        <p:nvSpPr>
+          <p:cNvPr id="30" name="Oval 29">
+            <a:extLst>
+              <a:ext uri="{FF2B5EF4-FFF2-40B4-BE49-F238E27FC236}">
+                <a16:creationId xmlns:a16="http://schemas.microsoft.com/office/drawing/2014/main" id="{8D67FFD2-61A8-4435-A540-DF0C12756A94}"/>
+              </a:ext>
+            </a:extLst>
+          </p:cNvPr>
+          <p:cNvSpPr/>
+          <p:nvPr/>
+        </p:nvSpPr>
+        <p:spPr>
+          <a:xfrm>
+            <a:off x="-5046705" y="-598458"/>
+            <a:ext cx="2742167" cy="4918913"/>
+          </a:xfrm>
+          <a:prstGeom prst="ellipse">
+            <a:avLst/>
+          </a:prstGeom>
+        </p:spPr>
+        <p:style>
+          <a:lnRef idx="2">
+            <a:schemeClr val="accent1">
+              <a:shade val="50000"/>
+            </a:schemeClr>
+          </a:lnRef>
+          <a:fillRef idx="1">
+            <a:schemeClr val="accent1"/>
+          </a:fillRef>
+          <a:effectRef idx="0">
+            <a:schemeClr val="accent1"/>
+          </a:effectRef>
+          <a:fontRef idx="minor">
+            <a:schemeClr val="lt1"/>
+          </a:fontRef>
+        </p:style>
+        <p:txBody>
+          <a:bodyPr rtlCol="0" anchor="ctr"/>
+          <a:lstStyle/>
+          <a:p>
+            <a:pPr algn="ctr"/>
+            <a:r>
+              <a:rPr lang="en-US" dirty="0"/>
+              <a:t>Clique</a:t>
+            </a:r>
+          </a:p>
+        </p:txBody>
+      </p:sp>
+      <p:sp>
+        <p:nvSpPr>
+          <p:cNvPr id="31" name="Oval 30">
+            <a:extLst>
+              <a:ext uri="{FF2B5EF4-FFF2-40B4-BE49-F238E27FC236}">
+                <a16:creationId xmlns:a16="http://schemas.microsoft.com/office/drawing/2014/main" id="{A6F79187-E2E2-4D30-BC36-151395A9E4C8}"/>
+              </a:ext>
+            </a:extLst>
+          </p:cNvPr>
+          <p:cNvSpPr/>
+          <p:nvPr/>
+        </p:nvSpPr>
+        <p:spPr>
+          <a:xfrm>
+            <a:off x="-4334496" y="2594181"/>
+            <a:ext cx="1267691" cy="1205346"/>
+          </a:xfrm>
+          <a:prstGeom prst="ellipse">
+            <a:avLst/>
+          </a:prstGeom>
+        </p:spPr>
+        <p:style>
+          <a:lnRef idx="2">
+            <a:schemeClr val="accent1">
+              <a:shade val="50000"/>
+            </a:schemeClr>
+          </a:lnRef>
+          <a:fillRef idx="1">
+            <a:schemeClr val="accent1"/>
+          </a:fillRef>
+          <a:effectRef idx="0">
+            <a:schemeClr val="accent1"/>
+          </a:effectRef>
+          <a:fontRef idx="minor">
+            <a:schemeClr val="lt1"/>
+          </a:fontRef>
+        </p:style>
+        <p:txBody>
+          <a:bodyPr rtlCol="0" anchor="ctr"/>
+          <a:lstStyle/>
+          <a:p>
+            <a:pPr algn="ctr"/>
+            <a:r>
+              <a:rPr lang="en-US" sz="1400" dirty="0"/>
+              <a:t>Microsoft</a:t>
+            </a:r>
+          </a:p>
+        </p:txBody>
+      </p:sp>
+      <p:sp>
+        <p:nvSpPr>
+          <p:cNvPr id="32" name="Oval 31">
+            <a:extLst>
+              <a:ext uri="{FF2B5EF4-FFF2-40B4-BE49-F238E27FC236}">
+                <a16:creationId xmlns:a16="http://schemas.microsoft.com/office/drawing/2014/main" id="{799C9AE3-AE92-4694-965E-BC75051761BA}"/>
+              </a:ext>
+            </a:extLst>
+          </p:cNvPr>
+          <p:cNvSpPr/>
+          <p:nvPr/>
+        </p:nvSpPr>
+        <p:spPr>
+          <a:xfrm>
+            <a:off x="-4436179" y="177337"/>
+            <a:ext cx="1267691" cy="1205346"/>
+          </a:xfrm>
+          <a:prstGeom prst="ellipse">
+            <a:avLst/>
+          </a:prstGeom>
+        </p:spPr>
+        <p:style>
+          <a:lnRef idx="2">
+            <a:schemeClr val="accent1">
+              <a:shade val="50000"/>
+            </a:schemeClr>
+          </a:lnRef>
+          <a:fillRef idx="1">
+            <a:schemeClr val="accent1"/>
+          </a:fillRef>
+          <a:effectRef idx="0">
+            <a:schemeClr val="accent1"/>
+          </a:effectRef>
+          <a:fontRef idx="minor">
+            <a:schemeClr val="lt1"/>
+          </a:fontRef>
+        </p:style>
+        <p:txBody>
+          <a:bodyPr rtlCol="0" anchor="ctr"/>
+          <a:lstStyle/>
+          <a:p>
+            <a:pPr algn="ctr"/>
+            <a:r>
+              <a:rPr lang="en-US" sz="1400" dirty="0"/>
+              <a:t>Apple</a:t>
+            </a:r>
+          </a:p>
+        </p:txBody>
+      </p:sp>
+      <p:cxnSp>
+        <p:nvCxnSpPr>
+          <p:cNvPr id="33" name="Straight Connector 32">
+            <a:extLst>
+              <a:ext uri="{FF2B5EF4-FFF2-40B4-BE49-F238E27FC236}">
+                <a16:creationId xmlns:a16="http://schemas.microsoft.com/office/drawing/2014/main" id="{364B5793-2FE2-4828-88BE-DE8232057801}"/>
+              </a:ext>
+            </a:extLst>
+          </p:cNvPr>
+          <p:cNvCxnSpPr>
+            <a:cxnSpLocks/>
+            <a:stCxn id="24" idx="2"/>
+          </p:cNvCxnSpPr>
+          <p:nvPr/>
+        </p:nvCxnSpPr>
+        <p:spPr>
+          <a:xfrm flipH="1">
+            <a:off x="-2361594" y="578689"/>
+            <a:ext cx="3818702" cy="755868"/>
+          </a:xfrm>
+          <a:prstGeom prst="line">
+            <a:avLst/>
+          </a:prstGeom>
+        </p:spPr>
+        <p:style>
+          <a:lnRef idx="1">
+            <a:schemeClr val="accent1"/>
+          </a:lnRef>
+          <a:fillRef idx="0">
+            <a:schemeClr val="accent1"/>
+          </a:fillRef>
+          <a:effectRef idx="0">
+            <a:schemeClr val="accent1"/>
+          </a:effectRef>
+          <a:fontRef idx="minor">
+            <a:schemeClr val="tx1"/>
+          </a:fontRef>
+        </p:style>
+      </p:cxnSp>
+      <p:sp>
+        <p:nvSpPr>
+          <p:cNvPr id="36" name="Rectangle 35">
+            <a:extLst>
+              <a:ext uri="{FF2B5EF4-FFF2-40B4-BE49-F238E27FC236}">
+                <a16:creationId xmlns:a16="http://schemas.microsoft.com/office/drawing/2014/main" id="{B02B60F4-4E9B-4334-942B-A89F268F4370}"/>
+              </a:ext>
+            </a:extLst>
+          </p:cNvPr>
+          <p:cNvSpPr/>
+          <p:nvPr/>
+        </p:nvSpPr>
+        <p:spPr>
+          <a:xfrm rot="5032935">
+            <a:off x="-1863204" y="254951"/>
+            <a:ext cx="3076272" cy="1651874"/>
+          </a:xfrm>
+          <a:prstGeom prst="rect">
+            <a:avLst/>
+          </a:prstGeom>
+        </p:spPr>
+        <p:style>
+          <a:lnRef idx="2">
+            <a:schemeClr val="accent1">
+              <a:shade val="50000"/>
+            </a:schemeClr>
+          </a:lnRef>
+          <a:fillRef idx="1">
+            <a:schemeClr val="accent1"/>
+          </a:fillRef>
+          <a:effectRef idx="0">
+            <a:schemeClr val="accent1"/>
+          </a:effectRef>
+          <a:fontRef idx="minor">
+            <a:schemeClr val="lt1"/>
+          </a:fontRef>
+        </p:style>
+        <p:txBody>
+          <a:bodyPr rtlCol="0" anchor="ctr"/>
+          <a:lstStyle/>
+          <a:p>
+            <a:pPr algn="ctr"/>
+            <a:endParaRPr lang="en-US"/>
+          </a:p>
+        </p:txBody>
+      </p:sp>
+      <p:sp>
+        <p:nvSpPr>
+          <p:cNvPr id="38" name="Oval 37">
+            <a:extLst>
+              <a:ext uri="{FF2B5EF4-FFF2-40B4-BE49-F238E27FC236}">
+                <a16:creationId xmlns:a16="http://schemas.microsoft.com/office/drawing/2014/main" id="{B762E175-6930-4CA1-88B0-02E26585A37C}"/>
+              </a:ext>
+            </a:extLst>
+          </p:cNvPr>
+          <p:cNvSpPr/>
+          <p:nvPr/>
+        </p:nvSpPr>
+        <p:spPr>
+          <a:xfrm>
+            <a:off x="-1086089" y="-124458"/>
+            <a:ext cx="1267691" cy="1205346"/>
+          </a:xfrm>
+          <a:prstGeom prst="ellipse">
+            <a:avLst/>
+          </a:prstGeom>
+        </p:spPr>
+        <p:style>
+          <a:lnRef idx="2">
+            <a:schemeClr val="accent1">
+              <a:shade val="50000"/>
+            </a:schemeClr>
+          </a:lnRef>
+          <a:fillRef idx="1">
+            <a:schemeClr val="accent1"/>
+          </a:fillRef>
+          <a:effectRef idx="0">
+            <a:schemeClr val="accent1"/>
+          </a:effectRef>
+          <a:fontRef idx="minor">
+            <a:schemeClr val="lt1"/>
+          </a:fontRef>
+        </p:style>
+        <p:txBody>
+          <a:bodyPr rtlCol="0" anchor="ctr"/>
+          <a:lstStyle/>
+          <a:p>
+            <a:pPr algn="ctr"/>
+            <a:r>
+              <a:rPr lang="en-US" dirty="0"/>
+              <a:t>Apple</a:t>
+            </a:r>
+          </a:p>
+        </p:txBody>
+      </p:sp>
+      <p:sp>
+        <p:nvSpPr>
+          <p:cNvPr id="39" name="Oval 38">
+            <a:extLst>
+              <a:ext uri="{FF2B5EF4-FFF2-40B4-BE49-F238E27FC236}">
+                <a16:creationId xmlns:a16="http://schemas.microsoft.com/office/drawing/2014/main" id="{C07E4FB5-1D85-4BF1-B8E0-060B2B663D2A}"/>
+              </a:ext>
+            </a:extLst>
+          </p:cNvPr>
+          <p:cNvSpPr/>
+          <p:nvPr/>
+        </p:nvSpPr>
+        <p:spPr>
+          <a:xfrm>
+            <a:off x="-862895" y="1243865"/>
+            <a:ext cx="1267691" cy="1205346"/>
+          </a:xfrm>
+          <a:prstGeom prst="ellipse">
+            <a:avLst/>
+          </a:prstGeom>
+        </p:spPr>
+        <p:style>
+          <a:lnRef idx="2">
+            <a:schemeClr val="accent1">
+              <a:shade val="50000"/>
+            </a:schemeClr>
+          </a:lnRef>
+          <a:fillRef idx="1">
+            <a:schemeClr val="accent1"/>
+          </a:fillRef>
+          <a:effectRef idx="0">
+            <a:schemeClr val="accent1"/>
+          </a:effectRef>
+          <a:fontRef idx="minor">
+            <a:schemeClr val="lt1"/>
+          </a:fontRef>
+        </p:style>
+        <p:txBody>
+          <a:bodyPr rtlCol="0" anchor="ctr"/>
+          <a:lstStyle/>
+          <a:p>
+            <a:pPr algn="ctr"/>
+            <a:r>
+              <a:rPr lang="en-US" sz="1400" dirty="0"/>
+              <a:t>Microsoft</a:t>
+            </a:r>
+          </a:p>
+        </p:txBody>
+      </p:sp>
+      <p:sp>
+        <p:nvSpPr>
+          <p:cNvPr id="40" name="Oval 39">
+            <a:extLst>
+              <a:ext uri="{FF2B5EF4-FFF2-40B4-BE49-F238E27FC236}">
+                <a16:creationId xmlns:a16="http://schemas.microsoft.com/office/drawing/2014/main" id="{BDD098D9-4351-4F9A-B67D-216E5A60D7C2}"/>
+              </a:ext>
+            </a:extLst>
+          </p:cNvPr>
+          <p:cNvSpPr/>
+          <p:nvPr/>
+        </p:nvSpPr>
+        <p:spPr>
+          <a:xfrm>
+            <a:off x="-6541768" y="6858000"/>
+            <a:ext cx="2742167" cy="3113645"/>
+          </a:xfrm>
+          <a:prstGeom prst="ellipse">
+            <a:avLst/>
+          </a:prstGeom>
+        </p:spPr>
+        <p:style>
+          <a:lnRef idx="2">
+            <a:schemeClr val="accent1">
+              <a:shade val="50000"/>
+            </a:schemeClr>
+          </a:lnRef>
+          <a:fillRef idx="1">
+            <a:schemeClr val="accent1"/>
+          </a:fillRef>
+          <a:effectRef idx="0">
+            <a:schemeClr val="accent1"/>
+          </a:effectRef>
+          <a:fontRef idx="minor">
+            <a:schemeClr val="lt1"/>
+          </a:fontRef>
+        </p:style>
+        <p:txBody>
+          <a:bodyPr rtlCol="0" anchor="ctr"/>
+          <a:lstStyle/>
+          <a:p>
+            <a:pPr algn="ctr"/>
+            <a:r>
+              <a:rPr lang="en-US" dirty="0"/>
+              <a:t>Clique</a:t>
+            </a:r>
+          </a:p>
+        </p:txBody>
+      </p:sp>
+      <p:sp>
+        <p:nvSpPr>
+          <p:cNvPr id="42" name="Oval 41">
+            <a:extLst>
+              <a:ext uri="{FF2B5EF4-FFF2-40B4-BE49-F238E27FC236}">
+                <a16:creationId xmlns:a16="http://schemas.microsoft.com/office/drawing/2014/main" id="{E838BB16-F965-4FCE-8B3B-7DA332F3FE7A}"/>
+              </a:ext>
+            </a:extLst>
+          </p:cNvPr>
+          <p:cNvSpPr/>
+          <p:nvPr/>
+        </p:nvSpPr>
+        <p:spPr>
+          <a:xfrm>
+            <a:off x="-5534085" y="7682194"/>
+            <a:ext cx="1267691" cy="1205346"/>
+          </a:xfrm>
+          <a:prstGeom prst="ellipse">
+            <a:avLst/>
+          </a:prstGeom>
+        </p:spPr>
+        <p:style>
+          <a:lnRef idx="2">
+            <a:schemeClr val="accent1">
+              <a:shade val="50000"/>
+            </a:schemeClr>
+          </a:lnRef>
+          <a:fillRef idx="1">
+            <a:schemeClr val="accent1"/>
+          </a:fillRef>
+          <a:effectRef idx="0">
+            <a:schemeClr val="accent1"/>
+          </a:effectRef>
+          <a:fontRef idx="minor">
+            <a:schemeClr val="lt1"/>
+          </a:fontRef>
+        </p:style>
+        <p:txBody>
+          <a:bodyPr rtlCol="0" anchor="ctr"/>
+          <a:lstStyle/>
+          <a:p>
+            <a:pPr algn="ctr"/>
+            <a:r>
+              <a:rPr lang="en-US" sz="1400" dirty="0"/>
+              <a:t>Apple</a:t>
+            </a:r>
+          </a:p>
+        </p:txBody>
+      </p:sp>
+      <p:sp>
+        <p:nvSpPr>
+          <p:cNvPr id="43" name="Rectangle 42">
+            <a:extLst>
+              <a:ext uri="{FF2B5EF4-FFF2-40B4-BE49-F238E27FC236}">
+                <a16:creationId xmlns:a16="http://schemas.microsoft.com/office/drawing/2014/main" id="{284F8C5E-41C0-47B9-9309-3179015FCB0E}"/>
+              </a:ext>
+            </a:extLst>
+          </p:cNvPr>
+          <p:cNvSpPr/>
+          <p:nvPr/>
+        </p:nvSpPr>
+        <p:spPr>
+          <a:xfrm rot="1594758">
+            <a:off x="-6172772" y="4205810"/>
+            <a:ext cx="3076272" cy="1651874"/>
+          </a:xfrm>
+          <a:prstGeom prst="rect">
+            <a:avLst/>
+          </a:prstGeom>
+        </p:spPr>
+        <p:style>
+          <a:lnRef idx="2">
+            <a:schemeClr val="accent1">
+              <a:shade val="50000"/>
+            </a:schemeClr>
+          </a:lnRef>
+          <a:fillRef idx="1">
+            <a:schemeClr val="accent1"/>
+          </a:fillRef>
+          <a:effectRef idx="0">
+            <a:schemeClr val="accent1"/>
+          </a:effectRef>
+          <a:fontRef idx="minor">
+            <a:schemeClr val="lt1"/>
+          </a:fontRef>
+        </p:style>
+        <p:txBody>
+          <a:bodyPr rtlCol="0" anchor="ctr"/>
+          <a:lstStyle/>
+          <a:p>
+            <a:pPr algn="ctr"/>
+            <a:endParaRPr lang="en-US"/>
+          </a:p>
+        </p:txBody>
+      </p:sp>
+      <p:sp>
+        <p:nvSpPr>
+          <p:cNvPr id="44" name="Oval 43">
+            <a:extLst>
+              <a:ext uri="{FF2B5EF4-FFF2-40B4-BE49-F238E27FC236}">
+                <a16:creationId xmlns:a16="http://schemas.microsoft.com/office/drawing/2014/main" id="{D9262FCF-3308-4039-9839-DC63803B3861}"/>
+              </a:ext>
+            </a:extLst>
+          </p:cNvPr>
+          <p:cNvSpPr/>
+          <p:nvPr/>
+        </p:nvSpPr>
+        <p:spPr>
+          <a:xfrm>
+            <a:off x="-5177815" y="4441179"/>
+            <a:ext cx="1267691" cy="1205346"/>
+          </a:xfrm>
+          <a:prstGeom prst="ellipse">
+            <a:avLst/>
+          </a:prstGeom>
+        </p:spPr>
+        <p:style>
+          <a:lnRef idx="2">
+            <a:schemeClr val="accent1">
+              <a:shade val="50000"/>
+            </a:schemeClr>
+          </a:lnRef>
+          <a:fillRef idx="1">
+            <a:schemeClr val="accent1"/>
+          </a:fillRef>
+          <a:effectRef idx="0">
+            <a:schemeClr val="accent1"/>
+          </a:effectRef>
+          <a:fontRef idx="minor">
+            <a:schemeClr val="lt1"/>
+          </a:fontRef>
+        </p:style>
+        <p:txBody>
+          <a:bodyPr rtlCol="0" anchor="ctr"/>
+          <a:lstStyle/>
+          <a:p>
+            <a:pPr algn="ctr"/>
+            <a:r>
+              <a:rPr lang="en-US" dirty="0"/>
+              <a:t>Apple</a:t>
+            </a:r>
+          </a:p>
+        </p:txBody>
+      </p:sp>
+      <p:cxnSp>
+        <p:nvCxnSpPr>
+          <p:cNvPr id="47" name="Straight Connector 46">
+            <a:extLst>
+              <a:ext uri="{FF2B5EF4-FFF2-40B4-BE49-F238E27FC236}">
+                <a16:creationId xmlns:a16="http://schemas.microsoft.com/office/drawing/2014/main" id="{282B8034-8241-450B-BEFC-625E1CFD6BC6}"/>
+              </a:ext>
+            </a:extLst>
+          </p:cNvPr>
+          <p:cNvCxnSpPr>
+            <a:stCxn id="30" idx="4"/>
+          </p:cNvCxnSpPr>
+          <p:nvPr/>
+        </p:nvCxnSpPr>
+        <p:spPr>
+          <a:xfrm flipH="1">
+            <a:off x="-5170685" y="4320455"/>
+            <a:ext cx="1495064" cy="2679500"/>
+          </a:xfrm>
+          <a:prstGeom prst="line">
+            <a:avLst/>
+          </a:prstGeom>
+        </p:spPr>
+        <p:style>
+          <a:lnRef idx="1">
+            <a:schemeClr val="accent1"/>
+          </a:lnRef>
+          <a:fillRef idx="0">
+            <a:schemeClr val="accent1"/>
+          </a:fillRef>
+          <a:effectRef idx="0">
+            <a:schemeClr val="accent1"/>
+          </a:effectRef>
+          <a:fontRef idx="minor">
+            <a:schemeClr val="tx1"/>
+          </a:fontRef>
+        </p:style>
+      </p:cxnSp>
+      <p:sp>
+        <p:nvSpPr>
+          <p:cNvPr id="48" name="Oval 47">
+            <a:extLst>
+              <a:ext uri="{FF2B5EF4-FFF2-40B4-BE49-F238E27FC236}">
+                <a16:creationId xmlns:a16="http://schemas.microsoft.com/office/drawing/2014/main" id="{495B6B50-C244-48DD-8185-4F343629B2FA}"/>
+              </a:ext>
+            </a:extLst>
+          </p:cNvPr>
+          <p:cNvSpPr/>
+          <p:nvPr/>
+        </p:nvSpPr>
+        <p:spPr>
+          <a:xfrm>
+            <a:off x="-1935328" y="6410487"/>
+            <a:ext cx="2742167" cy="3113645"/>
+          </a:xfrm>
+          <a:prstGeom prst="ellipse">
+            <a:avLst/>
+          </a:prstGeom>
+        </p:spPr>
+        <p:style>
+          <a:lnRef idx="2">
+            <a:schemeClr val="accent1">
+              <a:shade val="50000"/>
+            </a:schemeClr>
+          </a:lnRef>
+          <a:fillRef idx="1">
+            <a:schemeClr val="accent1"/>
+          </a:fillRef>
+          <a:effectRef idx="0">
+            <a:schemeClr val="accent1"/>
+          </a:effectRef>
+          <a:fontRef idx="minor">
+            <a:schemeClr val="lt1"/>
+          </a:fontRef>
+        </p:style>
+        <p:txBody>
+          <a:bodyPr rtlCol="0" anchor="ctr"/>
+          <a:lstStyle/>
+          <a:p>
+            <a:pPr algn="ctr"/>
+            <a:r>
+              <a:rPr lang="en-US" dirty="0"/>
+              <a:t>Clique</a:t>
+            </a:r>
+          </a:p>
+        </p:txBody>
+      </p:sp>
+      <p:sp>
+        <p:nvSpPr>
+          <p:cNvPr id="49" name="Oval 48">
+            <a:extLst>
+              <a:ext uri="{FF2B5EF4-FFF2-40B4-BE49-F238E27FC236}">
+                <a16:creationId xmlns:a16="http://schemas.microsoft.com/office/drawing/2014/main" id="{0EDC3749-7541-4C53-916F-F82996527D6C}"/>
+              </a:ext>
+            </a:extLst>
+          </p:cNvPr>
+          <p:cNvSpPr/>
+          <p:nvPr/>
+        </p:nvSpPr>
+        <p:spPr>
+          <a:xfrm>
+            <a:off x="-958914" y="6682818"/>
+            <a:ext cx="1267691" cy="1205346"/>
+          </a:xfrm>
+          <a:prstGeom prst="ellipse">
+            <a:avLst/>
+          </a:prstGeom>
+        </p:spPr>
+        <p:style>
+          <a:lnRef idx="2">
+            <a:schemeClr val="accent1">
+              <a:shade val="50000"/>
+            </a:schemeClr>
+          </a:lnRef>
+          <a:fillRef idx="1">
+            <a:schemeClr val="accent1"/>
+          </a:fillRef>
+          <a:effectRef idx="0">
+            <a:schemeClr val="accent1"/>
+          </a:effectRef>
+          <a:fontRef idx="minor">
+            <a:schemeClr val="lt1"/>
+          </a:fontRef>
+        </p:style>
+        <p:txBody>
+          <a:bodyPr rtlCol="0" anchor="ctr"/>
+          <a:lstStyle/>
+          <a:p>
+            <a:pPr algn="ctr"/>
+            <a:r>
+              <a:rPr lang="en-US" sz="1400" dirty="0"/>
+              <a:t>Microsoft</a:t>
+            </a:r>
+          </a:p>
+        </p:txBody>
+      </p:sp>
+      <p:cxnSp>
+        <p:nvCxnSpPr>
+          <p:cNvPr id="50" name="Straight Connector 49">
+            <a:extLst>
+              <a:ext uri="{FF2B5EF4-FFF2-40B4-BE49-F238E27FC236}">
+                <a16:creationId xmlns:a16="http://schemas.microsoft.com/office/drawing/2014/main" id="{5F207277-CDB6-4DE1-8CEF-AE277078731D}"/>
+              </a:ext>
+            </a:extLst>
+          </p:cNvPr>
+          <p:cNvCxnSpPr>
+            <a:cxnSpLocks/>
+          </p:cNvCxnSpPr>
+          <p:nvPr/>
+        </p:nvCxnSpPr>
+        <p:spPr>
+          <a:xfrm flipV="1">
+            <a:off x="-4334496" y="7927130"/>
+            <a:ext cx="2946343" cy="222428"/>
+          </a:xfrm>
+          <a:prstGeom prst="line">
+            <a:avLst/>
+          </a:prstGeom>
+        </p:spPr>
+        <p:style>
+          <a:lnRef idx="1">
+            <a:schemeClr val="accent1"/>
+          </a:lnRef>
+          <a:fillRef idx="0">
+            <a:schemeClr val="accent1"/>
+          </a:fillRef>
+          <a:effectRef idx="0">
+            <a:schemeClr val="accent1"/>
+          </a:effectRef>
+          <a:fontRef idx="minor">
+            <a:schemeClr val="tx1"/>
+          </a:fontRef>
+        </p:style>
+      </p:cxnSp>
+      <p:sp>
+        <p:nvSpPr>
+          <p:cNvPr id="52" name="Oval 51">
+            <a:extLst>
+              <a:ext uri="{FF2B5EF4-FFF2-40B4-BE49-F238E27FC236}">
+                <a16:creationId xmlns:a16="http://schemas.microsoft.com/office/drawing/2014/main" id="{1CC97B29-E91E-4B68-8118-247729F03AE4}"/>
+              </a:ext>
+            </a:extLst>
+          </p:cNvPr>
+          <p:cNvSpPr/>
+          <p:nvPr/>
+        </p:nvSpPr>
+        <p:spPr>
+          <a:xfrm>
+            <a:off x="-1013987" y="7967940"/>
+            <a:ext cx="1267691" cy="1205346"/>
+          </a:xfrm>
+          <a:prstGeom prst="ellipse">
+            <a:avLst/>
+          </a:prstGeom>
+        </p:spPr>
+        <p:style>
+          <a:lnRef idx="2">
+            <a:schemeClr val="accent1">
+              <a:shade val="50000"/>
+            </a:schemeClr>
+          </a:lnRef>
+          <a:fillRef idx="1">
+            <a:schemeClr val="accent1"/>
+          </a:fillRef>
+          <a:effectRef idx="0">
+            <a:schemeClr val="accent1"/>
+          </a:effectRef>
+          <a:fontRef idx="minor">
+            <a:schemeClr val="lt1"/>
+          </a:fontRef>
+        </p:style>
+        <p:txBody>
+          <a:bodyPr rtlCol="0" anchor="ctr"/>
+          <a:lstStyle/>
+          <a:p>
+            <a:pPr algn="ctr"/>
+            <a:r>
+              <a:rPr lang="en-US" sz="1400" dirty="0"/>
+              <a:t>Apple</a:t>
+            </a:r>
+          </a:p>
+        </p:txBody>
+      </p:sp>
+      <p:sp>
+        <p:nvSpPr>
+          <p:cNvPr id="56" name="Rectangle 55">
+            <a:extLst>
+              <a:ext uri="{FF2B5EF4-FFF2-40B4-BE49-F238E27FC236}">
+                <a16:creationId xmlns:a16="http://schemas.microsoft.com/office/drawing/2014/main" id="{AE9E911E-0FF2-4A43-B566-01C777E9ACC5}"/>
+              </a:ext>
+            </a:extLst>
+          </p:cNvPr>
+          <p:cNvSpPr/>
+          <p:nvPr/>
+        </p:nvSpPr>
+        <p:spPr>
+          <a:xfrm rot="5176537">
+            <a:off x="-4450238" y="7173088"/>
+            <a:ext cx="3076272" cy="1651874"/>
+          </a:xfrm>
+          <a:prstGeom prst="rect">
+            <a:avLst/>
+          </a:prstGeom>
+        </p:spPr>
+        <p:style>
+          <a:lnRef idx="2">
+            <a:schemeClr val="accent1">
+              <a:shade val="50000"/>
+            </a:schemeClr>
+          </a:lnRef>
+          <a:fillRef idx="1">
+            <a:schemeClr val="accent1"/>
+          </a:fillRef>
+          <a:effectRef idx="0">
+            <a:schemeClr val="accent1"/>
+          </a:effectRef>
+          <a:fontRef idx="minor">
+            <a:schemeClr val="lt1"/>
+          </a:fontRef>
+        </p:style>
+        <p:txBody>
+          <a:bodyPr rtlCol="0" anchor="ctr"/>
+          <a:lstStyle/>
+          <a:p>
+            <a:pPr algn="ctr"/>
+            <a:endParaRPr lang="en-US"/>
+          </a:p>
+        </p:txBody>
+      </p:sp>
+      <p:sp>
+        <p:nvSpPr>
+          <p:cNvPr id="58" name="Oval 57">
+            <a:extLst>
+              <a:ext uri="{FF2B5EF4-FFF2-40B4-BE49-F238E27FC236}">
+                <a16:creationId xmlns:a16="http://schemas.microsoft.com/office/drawing/2014/main" id="{B5BB815B-127B-4B13-A3A1-679EFDC21317}"/>
+              </a:ext>
+            </a:extLst>
+          </p:cNvPr>
+          <p:cNvSpPr/>
+          <p:nvPr/>
+        </p:nvSpPr>
+        <p:spPr>
+          <a:xfrm>
+            <a:off x="-3577185" y="7364636"/>
+            <a:ext cx="1267691" cy="1205346"/>
+          </a:xfrm>
+          <a:prstGeom prst="ellipse">
+            <a:avLst/>
+          </a:prstGeom>
+        </p:spPr>
+        <p:style>
+          <a:lnRef idx="2">
+            <a:schemeClr val="accent1">
+              <a:shade val="50000"/>
+            </a:schemeClr>
+          </a:lnRef>
+          <a:fillRef idx="1">
+            <a:schemeClr val="accent1"/>
+          </a:fillRef>
+          <a:effectRef idx="0">
+            <a:schemeClr val="accent1"/>
+          </a:effectRef>
+          <a:fontRef idx="minor">
+            <a:schemeClr val="lt1"/>
+          </a:fontRef>
+        </p:style>
+        <p:txBody>
+          <a:bodyPr rtlCol="0" anchor="ctr"/>
+          <a:lstStyle/>
+          <a:p>
+            <a:pPr algn="ctr"/>
+            <a:r>
+              <a:rPr lang="en-US" sz="1400" dirty="0"/>
+              <a:t>Apple</a:t>
+            </a:r>
+          </a:p>
+        </p:txBody>
+      </p:sp>
+    </p:spTree>
+    <p:extLst>
+      <p:ext uri="{BB962C8B-B14F-4D97-AF65-F5344CB8AC3E}">
+        <p14:creationId xmlns:p14="http://schemas.microsoft.com/office/powerpoint/2010/main" val="1473229034"/>
+      </p:ext>
+    </p:extLst>
+  </p:cSld>
+  <p:clrMapOvr>
+    <a:masterClrMapping/>
+  </p:clrMapOvr>
+</p:sld>
+</file>
+
+<file path=ppt/slides/slide5.xml><?xml version="1.0" encoding="utf-8"?>
 <p:sld xmlns:a="http://schemas.openxmlformats.org/drawingml/2006/main" xmlns:r="http://schemas.openxmlformats.org/officeDocument/2006/relationships" xmlns:p="http://schemas.openxmlformats.org/presentationml/2006/main">
   <p:cSld>
     <p:spTree>
@@ -5657,7 +11495,7 @@
 </p:sld>
 </file>
 
-<file path=ppt/slides/slide4.xml><?xml version="1.0" encoding="utf-8"?>
+<file path=ppt/slides/slide6.xml><?xml version="1.0" encoding="utf-8"?>
 <p:sld xmlns:a="http://schemas.openxmlformats.org/drawingml/2006/main" xmlns:r="http://schemas.openxmlformats.org/officeDocument/2006/relationships" xmlns:p="http://schemas.openxmlformats.org/presentationml/2006/main">
   <p:cSld>
     <p:spTree>

--- a/MRF Learning.pptx
+++ b/MRF Learning.pptx
@@ -264,7 +264,7 @@
           <a:p>
             <a:fld id="{8174CD19-1539-4C4F-BA8F-941F0C8088BF}" type="datetimeFigureOut">
               <a:rPr lang="en-US" smtClean="0"/>
-              <a:t>5/25/2018</a:t>
+              <a:t>6/1/2018</a:t>
             </a:fld>
             <a:endParaRPr lang="en-US"/>
           </a:p>
@@ -462,7 +462,7 @@
           <a:p>
             <a:fld id="{8174CD19-1539-4C4F-BA8F-941F0C8088BF}" type="datetimeFigureOut">
               <a:rPr lang="en-US" smtClean="0"/>
-              <a:t>5/25/2018</a:t>
+              <a:t>6/1/2018</a:t>
             </a:fld>
             <a:endParaRPr lang="en-US"/>
           </a:p>
@@ -670,7 +670,7 @@
           <a:p>
             <a:fld id="{8174CD19-1539-4C4F-BA8F-941F0C8088BF}" type="datetimeFigureOut">
               <a:rPr lang="en-US" smtClean="0"/>
-              <a:t>5/25/2018</a:t>
+              <a:t>6/1/2018</a:t>
             </a:fld>
             <a:endParaRPr lang="en-US"/>
           </a:p>
@@ -868,7 +868,7 @@
           <a:p>
             <a:fld id="{8174CD19-1539-4C4F-BA8F-941F0C8088BF}" type="datetimeFigureOut">
               <a:rPr lang="en-US" smtClean="0"/>
-              <a:t>5/25/2018</a:t>
+              <a:t>6/1/2018</a:t>
             </a:fld>
             <a:endParaRPr lang="en-US"/>
           </a:p>
@@ -1143,7 +1143,7 @@
           <a:p>
             <a:fld id="{8174CD19-1539-4C4F-BA8F-941F0C8088BF}" type="datetimeFigureOut">
               <a:rPr lang="en-US" smtClean="0"/>
-              <a:t>5/25/2018</a:t>
+              <a:t>6/1/2018</a:t>
             </a:fld>
             <a:endParaRPr lang="en-US"/>
           </a:p>
@@ -1408,7 +1408,7 @@
           <a:p>
             <a:fld id="{8174CD19-1539-4C4F-BA8F-941F0C8088BF}" type="datetimeFigureOut">
               <a:rPr lang="en-US" smtClean="0"/>
-              <a:t>5/25/2018</a:t>
+              <a:t>6/1/2018</a:t>
             </a:fld>
             <a:endParaRPr lang="en-US"/>
           </a:p>
@@ -1820,7 +1820,7 @@
           <a:p>
             <a:fld id="{8174CD19-1539-4C4F-BA8F-941F0C8088BF}" type="datetimeFigureOut">
               <a:rPr lang="en-US" smtClean="0"/>
-              <a:t>5/25/2018</a:t>
+              <a:t>6/1/2018</a:t>
             </a:fld>
             <a:endParaRPr lang="en-US"/>
           </a:p>
@@ -1961,7 +1961,7 @@
           <a:p>
             <a:fld id="{8174CD19-1539-4C4F-BA8F-941F0C8088BF}" type="datetimeFigureOut">
               <a:rPr lang="en-US" smtClean="0"/>
-              <a:t>5/25/2018</a:t>
+              <a:t>6/1/2018</a:t>
             </a:fld>
             <a:endParaRPr lang="en-US"/>
           </a:p>
@@ -2074,7 +2074,7 @@
           <a:p>
             <a:fld id="{8174CD19-1539-4C4F-BA8F-941F0C8088BF}" type="datetimeFigureOut">
               <a:rPr lang="en-US" smtClean="0"/>
-              <a:t>5/25/2018</a:t>
+              <a:t>6/1/2018</a:t>
             </a:fld>
             <a:endParaRPr lang="en-US"/>
           </a:p>
@@ -2385,7 +2385,7 @@
           <a:p>
             <a:fld id="{8174CD19-1539-4C4F-BA8F-941F0C8088BF}" type="datetimeFigureOut">
               <a:rPr lang="en-US" smtClean="0"/>
-              <a:t>5/25/2018</a:t>
+              <a:t>6/1/2018</a:t>
             </a:fld>
             <a:endParaRPr lang="en-US"/>
           </a:p>
@@ -2673,7 +2673,7 @@
           <a:p>
             <a:fld id="{8174CD19-1539-4C4F-BA8F-941F0C8088BF}" type="datetimeFigureOut">
               <a:rPr lang="en-US" smtClean="0"/>
-              <a:t>5/25/2018</a:t>
+              <a:t>6/1/2018</a:t>
             </a:fld>
             <a:endParaRPr lang="en-US"/>
           </a:p>
@@ -2914,7 +2914,7 @@
           <a:p>
             <a:fld id="{8174CD19-1539-4C4F-BA8F-941F0C8088BF}" type="datetimeFigureOut">
               <a:rPr lang="en-US" smtClean="0"/>
-              <a:t>5/25/2018</a:t>
+              <a:t>6/1/2018</a:t>
             </a:fld>
             <a:endParaRPr lang="en-US"/>
           </a:p>
@@ -4287,8 +4287,8 @@
           </a:p>
         </p:txBody>
       </p:sp>
-      <mc:AlternateContent xmlns:mc="http://schemas.openxmlformats.org/markup-compatibility/2006">
-        <mc:Choice xmlns:a14="http://schemas.microsoft.com/office/drawing/2010/main" Requires="a14">
+      <mc:AlternateContent xmlns:mc="http://schemas.openxmlformats.org/markup-compatibility/2006" xmlns:a14="http://schemas.microsoft.com/office/drawing/2010/main">
+        <mc:Choice Requires="a14">
           <p:sp>
             <p:nvSpPr>
               <p:cNvPr id="3" name="Content Placeholder 2">
@@ -7544,7 +7544,7 @@
             </p:txBody>
           </p:sp>
         </mc:Choice>
-        <mc:Fallback>
+        <mc:Fallback xmlns="">
           <p:sp>
             <p:nvSpPr>
               <p:cNvPr id="3" name="Content Placeholder 2">
@@ -7893,42 +7893,6 @@
           <a:xfrm>
             <a:off x="10979915" y="2821799"/>
             <a:ext cx="975715" cy="793987"/>
-          </a:xfrm>
-          <a:prstGeom prst="line">
-            <a:avLst/>
-          </a:prstGeom>
-        </p:spPr>
-        <p:style>
-          <a:lnRef idx="1">
-            <a:schemeClr val="accent1"/>
-          </a:lnRef>
-          <a:fillRef idx="0">
-            <a:schemeClr val="accent1"/>
-          </a:fillRef>
-          <a:effectRef idx="0">
-            <a:schemeClr val="accent1"/>
-          </a:effectRef>
-          <a:fontRef idx="minor">
-            <a:schemeClr val="tx1"/>
-          </a:fontRef>
-        </p:style>
-      </p:cxnSp>
-      <p:cxnSp>
-        <p:nvCxnSpPr>
-          <p:cNvPr id="14" name="Straight Connector 13">
-            <a:extLst>
-              <a:ext uri="{FF2B5EF4-FFF2-40B4-BE49-F238E27FC236}">
-                <a16:creationId xmlns:a16="http://schemas.microsoft.com/office/drawing/2014/main" id="{52D01C96-3317-403C-923B-D92174DDD0F1}"/>
-              </a:ext>
-            </a:extLst>
-          </p:cNvPr>
-          <p:cNvCxnSpPr/>
-          <p:nvPr/>
-        </p:nvCxnSpPr>
-        <p:spPr>
-          <a:xfrm flipH="1">
-            <a:off x="9794248" y="4129813"/>
-            <a:ext cx="1457325" cy="905009"/>
           </a:xfrm>
           <a:prstGeom prst="line">
             <a:avLst/>
